--- a/Fedyshyn Andriy/Лабораторна робота №4/Лабораторна робота №4.pptx
+++ b/Fedyshyn Andriy/Лабораторна робота №4/Лабораторна робота №4.pptx
@@ -4,6 +4,35 @@
   <p:sldMasterIdLst>
     <p:sldMasterId id="2147483648" r:id="rId1"/>
   </p:sldMasterIdLst>
+  <p:sldIdLst>
+    <p:sldId id="256" r:id="rId2"/>
+    <p:sldId id="257" r:id="rId3"/>
+    <p:sldId id="260" r:id="rId4"/>
+    <p:sldId id="261" r:id="rId5"/>
+    <p:sldId id="262" r:id="rId6"/>
+    <p:sldId id="263" r:id="rId7"/>
+    <p:sldId id="264" r:id="rId8"/>
+    <p:sldId id="265" r:id="rId9"/>
+    <p:sldId id="266" r:id="rId10"/>
+    <p:sldId id="267" r:id="rId11"/>
+    <p:sldId id="268" r:id="rId12"/>
+    <p:sldId id="269" r:id="rId13"/>
+    <p:sldId id="270" r:id="rId14"/>
+    <p:sldId id="271" r:id="rId15"/>
+    <p:sldId id="272" r:id="rId16"/>
+    <p:sldId id="273" r:id="rId17"/>
+    <p:sldId id="274" r:id="rId18"/>
+    <p:sldId id="275" r:id="rId19"/>
+    <p:sldId id="276" r:id="rId20"/>
+    <p:sldId id="277" r:id="rId21"/>
+    <p:sldId id="278" r:id="rId22"/>
+    <p:sldId id="279" r:id="rId23"/>
+    <p:sldId id="280" r:id="rId24"/>
+    <p:sldId id="281" r:id="rId25"/>
+    <p:sldId id="282" r:id="rId26"/>
+    <p:sldId id="258" r:id="rId27"/>
+    <p:sldId id="259" r:id="rId28"/>
+  </p:sldIdLst>
   <p:sldSz cx="9144000" cy="6858000" type="screen4x3"/>
   <p:notesSz cx="6858000" cy="9144000"/>
   <p:defaultTextStyle>
@@ -285,7 +314,7 @@
           <a:p>
             <a:fld id="{B4C71EC6-210F-42DE-9C53-41977AD35B3D}" type="datetimeFigureOut">
               <a:rPr lang="ru-RU" smtClean="0"/>
-              <a:t>12.11.2009</a:t>
+              <a:t>11.05.2016</a:t>
             </a:fld>
             <a:endParaRPr lang="ru-RU"/>
           </a:p>
@@ -450,7 +479,7 @@
           <a:p>
             <a:fld id="{B4C71EC6-210F-42DE-9C53-41977AD35B3D}" type="datetimeFigureOut">
               <a:rPr lang="ru-RU" smtClean="0"/>
-              <a:t>12.11.2009</a:t>
+              <a:t>11.05.2016</a:t>
             </a:fld>
             <a:endParaRPr lang="ru-RU"/>
           </a:p>
@@ -625,7 +654,7 @@
           <a:p>
             <a:fld id="{B4C71EC6-210F-42DE-9C53-41977AD35B3D}" type="datetimeFigureOut">
               <a:rPr lang="ru-RU" smtClean="0"/>
-              <a:t>12.11.2009</a:t>
+              <a:t>11.05.2016</a:t>
             </a:fld>
             <a:endParaRPr lang="ru-RU"/>
           </a:p>
@@ -790,7 +819,7 @@
           <a:p>
             <a:fld id="{B4C71EC6-210F-42DE-9C53-41977AD35B3D}" type="datetimeFigureOut">
               <a:rPr lang="ru-RU" smtClean="0"/>
-              <a:t>12.11.2009</a:t>
+              <a:t>11.05.2016</a:t>
             </a:fld>
             <a:endParaRPr lang="ru-RU"/>
           </a:p>
@@ -1031,7 +1060,7 @@
           <a:p>
             <a:fld id="{B4C71EC6-210F-42DE-9C53-41977AD35B3D}" type="datetimeFigureOut">
               <a:rPr lang="ru-RU" smtClean="0"/>
-              <a:t>12.11.2009</a:t>
+              <a:t>11.05.2016</a:t>
             </a:fld>
             <a:endParaRPr lang="ru-RU"/>
           </a:p>
@@ -1314,7 +1343,7 @@
           <a:p>
             <a:fld id="{B4C71EC6-210F-42DE-9C53-41977AD35B3D}" type="datetimeFigureOut">
               <a:rPr lang="ru-RU" smtClean="0"/>
-              <a:t>12.11.2009</a:t>
+              <a:t>11.05.2016</a:t>
             </a:fld>
             <a:endParaRPr lang="ru-RU"/>
           </a:p>
@@ -1731,7 +1760,7 @@
           <a:p>
             <a:fld id="{B4C71EC6-210F-42DE-9C53-41977AD35B3D}" type="datetimeFigureOut">
               <a:rPr lang="ru-RU" smtClean="0"/>
-              <a:t>12.11.2009</a:t>
+              <a:t>11.05.2016</a:t>
             </a:fld>
             <a:endParaRPr lang="ru-RU"/>
           </a:p>
@@ -1844,7 +1873,7 @@
           <a:p>
             <a:fld id="{B4C71EC6-210F-42DE-9C53-41977AD35B3D}" type="datetimeFigureOut">
               <a:rPr lang="ru-RU" smtClean="0"/>
-              <a:t>12.11.2009</a:t>
+              <a:t>11.05.2016</a:t>
             </a:fld>
             <a:endParaRPr lang="ru-RU"/>
           </a:p>
@@ -1934,7 +1963,7 @@
           <a:p>
             <a:fld id="{B4C71EC6-210F-42DE-9C53-41977AD35B3D}" type="datetimeFigureOut">
               <a:rPr lang="ru-RU" smtClean="0"/>
-              <a:t>12.11.2009</a:t>
+              <a:t>11.05.2016</a:t>
             </a:fld>
             <a:endParaRPr lang="ru-RU"/>
           </a:p>
@@ -2206,7 +2235,7 @@
           <a:p>
             <a:fld id="{B4C71EC6-210F-42DE-9C53-41977AD35B3D}" type="datetimeFigureOut">
               <a:rPr lang="ru-RU" smtClean="0"/>
-              <a:t>12.11.2009</a:t>
+              <a:t>11.05.2016</a:t>
             </a:fld>
             <a:endParaRPr lang="ru-RU"/>
           </a:p>
@@ -2454,7 +2483,7 @@
           <a:p>
             <a:fld id="{B4C71EC6-210F-42DE-9C53-41977AD35B3D}" type="datetimeFigureOut">
               <a:rPr lang="ru-RU" smtClean="0"/>
-              <a:t>12.11.2009</a:t>
+              <a:t>11.05.2016</a:t>
             </a:fld>
             <a:endParaRPr lang="ru-RU"/>
           </a:p>
@@ -2514,9 +2543,14 @@
 <p:sldMaster xmlns:a="http://schemas.openxmlformats.org/drawingml/2006/main" xmlns:r="http://schemas.openxmlformats.org/officeDocument/2006/relationships" xmlns:p="http://schemas.openxmlformats.org/presentationml/2006/main">
   <p:cSld>
     <p:bg>
-      <p:bgRef idx="1001">
-        <a:schemeClr val="bg1"/>
-      </p:bgRef>
+      <p:bgPr>
+        <a:blipFill dpi="0" rotWithShape="1">
+          <a:blip r:embed="rId13"/>
+          <a:srcRect/>
+          <a:tile tx="0" ty="0" sx="100000" sy="100000" flip="none" algn="tl"/>
+        </a:blipFill>
+        <a:effectLst/>
+      </p:bgPr>
     </p:bg>
     <p:spTree>
       <p:nvGrpSpPr>
@@ -2662,7 +2696,7 @@
           <a:p>
             <a:fld id="{B4C71EC6-210F-42DE-9C53-41977AD35B3D}" type="datetimeFigureOut">
               <a:rPr lang="ru-RU" smtClean="0"/>
-              <a:t>12.11.2009</a:t>
+              <a:t>11.05.2016</a:t>
             </a:fld>
             <a:endParaRPr lang="ru-RU"/>
           </a:p>
@@ -3013,6 +3047,6643 @@
     </p:otherStyle>
   </p:txStyles>
 </p:sldMaster>
+</file>
+
+<file path=ppt/slides/slide1.xml><?xml version="1.0" encoding="utf-8"?>
+<p:sld xmlns:a="http://schemas.openxmlformats.org/drawingml/2006/main" xmlns:r="http://schemas.openxmlformats.org/officeDocument/2006/relationships" xmlns:p="http://schemas.openxmlformats.org/presentationml/2006/main">
+  <p:cSld>
+    <p:spTree>
+      <p:nvGrpSpPr>
+        <p:cNvPr id="1" name=""/>
+        <p:cNvGrpSpPr/>
+        <p:nvPr/>
+      </p:nvGrpSpPr>
+      <p:grpSpPr>
+        <a:xfrm>
+          <a:off x="0" y="0"/>
+          <a:ext cx="0" cy="0"/>
+          <a:chOff x="0" y="0"/>
+          <a:chExt cx="0" cy="0"/>
+        </a:xfrm>
+      </p:grpSpPr>
+      <p:sp>
+        <p:nvSpPr>
+          <p:cNvPr id="4" name="Заголовок 1"/>
+          <p:cNvSpPr>
+            <a:spLocks noGrp="1"/>
+          </p:cNvSpPr>
+          <p:nvPr>
+            <p:ph type="ctrTitle"/>
+          </p:nvPr>
+        </p:nvSpPr>
+        <p:spPr>
+          <a:xfrm>
+            <a:off x="827584" y="620688"/>
+            <a:ext cx="7772400" cy="1470025"/>
+          </a:xfrm>
+        </p:spPr>
+        <p:txBody>
+          <a:bodyPr/>
+          <a:lstStyle/>
+          <a:p>
+            <a:r>
+              <a:rPr lang="uk-UA" dirty="0" smtClean="0">
+                <a:latin typeface="Times New Roman" pitchFamily="18" charset="0"/>
+                <a:cs typeface="Times New Roman" pitchFamily="18" charset="0"/>
+              </a:rPr>
+              <a:t>Лабораторна робота </a:t>
+            </a:r>
+            <a:r>
+              <a:rPr lang="uk-UA" dirty="0" smtClean="0">
+                <a:latin typeface="Times New Roman" pitchFamily="18" charset="0"/>
+                <a:cs typeface="Times New Roman" pitchFamily="18" charset="0"/>
+              </a:rPr>
+              <a:t>№</a:t>
+            </a:r>
+            <a:r>
+              <a:rPr lang="uk-UA" dirty="0">
+                <a:latin typeface="Times New Roman" pitchFamily="18" charset="0"/>
+                <a:cs typeface="Times New Roman" pitchFamily="18" charset="0"/>
+              </a:rPr>
+              <a:t>4</a:t>
+            </a:r>
+            <a:endParaRPr lang="uk-UA" dirty="0">
+              <a:latin typeface="Times New Roman" pitchFamily="18" charset="0"/>
+              <a:cs typeface="Times New Roman" pitchFamily="18" charset="0"/>
+            </a:endParaRPr>
+          </a:p>
+        </p:txBody>
+      </p:sp>
+      <p:sp>
+        <p:nvSpPr>
+          <p:cNvPr id="5" name="Подзаголовок 2"/>
+          <p:cNvSpPr>
+            <a:spLocks noGrp="1"/>
+          </p:cNvSpPr>
+          <p:nvPr>
+            <p:ph type="subTitle" idx="1"/>
+          </p:nvPr>
+        </p:nvSpPr>
+        <p:spPr>
+          <a:xfrm>
+            <a:off x="1547664" y="2420888"/>
+            <a:ext cx="6400800" cy="1752600"/>
+          </a:xfrm>
+        </p:spPr>
+        <p:txBody>
+          <a:bodyPr>
+            <a:normAutofit fontScale="92500" lnSpcReduction="20000"/>
+          </a:bodyPr>
+          <a:lstStyle/>
+          <a:p>
+            <a:r>
+              <a:rPr lang="uk-UA" sz="4400" dirty="0" smtClean="0">
+                <a:solidFill>
+                  <a:schemeClr val="tx1"/>
+                </a:solidFill>
+                <a:latin typeface="Times New Roman" pitchFamily="18" charset="0"/>
+                <a:cs typeface="Times New Roman" pitchFamily="18" charset="0"/>
+              </a:rPr>
+              <a:t>«</a:t>
+            </a:r>
+            <a:r>
+              <a:rPr lang="uk-UA" sz="4400" b="1" i="1" dirty="0" smtClean="0">
+                <a:solidFill>
+                  <a:schemeClr val="tx1"/>
+                </a:solidFill>
+                <a:latin typeface="Times New Roman" pitchFamily="18" charset="0"/>
+                <a:cs typeface="Times New Roman" pitchFamily="18" charset="0"/>
+              </a:rPr>
+              <a:t>Тестування правильності побудови  інтерфейсу</a:t>
+            </a:r>
+            <a:r>
+              <a:rPr lang="uk-UA" sz="4400" dirty="0" smtClean="0">
+                <a:solidFill>
+                  <a:schemeClr val="tx1"/>
+                </a:solidFill>
+                <a:latin typeface="Times New Roman" pitchFamily="18" charset="0"/>
+                <a:cs typeface="Times New Roman" pitchFamily="18" charset="0"/>
+              </a:rPr>
+              <a:t>»</a:t>
+            </a:r>
+            <a:endParaRPr lang="uk-UA" sz="4400" dirty="0">
+              <a:solidFill>
+                <a:schemeClr val="tx1"/>
+              </a:solidFill>
+              <a:latin typeface="Times New Roman" pitchFamily="18" charset="0"/>
+              <a:cs typeface="Times New Roman" pitchFamily="18" charset="0"/>
+            </a:endParaRPr>
+          </a:p>
+        </p:txBody>
+      </p:sp>
+      <p:sp>
+        <p:nvSpPr>
+          <p:cNvPr id="6" name="TextBox 5"/>
+          <p:cNvSpPr txBox="1"/>
+          <p:nvPr/>
+        </p:nvSpPr>
+        <p:spPr>
+          <a:xfrm>
+            <a:off x="5220072" y="5085184"/>
+            <a:ext cx="3723392" cy="707886"/>
+          </a:xfrm>
+          <a:prstGeom prst="rect">
+            <a:avLst/>
+          </a:prstGeom>
+          <a:noFill/>
+        </p:spPr>
+        <p:txBody>
+          <a:bodyPr wrap="none" rtlCol="0">
+            <a:spAutoFit/>
+          </a:bodyPr>
+          <a:lstStyle/>
+          <a:p>
+            <a:r>
+              <a:rPr lang="uk-UA" sz="2000" dirty="0" smtClean="0">
+                <a:latin typeface="Times New Roman" pitchFamily="18" charset="0"/>
+                <a:cs typeface="Times New Roman" pitchFamily="18" charset="0"/>
+              </a:rPr>
+              <a:t>Виконав: студент групи ПІ-13-2 </a:t>
+            </a:r>
+            <a:br>
+              <a:rPr lang="uk-UA" sz="2000" dirty="0" smtClean="0">
+                <a:latin typeface="Times New Roman" pitchFamily="18" charset="0"/>
+                <a:cs typeface="Times New Roman" pitchFamily="18" charset="0"/>
+              </a:rPr>
+            </a:br>
+            <a:r>
+              <a:rPr lang="uk-UA" sz="2000" dirty="0" err="1" smtClean="0">
+                <a:latin typeface="Times New Roman" pitchFamily="18" charset="0"/>
+                <a:cs typeface="Times New Roman" pitchFamily="18" charset="0"/>
+              </a:rPr>
+              <a:t>Федишин</a:t>
+            </a:r>
+            <a:r>
+              <a:rPr lang="uk-UA" sz="2000" dirty="0" smtClean="0">
+                <a:latin typeface="Times New Roman" pitchFamily="18" charset="0"/>
+                <a:cs typeface="Times New Roman" pitchFamily="18" charset="0"/>
+              </a:rPr>
+              <a:t> А.Г.</a:t>
+            </a:r>
+            <a:endParaRPr lang="uk-UA" sz="2000" dirty="0">
+              <a:latin typeface="Times New Roman" pitchFamily="18" charset="0"/>
+              <a:cs typeface="Times New Roman" pitchFamily="18" charset="0"/>
+            </a:endParaRPr>
+          </a:p>
+        </p:txBody>
+      </p:sp>
+    </p:spTree>
+    <p:extLst>
+      <p:ext uri="{BB962C8B-B14F-4D97-AF65-F5344CB8AC3E}">
+        <p14:creationId xmlns:p14="http://schemas.microsoft.com/office/powerpoint/2010/main" val="1137581513"/>
+      </p:ext>
+    </p:extLst>
+  </p:cSld>
+  <p:clrMapOvr>
+    <a:masterClrMapping/>
+  </p:clrMapOvr>
+  <p:timing>
+    <p:tnLst>
+      <p:par>
+        <p:cTn id="1" dur="indefinite" restart="never" nodeType="tmRoot"/>
+      </p:par>
+    </p:tnLst>
+  </p:timing>
+</p:sld>
+</file>
+
+<file path=ppt/slides/slide10.xml><?xml version="1.0" encoding="utf-8"?>
+<p:sld xmlns:a="http://schemas.openxmlformats.org/drawingml/2006/main" xmlns:r="http://schemas.openxmlformats.org/officeDocument/2006/relationships" xmlns:p="http://schemas.openxmlformats.org/presentationml/2006/main">
+  <p:cSld>
+    <p:spTree>
+      <p:nvGrpSpPr>
+        <p:cNvPr id="1" name=""/>
+        <p:cNvGrpSpPr/>
+        <p:nvPr/>
+      </p:nvGrpSpPr>
+      <p:grpSpPr>
+        <a:xfrm>
+          <a:off x="0" y="0"/>
+          <a:ext cx="0" cy="0"/>
+          <a:chOff x="0" y="0"/>
+          <a:chExt cx="0" cy="0"/>
+        </a:xfrm>
+      </p:grpSpPr>
+      <p:sp>
+        <p:nvSpPr>
+          <p:cNvPr id="3" name="Объект 2"/>
+          <p:cNvSpPr>
+            <a:spLocks noGrp="1"/>
+          </p:cNvSpPr>
+          <p:nvPr>
+            <p:ph idx="1"/>
+          </p:nvPr>
+        </p:nvSpPr>
+        <p:spPr>
+          <a:xfrm>
+            <a:off x="467544" y="548680"/>
+            <a:ext cx="8229600" cy="5544616"/>
+          </a:xfrm>
+        </p:spPr>
+        <p:txBody>
+          <a:bodyPr/>
+          <a:lstStyle/>
+          <a:p>
+            <a:pPr marL="0" lvl="0" indent="0">
+              <a:buNone/>
+            </a:pPr>
+            <a:r>
+              <a:rPr lang="en-US" sz="2800" dirty="0"/>
+              <a:t>8</a:t>
+            </a:r>
+            <a:r>
+              <a:rPr lang="en-US" sz="2800" dirty="0" smtClean="0"/>
+              <a:t>.</a:t>
+            </a:r>
+            <a:r>
+              <a:rPr lang="uk-UA" sz="2800" dirty="0" smtClean="0"/>
+              <a:t> </a:t>
+            </a:r>
+            <a:r>
+              <a:rPr lang="uk-UA" sz="2800" dirty="0"/>
+              <a:t>Чи </a:t>
+            </a:r>
+            <a:r>
+              <a:rPr lang="uk-UA" sz="2800" dirty="0" err="1"/>
+              <a:t>radio</a:t>
+            </a:r>
+            <a:r>
+              <a:rPr lang="uk-UA" sz="2800" dirty="0"/>
+              <a:t> кнопка буде кращим вибором</a:t>
+            </a:r>
+            <a:r>
+              <a:rPr lang="ru-RU" sz="2800" dirty="0"/>
+              <a:t>? </a:t>
+            </a:r>
+            <a:r>
+              <a:rPr lang="uk-UA" sz="2800" dirty="0"/>
+              <a:t>(Вибрати між </a:t>
+            </a:r>
+            <a:r>
+              <a:rPr lang="uk-UA" sz="2800" dirty="0" err="1"/>
+              <a:t>горзонтальним</a:t>
+            </a:r>
+            <a:r>
+              <a:rPr lang="uk-UA" sz="2800" dirty="0"/>
+              <a:t> та вертикальним режимом. Горизонтальний вибраний за замовчуванням. )</a:t>
+            </a:r>
+          </a:p>
+          <a:p>
+            <a:pPr marL="0" indent="0">
+              <a:buNone/>
+            </a:pPr>
+            <a:endParaRPr lang="uk-UA" sz="2800" i="1" dirty="0" smtClean="0"/>
+          </a:p>
+          <a:p>
+            <a:pPr marL="0" indent="0">
+              <a:buNone/>
+            </a:pPr>
+            <a:r>
+              <a:rPr lang="uk-UA" sz="2800" i="1" dirty="0"/>
+              <a:t/>
+            </a:r>
+            <a:br>
+              <a:rPr lang="uk-UA" sz="2800" i="1" dirty="0"/>
+            </a:br>
+            <a:r>
+              <a:rPr lang="uk-UA" sz="2800" i="1" dirty="0"/>
+              <a:t>Звичайний </a:t>
+            </a:r>
+            <a:r>
+              <a:rPr lang="uk-UA" sz="2800" i="1" dirty="0" err="1"/>
+              <a:t>checkbox</a:t>
+            </a:r>
+            <a:r>
+              <a:rPr lang="uk-UA" sz="2800" i="1" dirty="0"/>
+              <a:t> вирішує задану задачу, але даний функціонал краще реалізувати перемикачем у вигляді двох кнопок типу </a:t>
+            </a:r>
+            <a:r>
+              <a:rPr lang="en-US" sz="2800" i="1" dirty="0"/>
+              <a:t>radio button</a:t>
+            </a:r>
+            <a:r>
+              <a:rPr lang="uk-UA" sz="2800" i="1" dirty="0"/>
+              <a:t>.</a:t>
+            </a:r>
+            <a:endParaRPr lang="uk-UA" sz="2800" dirty="0"/>
+          </a:p>
+          <a:p>
+            <a:pPr marL="0" indent="0">
+              <a:buNone/>
+            </a:pPr>
+            <a:endParaRPr lang="uk-UA" dirty="0"/>
+          </a:p>
+        </p:txBody>
+      </p:sp>
+      <p:sp>
+        <p:nvSpPr>
+          <p:cNvPr id="2" name="Rectangle 2"/>
+          <p:cNvSpPr>
+            <a:spLocks noChangeArrowheads="1"/>
+          </p:cNvSpPr>
+          <p:nvPr/>
+        </p:nvSpPr>
+        <p:spPr bwMode="auto">
+          <a:xfrm>
+            <a:off x="0" y="0"/>
+            <a:ext cx="9144000" cy="0"/>
+          </a:xfrm>
+          <a:prstGeom prst="rect">
+            <a:avLst/>
+          </a:prstGeom>
+          <a:noFill/>
+          <a:ln>
+            <a:noFill/>
+          </a:ln>
+          <a:effectLst/>
+          <a:extLst>
+            <a:ext uri="{909E8E84-426E-40DD-AFC4-6F175D3DCCD1}">
+              <a14:hiddenFill xmlns:a14="http://schemas.microsoft.com/office/drawing/2010/main">
+                <a:solidFill>
+                  <a:schemeClr val="accent1"/>
+                </a:solidFill>
+              </a14:hiddenFill>
+            </a:ext>
+            <a:ext uri="{91240B29-F687-4F45-9708-019B960494DF}">
+              <a14:hiddenLine xmlns:a14="http://schemas.microsoft.com/office/drawing/2010/main" w="9525">
+                <a:solidFill>
+                  <a:schemeClr val="tx1"/>
+                </a:solidFill>
+                <a:miter lim="800000"/>
+                <a:headEnd/>
+                <a:tailEnd/>
+              </a14:hiddenLine>
+            </a:ext>
+            <a:ext uri="{AF507438-7753-43E0-B8FC-AC1667EBCBE1}">
+              <a14:hiddenEffects xmlns:a14="http://schemas.microsoft.com/office/drawing/2010/main">
+                <a:effectLst>
+                  <a:outerShdw dist="35921" dir="2700000" algn="ctr" rotWithShape="0">
+                    <a:schemeClr val="bg2"/>
+                  </a:outerShdw>
+                </a:effectLst>
+              </a14:hiddenEffects>
+            </a:ext>
+          </a:extLst>
+        </p:spPr>
+        <p:txBody>
+          <a:bodyPr vert="horz" wrap="none" lIns="91440" tIns="45720" rIns="91440" bIns="45720" numCol="1" anchor="ctr" anchorCtr="0" compatLnSpc="1">
+            <a:prstTxWarp prst="textNoShape">
+              <a:avLst/>
+            </a:prstTxWarp>
+            <a:spAutoFit/>
+          </a:bodyPr>
+          <a:lstStyle/>
+          <a:p>
+            <a:endParaRPr lang="uk-UA"/>
+          </a:p>
+        </p:txBody>
+      </p:sp>
+      <p:graphicFrame>
+        <p:nvGraphicFramePr>
+          <p:cNvPr id="4" name="Объект 3"/>
+          <p:cNvGraphicFramePr>
+            <a:graphicFrameLocks noChangeAspect="1"/>
+          </p:cNvGraphicFramePr>
+          <p:nvPr>
+            <p:extLst>
+              <p:ext uri="{D42A27DB-BD31-4B8C-83A1-F6EECF244321}">
+                <p14:modId xmlns:p14="http://schemas.microsoft.com/office/powerpoint/2010/main" val="1673461748"/>
+              </p:ext>
+            </p:extLst>
+          </p:nvPr>
+        </p:nvGraphicFramePr>
+        <p:xfrm>
+          <a:off x="3652950" y="1988840"/>
+          <a:ext cx="1838099" cy="720080"/>
+        </p:xfrm>
+        <a:graphic>
+          <a:graphicData uri="http://schemas.openxmlformats.org/presentationml/2006/ole">
+            <mc:AlternateContent xmlns:mc="http://schemas.openxmlformats.org/markup-compatibility/2006">
+              <mc:Choice xmlns:v="urn:schemas-microsoft-com:vml" Requires="v">
+                <p:oleObj spid="_x0000_s7175" name="Bitmap Image" r:id="rId3" imgW="923810" imgH="361809" progId="Paint.Picture">
+                  <p:embed/>
+                </p:oleObj>
+              </mc:Choice>
+              <mc:Fallback>
+                <p:oleObj name="Bitmap Image" r:id="rId3" imgW="923810" imgH="361809" progId="Paint.Picture">
+                  <p:embed/>
+                  <p:pic>
+                    <p:nvPicPr>
+                      <p:cNvPr id="0" name="Object 1"/>
+                      <p:cNvPicPr>
+                        <a:picLocks noChangeAspect="1" noChangeArrowheads="1"/>
+                      </p:cNvPicPr>
+                      <p:nvPr/>
+                    </p:nvPicPr>
+                    <p:blipFill>
+                      <a:blip r:embed="rId4">
+                        <a:extLst>
+                          <a:ext uri="{28A0092B-C50C-407E-A947-70E740481C1C}">
+                            <a14:useLocalDpi xmlns:a14="http://schemas.microsoft.com/office/drawing/2010/main" val="0"/>
+                          </a:ext>
+                        </a:extLst>
+                      </a:blip>
+                      <a:srcRect/>
+                      <a:stretch>
+                        <a:fillRect/>
+                      </a:stretch>
+                    </p:blipFill>
+                    <p:spPr bwMode="auto">
+                      <a:xfrm>
+                        <a:off x="3652950" y="1988840"/>
+                        <a:ext cx="1838099" cy="720080"/>
+                      </a:xfrm>
+                      <a:prstGeom prst="rect">
+                        <a:avLst/>
+                      </a:prstGeom>
+                      <a:noFill/>
+                    </p:spPr>
+                  </p:pic>
+                </p:oleObj>
+              </mc:Fallback>
+            </mc:AlternateContent>
+          </a:graphicData>
+        </a:graphic>
+      </p:graphicFrame>
+      <p:sp>
+        <p:nvSpPr>
+          <p:cNvPr id="5" name="Rectangle 4"/>
+          <p:cNvSpPr>
+            <a:spLocks noChangeArrowheads="1"/>
+          </p:cNvSpPr>
+          <p:nvPr/>
+        </p:nvSpPr>
+        <p:spPr bwMode="auto">
+          <a:xfrm>
+            <a:off x="0" y="0"/>
+            <a:ext cx="9144000" cy="0"/>
+          </a:xfrm>
+          <a:prstGeom prst="rect">
+            <a:avLst/>
+          </a:prstGeom>
+          <a:noFill/>
+          <a:ln>
+            <a:noFill/>
+          </a:ln>
+          <a:effectLst/>
+          <a:extLst>
+            <a:ext uri="{909E8E84-426E-40DD-AFC4-6F175D3DCCD1}">
+              <a14:hiddenFill xmlns:a14="http://schemas.microsoft.com/office/drawing/2010/main">
+                <a:solidFill>
+                  <a:schemeClr val="accent1"/>
+                </a:solidFill>
+              </a14:hiddenFill>
+            </a:ext>
+            <a:ext uri="{91240B29-F687-4F45-9708-019B960494DF}">
+              <a14:hiddenLine xmlns:a14="http://schemas.microsoft.com/office/drawing/2010/main" w="9525">
+                <a:solidFill>
+                  <a:schemeClr val="tx1"/>
+                </a:solidFill>
+                <a:miter lim="800000"/>
+                <a:headEnd/>
+                <a:tailEnd/>
+              </a14:hiddenLine>
+            </a:ext>
+            <a:ext uri="{AF507438-7753-43E0-B8FC-AC1667EBCBE1}">
+              <a14:hiddenEffects xmlns:a14="http://schemas.microsoft.com/office/drawing/2010/main">
+                <a:effectLst>
+                  <a:outerShdw dist="35921" dir="2700000" algn="ctr" rotWithShape="0">
+                    <a:schemeClr val="bg2"/>
+                  </a:outerShdw>
+                </a:effectLst>
+              </a14:hiddenEffects>
+            </a:ext>
+          </a:extLst>
+        </p:spPr>
+        <p:txBody>
+          <a:bodyPr vert="horz" wrap="none" lIns="91440" tIns="45720" rIns="91440" bIns="45720" numCol="1" anchor="ctr" anchorCtr="0" compatLnSpc="1">
+            <a:prstTxWarp prst="textNoShape">
+              <a:avLst/>
+            </a:prstTxWarp>
+            <a:spAutoFit/>
+          </a:bodyPr>
+          <a:lstStyle/>
+          <a:p>
+            <a:endParaRPr lang="uk-UA"/>
+          </a:p>
+        </p:txBody>
+      </p:sp>
+      <p:graphicFrame>
+        <p:nvGraphicFramePr>
+          <p:cNvPr id="6" name="Объект 5"/>
+          <p:cNvGraphicFramePr>
+            <a:graphicFrameLocks noChangeAspect="1"/>
+          </p:cNvGraphicFramePr>
+          <p:nvPr>
+            <p:extLst>
+              <p:ext uri="{D42A27DB-BD31-4B8C-83A1-F6EECF244321}">
+                <p14:modId xmlns:p14="http://schemas.microsoft.com/office/powerpoint/2010/main" val="3694454746"/>
+              </p:ext>
+            </p:extLst>
+          </p:nvPr>
+        </p:nvGraphicFramePr>
+        <p:xfrm>
+          <a:off x="3563888" y="4437112"/>
+          <a:ext cx="2191302" cy="1152128"/>
+        </p:xfrm>
+        <a:graphic>
+          <a:graphicData uri="http://schemas.openxmlformats.org/presentationml/2006/ole">
+            <mc:AlternateContent xmlns:mc="http://schemas.openxmlformats.org/markup-compatibility/2006">
+              <mc:Choice xmlns:v="urn:schemas-microsoft-com:vml" Requires="v">
+                <p:oleObj spid="_x0000_s7176" name="Bitmap Image" r:id="rId5" imgW="923810" imgH="485586" progId="Paint.Picture">
+                  <p:embed/>
+                </p:oleObj>
+              </mc:Choice>
+              <mc:Fallback>
+                <p:oleObj name="Bitmap Image" r:id="rId5" imgW="923810" imgH="485586" progId="Paint.Picture">
+                  <p:embed/>
+                  <p:pic>
+                    <p:nvPicPr>
+                      <p:cNvPr id="0" name="Object 3"/>
+                      <p:cNvPicPr>
+                        <a:picLocks noChangeAspect="1" noChangeArrowheads="1"/>
+                      </p:cNvPicPr>
+                      <p:nvPr/>
+                    </p:nvPicPr>
+                    <p:blipFill>
+                      <a:blip r:embed="rId6">
+                        <a:extLst>
+                          <a:ext uri="{28A0092B-C50C-407E-A947-70E740481C1C}">
+                            <a14:useLocalDpi xmlns:a14="http://schemas.microsoft.com/office/drawing/2010/main" val="0"/>
+                          </a:ext>
+                        </a:extLst>
+                      </a:blip>
+                      <a:srcRect/>
+                      <a:stretch>
+                        <a:fillRect/>
+                      </a:stretch>
+                    </p:blipFill>
+                    <p:spPr bwMode="auto">
+                      <a:xfrm>
+                        <a:off x="3563888" y="4437112"/>
+                        <a:ext cx="2191302" cy="1152128"/>
+                      </a:xfrm>
+                      <a:prstGeom prst="rect">
+                        <a:avLst/>
+                      </a:prstGeom>
+                      <a:noFill/>
+                    </p:spPr>
+                  </p:pic>
+                </p:oleObj>
+              </mc:Fallback>
+            </mc:AlternateContent>
+          </a:graphicData>
+        </a:graphic>
+      </p:graphicFrame>
+    </p:spTree>
+    <p:extLst>
+      <p:ext uri="{BB962C8B-B14F-4D97-AF65-F5344CB8AC3E}">
+        <p14:creationId xmlns:p14="http://schemas.microsoft.com/office/powerpoint/2010/main" val="2068316895"/>
+      </p:ext>
+    </p:extLst>
+  </p:cSld>
+  <p:clrMapOvr>
+    <a:masterClrMapping/>
+  </p:clrMapOvr>
+  <p:timing>
+    <p:tnLst>
+      <p:par>
+        <p:cTn id="1" dur="indefinite" restart="never" nodeType="tmRoot"/>
+      </p:par>
+    </p:tnLst>
+  </p:timing>
+</p:sld>
+</file>
+
+<file path=ppt/slides/slide11.xml><?xml version="1.0" encoding="utf-8"?>
+<p:sld xmlns:a="http://schemas.openxmlformats.org/drawingml/2006/main" xmlns:r="http://schemas.openxmlformats.org/officeDocument/2006/relationships" xmlns:p="http://schemas.openxmlformats.org/presentationml/2006/main">
+  <p:cSld>
+    <p:spTree>
+      <p:nvGrpSpPr>
+        <p:cNvPr id="1" name=""/>
+        <p:cNvGrpSpPr/>
+        <p:nvPr/>
+      </p:nvGrpSpPr>
+      <p:grpSpPr>
+        <a:xfrm>
+          <a:off x="0" y="0"/>
+          <a:ext cx="0" cy="0"/>
+          <a:chOff x="0" y="0"/>
+          <a:chExt cx="0" cy="0"/>
+        </a:xfrm>
+      </p:grpSpPr>
+      <p:sp>
+        <p:nvSpPr>
+          <p:cNvPr id="3" name="Объект 2"/>
+          <p:cNvSpPr>
+            <a:spLocks noGrp="1"/>
+          </p:cNvSpPr>
+          <p:nvPr>
+            <p:ph idx="1"/>
+          </p:nvPr>
+        </p:nvSpPr>
+        <p:spPr>
+          <a:xfrm>
+            <a:off x="467544" y="548680"/>
+            <a:ext cx="8229600" cy="5544616"/>
+          </a:xfrm>
+        </p:spPr>
+        <p:txBody>
+          <a:bodyPr/>
+          <a:lstStyle/>
+          <a:p>
+            <a:pPr marL="0" lvl="0" indent="0">
+              <a:buNone/>
+            </a:pPr>
+            <a:r>
+              <a:rPr lang="en-US" dirty="0"/>
+              <a:t>9</a:t>
+            </a:r>
+            <a:r>
+              <a:rPr lang="en-US" dirty="0" smtClean="0"/>
+              <a:t>.</a:t>
+            </a:r>
+            <a:r>
+              <a:rPr lang="uk-UA" dirty="0"/>
+              <a:t> Чи </a:t>
+            </a:r>
+            <a:r>
+              <a:rPr lang="uk-UA" dirty="0" err="1"/>
+              <a:t>radio</a:t>
+            </a:r>
+            <a:r>
+              <a:rPr lang="uk-UA" dirty="0"/>
+              <a:t> кнопка є кращим вибором?</a:t>
+            </a:r>
+          </a:p>
+          <a:p>
+            <a:pPr marL="0" indent="0">
+              <a:buNone/>
+            </a:pPr>
+            <a:endParaRPr lang="uk-UA" i="1" dirty="0"/>
+          </a:p>
+          <a:p>
+            <a:pPr marL="0" indent="0">
+              <a:buNone/>
+            </a:pPr>
+            <a:endParaRPr lang="uk-UA" i="1" dirty="0"/>
+          </a:p>
+          <a:p>
+            <a:pPr marL="0" indent="0">
+              <a:buNone/>
+            </a:pPr>
+            <a:endParaRPr lang="uk-UA" i="1" dirty="0" smtClean="0"/>
+          </a:p>
+          <a:p>
+            <a:pPr marL="0" indent="0">
+              <a:buNone/>
+            </a:pPr>
+            <a:endParaRPr lang="uk-UA" i="1" dirty="0"/>
+          </a:p>
+          <a:p>
+            <a:pPr marL="0" indent="0">
+              <a:buNone/>
+            </a:pPr>
+            <a:r>
+              <a:rPr lang="uk-UA" i="1" dirty="0" smtClean="0"/>
+              <a:t>Ні</a:t>
+            </a:r>
+            <a:r>
+              <a:rPr lang="uk-UA" i="1" dirty="0"/>
+              <a:t>. Вистачить одного елемента </a:t>
+            </a:r>
+            <a:r>
+              <a:rPr lang="ru-RU" i="1" dirty="0" err="1"/>
+              <a:t>checkbox</a:t>
+            </a:r>
+            <a:endParaRPr lang="uk-UA" dirty="0"/>
+          </a:p>
+          <a:p>
+            <a:pPr marL="0" indent="0">
+              <a:buNone/>
+            </a:pPr>
+            <a:endParaRPr lang="uk-UA" dirty="0"/>
+          </a:p>
+        </p:txBody>
+      </p:sp>
+      <p:sp>
+        <p:nvSpPr>
+          <p:cNvPr id="2" name="Rectangle 2"/>
+          <p:cNvSpPr>
+            <a:spLocks noChangeArrowheads="1"/>
+          </p:cNvSpPr>
+          <p:nvPr/>
+        </p:nvSpPr>
+        <p:spPr bwMode="auto">
+          <a:xfrm>
+            <a:off x="0" y="0"/>
+            <a:ext cx="9144000" cy="0"/>
+          </a:xfrm>
+          <a:prstGeom prst="rect">
+            <a:avLst/>
+          </a:prstGeom>
+          <a:noFill/>
+          <a:ln>
+            <a:noFill/>
+          </a:ln>
+          <a:effectLst/>
+          <a:extLst>
+            <a:ext uri="{909E8E84-426E-40DD-AFC4-6F175D3DCCD1}">
+              <a14:hiddenFill xmlns:a14="http://schemas.microsoft.com/office/drawing/2010/main">
+                <a:solidFill>
+                  <a:schemeClr val="accent1"/>
+                </a:solidFill>
+              </a14:hiddenFill>
+            </a:ext>
+            <a:ext uri="{91240B29-F687-4F45-9708-019B960494DF}">
+              <a14:hiddenLine xmlns:a14="http://schemas.microsoft.com/office/drawing/2010/main" w="9525">
+                <a:solidFill>
+                  <a:schemeClr val="tx1"/>
+                </a:solidFill>
+                <a:miter lim="800000"/>
+                <a:headEnd/>
+                <a:tailEnd/>
+              </a14:hiddenLine>
+            </a:ext>
+            <a:ext uri="{AF507438-7753-43E0-B8FC-AC1667EBCBE1}">
+              <a14:hiddenEffects xmlns:a14="http://schemas.microsoft.com/office/drawing/2010/main">
+                <a:effectLst>
+                  <a:outerShdw dist="35921" dir="2700000" algn="ctr" rotWithShape="0">
+                    <a:schemeClr val="bg2"/>
+                  </a:outerShdw>
+                </a:effectLst>
+              </a14:hiddenEffects>
+            </a:ext>
+          </a:extLst>
+        </p:spPr>
+        <p:txBody>
+          <a:bodyPr vert="horz" wrap="none" lIns="91440" tIns="45720" rIns="91440" bIns="45720" numCol="1" anchor="ctr" anchorCtr="0" compatLnSpc="1">
+            <a:prstTxWarp prst="textNoShape">
+              <a:avLst/>
+            </a:prstTxWarp>
+            <a:spAutoFit/>
+          </a:bodyPr>
+          <a:lstStyle/>
+          <a:p>
+            <a:endParaRPr lang="uk-UA"/>
+          </a:p>
+        </p:txBody>
+      </p:sp>
+      <p:graphicFrame>
+        <p:nvGraphicFramePr>
+          <p:cNvPr id="4" name="Объект 3"/>
+          <p:cNvGraphicFramePr>
+            <a:graphicFrameLocks noChangeAspect="1"/>
+          </p:cNvGraphicFramePr>
+          <p:nvPr>
+            <p:extLst>
+              <p:ext uri="{D42A27DB-BD31-4B8C-83A1-F6EECF244321}">
+                <p14:modId xmlns:p14="http://schemas.microsoft.com/office/powerpoint/2010/main" val="3898797125"/>
+              </p:ext>
+            </p:extLst>
+          </p:nvPr>
+        </p:nvGraphicFramePr>
+        <p:xfrm>
+          <a:off x="3347864" y="1556792"/>
+          <a:ext cx="2875748" cy="1224136"/>
+        </p:xfrm>
+        <a:graphic>
+          <a:graphicData uri="http://schemas.openxmlformats.org/presentationml/2006/ole">
+            <mc:AlternateContent xmlns:mc="http://schemas.openxmlformats.org/markup-compatibility/2006">
+              <mc:Choice xmlns:v="urn:schemas-microsoft-com:vml" Requires="v">
+                <p:oleObj spid="_x0000_s8199" name="Bitmap Image" r:id="rId3" imgW="1409897" imgH="600159" progId="Paint.Picture">
+                  <p:embed/>
+                </p:oleObj>
+              </mc:Choice>
+              <mc:Fallback>
+                <p:oleObj name="Bitmap Image" r:id="rId3" imgW="1409897" imgH="600159" progId="Paint.Picture">
+                  <p:embed/>
+                  <p:pic>
+                    <p:nvPicPr>
+                      <p:cNvPr id="0" name="Object 1"/>
+                      <p:cNvPicPr>
+                        <a:picLocks noChangeAspect="1" noChangeArrowheads="1"/>
+                      </p:cNvPicPr>
+                      <p:nvPr/>
+                    </p:nvPicPr>
+                    <p:blipFill>
+                      <a:blip r:embed="rId4">
+                        <a:extLst>
+                          <a:ext uri="{28A0092B-C50C-407E-A947-70E740481C1C}">
+                            <a14:useLocalDpi xmlns:a14="http://schemas.microsoft.com/office/drawing/2010/main" val="0"/>
+                          </a:ext>
+                        </a:extLst>
+                      </a:blip>
+                      <a:srcRect/>
+                      <a:stretch>
+                        <a:fillRect/>
+                      </a:stretch>
+                    </p:blipFill>
+                    <p:spPr bwMode="auto">
+                      <a:xfrm>
+                        <a:off x="3347864" y="1556792"/>
+                        <a:ext cx="2875748" cy="1224136"/>
+                      </a:xfrm>
+                      <a:prstGeom prst="rect">
+                        <a:avLst/>
+                      </a:prstGeom>
+                      <a:noFill/>
+                    </p:spPr>
+                  </p:pic>
+                </p:oleObj>
+              </mc:Fallback>
+            </mc:AlternateContent>
+          </a:graphicData>
+        </a:graphic>
+      </p:graphicFrame>
+      <p:sp>
+        <p:nvSpPr>
+          <p:cNvPr id="5" name="Rectangle 4"/>
+          <p:cNvSpPr>
+            <a:spLocks noChangeArrowheads="1"/>
+          </p:cNvSpPr>
+          <p:nvPr/>
+        </p:nvSpPr>
+        <p:spPr bwMode="auto">
+          <a:xfrm>
+            <a:off x="0" y="0"/>
+            <a:ext cx="9144000" cy="0"/>
+          </a:xfrm>
+          <a:prstGeom prst="rect">
+            <a:avLst/>
+          </a:prstGeom>
+          <a:noFill/>
+          <a:ln>
+            <a:noFill/>
+          </a:ln>
+          <a:effectLst/>
+          <a:extLst>
+            <a:ext uri="{909E8E84-426E-40DD-AFC4-6F175D3DCCD1}">
+              <a14:hiddenFill xmlns:a14="http://schemas.microsoft.com/office/drawing/2010/main">
+                <a:solidFill>
+                  <a:schemeClr val="accent1"/>
+                </a:solidFill>
+              </a14:hiddenFill>
+            </a:ext>
+            <a:ext uri="{91240B29-F687-4F45-9708-019B960494DF}">
+              <a14:hiddenLine xmlns:a14="http://schemas.microsoft.com/office/drawing/2010/main" w="9525">
+                <a:solidFill>
+                  <a:schemeClr val="tx1"/>
+                </a:solidFill>
+                <a:miter lim="800000"/>
+                <a:headEnd/>
+                <a:tailEnd/>
+              </a14:hiddenLine>
+            </a:ext>
+            <a:ext uri="{AF507438-7753-43E0-B8FC-AC1667EBCBE1}">
+              <a14:hiddenEffects xmlns:a14="http://schemas.microsoft.com/office/drawing/2010/main">
+                <a:effectLst>
+                  <a:outerShdw dist="35921" dir="2700000" algn="ctr" rotWithShape="0">
+                    <a:schemeClr val="bg2"/>
+                  </a:outerShdw>
+                </a:effectLst>
+              </a14:hiddenEffects>
+            </a:ext>
+          </a:extLst>
+        </p:spPr>
+        <p:txBody>
+          <a:bodyPr vert="horz" wrap="none" lIns="91440" tIns="45720" rIns="91440" bIns="45720" numCol="1" anchor="ctr" anchorCtr="0" compatLnSpc="1">
+            <a:prstTxWarp prst="textNoShape">
+              <a:avLst/>
+            </a:prstTxWarp>
+            <a:spAutoFit/>
+          </a:bodyPr>
+          <a:lstStyle/>
+          <a:p>
+            <a:endParaRPr lang="uk-UA"/>
+          </a:p>
+        </p:txBody>
+      </p:sp>
+      <p:graphicFrame>
+        <p:nvGraphicFramePr>
+          <p:cNvPr id="6" name="Объект 5"/>
+          <p:cNvGraphicFramePr>
+            <a:graphicFrameLocks noChangeAspect="1"/>
+          </p:cNvGraphicFramePr>
+          <p:nvPr>
+            <p:extLst>
+              <p:ext uri="{D42A27DB-BD31-4B8C-83A1-F6EECF244321}">
+                <p14:modId xmlns:p14="http://schemas.microsoft.com/office/powerpoint/2010/main" val="4043514531"/>
+              </p:ext>
+            </p:extLst>
+          </p:nvPr>
+        </p:nvGraphicFramePr>
+        <p:xfrm>
+          <a:off x="3131840" y="4365104"/>
+          <a:ext cx="3316260" cy="864096"/>
+        </p:xfrm>
+        <a:graphic>
+          <a:graphicData uri="http://schemas.openxmlformats.org/presentationml/2006/ole">
+            <mc:AlternateContent xmlns:mc="http://schemas.openxmlformats.org/markup-compatibility/2006">
+              <mc:Choice xmlns:v="urn:schemas-microsoft-com:vml" Requires="v">
+                <p:oleObj spid="_x0000_s8200" name="Bitmap Image" r:id="rId5" imgW="1352381" imgH="352474" progId="Paint.Picture">
+                  <p:embed/>
+                </p:oleObj>
+              </mc:Choice>
+              <mc:Fallback>
+                <p:oleObj name="Bitmap Image" r:id="rId5" imgW="1352381" imgH="352474" progId="Paint.Picture">
+                  <p:embed/>
+                  <p:pic>
+                    <p:nvPicPr>
+                      <p:cNvPr id="0" name="Object 3"/>
+                      <p:cNvPicPr>
+                        <a:picLocks noChangeAspect="1" noChangeArrowheads="1"/>
+                      </p:cNvPicPr>
+                      <p:nvPr/>
+                    </p:nvPicPr>
+                    <p:blipFill>
+                      <a:blip r:embed="rId6">
+                        <a:extLst>
+                          <a:ext uri="{28A0092B-C50C-407E-A947-70E740481C1C}">
+                            <a14:useLocalDpi xmlns:a14="http://schemas.microsoft.com/office/drawing/2010/main" val="0"/>
+                          </a:ext>
+                        </a:extLst>
+                      </a:blip>
+                      <a:srcRect/>
+                      <a:stretch>
+                        <a:fillRect/>
+                      </a:stretch>
+                    </p:blipFill>
+                    <p:spPr bwMode="auto">
+                      <a:xfrm>
+                        <a:off x="3131840" y="4365104"/>
+                        <a:ext cx="3316260" cy="864096"/>
+                      </a:xfrm>
+                      <a:prstGeom prst="rect">
+                        <a:avLst/>
+                      </a:prstGeom>
+                      <a:noFill/>
+                    </p:spPr>
+                  </p:pic>
+                </p:oleObj>
+              </mc:Fallback>
+            </mc:AlternateContent>
+          </a:graphicData>
+        </a:graphic>
+      </p:graphicFrame>
+    </p:spTree>
+    <p:extLst>
+      <p:ext uri="{BB962C8B-B14F-4D97-AF65-F5344CB8AC3E}">
+        <p14:creationId xmlns:p14="http://schemas.microsoft.com/office/powerpoint/2010/main" val="980843944"/>
+      </p:ext>
+    </p:extLst>
+  </p:cSld>
+  <p:clrMapOvr>
+    <a:masterClrMapping/>
+  </p:clrMapOvr>
+  <p:timing>
+    <p:tnLst>
+      <p:par>
+        <p:cTn id="1" dur="indefinite" restart="never" nodeType="tmRoot"/>
+      </p:par>
+    </p:tnLst>
+  </p:timing>
+</p:sld>
+</file>
+
+<file path=ppt/slides/slide12.xml><?xml version="1.0" encoding="utf-8"?>
+<p:sld xmlns:a="http://schemas.openxmlformats.org/drawingml/2006/main" xmlns:r="http://schemas.openxmlformats.org/officeDocument/2006/relationships" xmlns:p="http://schemas.openxmlformats.org/presentationml/2006/main">
+  <p:cSld>
+    <p:spTree>
+      <p:nvGrpSpPr>
+        <p:cNvPr id="1" name=""/>
+        <p:cNvGrpSpPr/>
+        <p:nvPr/>
+      </p:nvGrpSpPr>
+      <p:grpSpPr>
+        <a:xfrm>
+          <a:off x="0" y="0"/>
+          <a:ext cx="0" cy="0"/>
+          <a:chOff x="0" y="0"/>
+          <a:chExt cx="0" cy="0"/>
+        </a:xfrm>
+      </p:grpSpPr>
+      <p:sp>
+        <p:nvSpPr>
+          <p:cNvPr id="3" name="Объект 2"/>
+          <p:cNvSpPr>
+            <a:spLocks noGrp="1"/>
+          </p:cNvSpPr>
+          <p:nvPr>
+            <p:ph idx="1"/>
+          </p:nvPr>
+        </p:nvSpPr>
+        <p:spPr>
+          <a:xfrm>
+            <a:off x="467544" y="404664"/>
+            <a:ext cx="8229600" cy="5688632"/>
+          </a:xfrm>
+        </p:spPr>
+        <p:txBody>
+          <a:bodyPr/>
+          <a:lstStyle/>
+          <a:p>
+            <a:pPr marL="0" lvl="0" indent="0">
+              <a:buNone/>
+            </a:pPr>
+            <a:r>
+              <a:rPr lang="en-US" dirty="0" smtClean="0"/>
+              <a:t>10.</a:t>
+            </a:r>
+            <a:r>
+              <a:rPr lang="uk-UA" dirty="0"/>
+              <a:t> Чи це найкраща реалізація інтерфейсу</a:t>
+            </a:r>
+            <a:r>
+              <a:rPr lang="uk-UA" dirty="0" smtClean="0"/>
+              <a:t>?</a:t>
+            </a:r>
+          </a:p>
+          <a:p>
+            <a:pPr marL="0" lvl="0" indent="0">
+              <a:buNone/>
+            </a:pPr>
+            <a:endParaRPr lang="uk-UA" dirty="0"/>
+          </a:p>
+          <a:p>
+            <a:pPr marL="0" lvl="0" indent="0">
+              <a:buNone/>
+            </a:pPr>
+            <a:endParaRPr lang="uk-UA" dirty="0"/>
+          </a:p>
+          <a:p>
+            <a:pPr marL="0" indent="0">
+              <a:buNone/>
+            </a:pPr>
+            <a:r>
+              <a:rPr lang="uk-UA" i="1" dirty="0" smtClean="0"/>
+              <a:t/>
+            </a:r>
+            <a:br>
+              <a:rPr lang="uk-UA" i="1" dirty="0" smtClean="0"/>
+            </a:br>
+            <a:r>
+              <a:rPr lang="uk-UA" i="1" dirty="0" smtClean="0"/>
+              <a:t>Ні</a:t>
+            </a:r>
+            <a:r>
+              <a:rPr lang="uk-UA" i="1" dirty="0"/>
+              <a:t>. </a:t>
+            </a:r>
+            <a:r>
+              <a:rPr lang="en-US" i="1" dirty="0"/>
+              <a:t>Checkboxes </a:t>
+            </a:r>
+            <a:r>
+              <a:rPr lang="uk-UA" i="1" dirty="0"/>
+              <a:t>краще розмістити вертикально – для більш </a:t>
+            </a:r>
+            <a:r>
+              <a:rPr lang="ru-RU" i="1" dirty="0" err="1"/>
+              <a:t>зручного</a:t>
+            </a:r>
+            <a:r>
+              <a:rPr lang="uk-UA" i="1" dirty="0"/>
+              <a:t> візуального сприйняття.</a:t>
+            </a:r>
+            <a:endParaRPr lang="uk-UA" dirty="0"/>
+          </a:p>
+          <a:p>
+            <a:pPr marL="0" indent="0">
+              <a:buNone/>
+            </a:pPr>
+            <a:endParaRPr lang="uk-UA" dirty="0"/>
+          </a:p>
+        </p:txBody>
+      </p:sp>
+      <p:sp>
+        <p:nvSpPr>
+          <p:cNvPr id="2" name="Rectangle 2"/>
+          <p:cNvSpPr>
+            <a:spLocks noChangeArrowheads="1"/>
+          </p:cNvSpPr>
+          <p:nvPr/>
+        </p:nvSpPr>
+        <p:spPr bwMode="auto">
+          <a:xfrm>
+            <a:off x="0" y="0"/>
+            <a:ext cx="9144000" cy="0"/>
+          </a:xfrm>
+          <a:prstGeom prst="rect">
+            <a:avLst/>
+          </a:prstGeom>
+          <a:noFill/>
+          <a:ln>
+            <a:noFill/>
+          </a:ln>
+          <a:effectLst/>
+          <a:extLst>
+            <a:ext uri="{909E8E84-426E-40DD-AFC4-6F175D3DCCD1}">
+              <a14:hiddenFill xmlns:a14="http://schemas.microsoft.com/office/drawing/2010/main">
+                <a:solidFill>
+                  <a:schemeClr val="accent1"/>
+                </a:solidFill>
+              </a14:hiddenFill>
+            </a:ext>
+            <a:ext uri="{91240B29-F687-4F45-9708-019B960494DF}">
+              <a14:hiddenLine xmlns:a14="http://schemas.microsoft.com/office/drawing/2010/main" w="9525">
+                <a:solidFill>
+                  <a:schemeClr val="tx1"/>
+                </a:solidFill>
+                <a:miter lim="800000"/>
+                <a:headEnd/>
+                <a:tailEnd/>
+              </a14:hiddenLine>
+            </a:ext>
+            <a:ext uri="{AF507438-7753-43E0-B8FC-AC1667EBCBE1}">
+              <a14:hiddenEffects xmlns:a14="http://schemas.microsoft.com/office/drawing/2010/main">
+                <a:effectLst>
+                  <a:outerShdw dist="35921" dir="2700000" algn="ctr" rotWithShape="0">
+                    <a:schemeClr val="bg2"/>
+                  </a:outerShdw>
+                </a:effectLst>
+              </a14:hiddenEffects>
+            </a:ext>
+          </a:extLst>
+        </p:spPr>
+        <p:txBody>
+          <a:bodyPr vert="horz" wrap="none" lIns="91440" tIns="45720" rIns="91440" bIns="45720" numCol="1" anchor="ctr" anchorCtr="0" compatLnSpc="1">
+            <a:prstTxWarp prst="textNoShape">
+              <a:avLst/>
+            </a:prstTxWarp>
+            <a:spAutoFit/>
+          </a:bodyPr>
+          <a:lstStyle/>
+          <a:p>
+            <a:endParaRPr lang="uk-UA"/>
+          </a:p>
+        </p:txBody>
+      </p:sp>
+      <p:graphicFrame>
+        <p:nvGraphicFramePr>
+          <p:cNvPr id="4" name="Объект 3"/>
+          <p:cNvGraphicFramePr>
+            <a:graphicFrameLocks noChangeAspect="1"/>
+          </p:cNvGraphicFramePr>
+          <p:nvPr>
+            <p:extLst>
+              <p:ext uri="{D42A27DB-BD31-4B8C-83A1-F6EECF244321}">
+                <p14:modId xmlns:p14="http://schemas.microsoft.com/office/powerpoint/2010/main" val="450695574"/>
+              </p:ext>
+            </p:extLst>
+          </p:nvPr>
+        </p:nvGraphicFramePr>
+        <p:xfrm>
+          <a:off x="557808" y="1412776"/>
+          <a:ext cx="8028384" cy="802838"/>
+        </p:xfrm>
+        <a:graphic>
+          <a:graphicData uri="http://schemas.openxmlformats.org/presentationml/2006/ole">
+            <mc:AlternateContent xmlns:mc="http://schemas.openxmlformats.org/markup-compatibility/2006">
+              <mc:Choice xmlns:v="urn:schemas-microsoft-com:vml" Requires="v">
+                <p:oleObj spid="_x0000_s9223" name="Bitmap Image" r:id="rId3" imgW="4952381" imgH="495369" progId="Paint.Picture">
+                  <p:embed/>
+                </p:oleObj>
+              </mc:Choice>
+              <mc:Fallback>
+                <p:oleObj name="Bitmap Image" r:id="rId3" imgW="4952381" imgH="495369" progId="Paint.Picture">
+                  <p:embed/>
+                  <p:pic>
+                    <p:nvPicPr>
+                      <p:cNvPr id="0" name="Object 1"/>
+                      <p:cNvPicPr>
+                        <a:picLocks noChangeAspect="1" noChangeArrowheads="1"/>
+                      </p:cNvPicPr>
+                      <p:nvPr/>
+                    </p:nvPicPr>
+                    <p:blipFill>
+                      <a:blip r:embed="rId4">
+                        <a:extLst>
+                          <a:ext uri="{28A0092B-C50C-407E-A947-70E740481C1C}">
+                            <a14:useLocalDpi xmlns:a14="http://schemas.microsoft.com/office/drawing/2010/main" val="0"/>
+                          </a:ext>
+                        </a:extLst>
+                      </a:blip>
+                      <a:srcRect/>
+                      <a:stretch>
+                        <a:fillRect/>
+                      </a:stretch>
+                    </p:blipFill>
+                    <p:spPr bwMode="auto">
+                      <a:xfrm>
+                        <a:off x="557808" y="1412776"/>
+                        <a:ext cx="8028384" cy="802838"/>
+                      </a:xfrm>
+                      <a:prstGeom prst="rect">
+                        <a:avLst/>
+                      </a:prstGeom>
+                      <a:noFill/>
+                    </p:spPr>
+                  </p:pic>
+                </p:oleObj>
+              </mc:Fallback>
+            </mc:AlternateContent>
+          </a:graphicData>
+        </a:graphic>
+      </p:graphicFrame>
+      <p:sp>
+        <p:nvSpPr>
+          <p:cNvPr id="5" name="Rectangle 4"/>
+          <p:cNvSpPr>
+            <a:spLocks noChangeArrowheads="1"/>
+          </p:cNvSpPr>
+          <p:nvPr/>
+        </p:nvSpPr>
+        <p:spPr bwMode="auto">
+          <a:xfrm>
+            <a:off x="0" y="0"/>
+            <a:ext cx="9144000" cy="0"/>
+          </a:xfrm>
+          <a:prstGeom prst="rect">
+            <a:avLst/>
+          </a:prstGeom>
+          <a:noFill/>
+          <a:ln>
+            <a:noFill/>
+          </a:ln>
+          <a:effectLst/>
+          <a:extLst>
+            <a:ext uri="{909E8E84-426E-40DD-AFC4-6F175D3DCCD1}">
+              <a14:hiddenFill xmlns:a14="http://schemas.microsoft.com/office/drawing/2010/main">
+                <a:solidFill>
+                  <a:schemeClr val="accent1"/>
+                </a:solidFill>
+              </a14:hiddenFill>
+            </a:ext>
+            <a:ext uri="{91240B29-F687-4F45-9708-019B960494DF}">
+              <a14:hiddenLine xmlns:a14="http://schemas.microsoft.com/office/drawing/2010/main" w="9525">
+                <a:solidFill>
+                  <a:schemeClr val="tx1"/>
+                </a:solidFill>
+                <a:miter lim="800000"/>
+                <a:headEnd/>
+                <a:tailEnd/>
+              </a14:hiddenLine>
+            </a:ext>
+            <a:ext uri="{AF507438-7753-43E0-B8FC-AC1667EBCBE1}">
+              <a14:hiddenEffects xmlns:a14="http://schemas.microsoft.com/office/drawing/2010/main">
+                <a:effectLst>
+                  <a:outerShdw dist="35921" dir="2700000" algn="ctr" rotWithShape="0">
+                    <a:schemeClr val="bg2"/>
+                  </a:outerShdw>
+                </a:effectLst>
+              </a14:hiddenEffects>
+            </a:ext>
+          </a:extLst>
+        </p:spPr>
+        <p:txBody>
+          <a:bodyPr vert="horz" wrap="none" lIns="91440" tIns="45720" rIns="91440" bIns="45720" numCol="1" anchor="ctr" anchorCtr="0" compatLnSpc="1">
+            <a:prstTxWarp prst="textNoShape">
+              <a:avLst/>
+            </a:prstTxWarp>
+            <a:spAutoFit/>
+          </a:bodyPr>
+          <a:lstStyle/>
+          <a:p>
+            <a:endParaRPr lang="uk-UA"/>
+          </a:p>
+        </p:txBody>
+      </p:sp>
+      <p:graphicFrame>
+        <p:nvGraphicFramePr>
+          <p:cNvPr id="6" name="Объект 5"/>
+          <p:cNvGraphicFramePr>
+            <a:graphicFrameLocks noChangeAspect="1"/>
+          </p:cNvGraphicFramePr>
+          <p:nvPr>
+            <p:extLst>
+              <p:ext uri="{D42A27DB-BD31-4B8C-83A1-F6EECF244321}">
+                <p14:modId xmlns:p14="http://schemas.microsoft.com/office/powerpoint/2010/main" val="1593954356"/>
+              </p:ext>
+            </p:extLst>
+          </p:nvPr>
+        </p:nvGraphicFramePr>
+        <p:xfrm>
+          <a:off x="2557147" y="4365104"/>
+          <a:ext cx="4029705" cy="1872208"/>
+        </p:xfrm>
+        <a:graphic>
+          <a:graphicData uri="http://schemas.openxmlformats.org/presentationml/2006/ole">
+            <mc:AlternateContent xmlns:mc="http://schemas.openxmlformats.org/markup-compatibility/2006">
+              <mc:Choice xmlns:v="urn:schemas-microsoft-com:vml" Requires="v">
+                <p:oleObj spid="_x0000_s9224" name="Bitmap Image" r:id="rId5" imgW="2152951" imgH="1000000" progId="Paint.Picture">
+                  <p:embed/>
+                </p:oleObj>
+              </mc:Choice>
+              <mc:Fallback>
+                <p:oleObj name="Bitmap Image" r:id="rId5" imgW="2152951" imgH="1000000" progId="Paint.Picture">
+                  <p:embed/>
+                  <p:pic>
+                    <p:nvPicPr>
+                      <p:cNvPr id="0" name="Object 3"/>
+                      <p:cNvPicPr>
+                        <a:picLocks noChangeAspect="1" noChangeArrowheads="1"/>
+                      </p:cNvPicPr>
+                      <p:nvPr/>
+                    </p:nvPicPr>
+                    <p:blipFill>
+                      <a:blip r:embed="rId6">
+                        <a:extLst>
+                          <a:ext uri="{28A0092B-C50C-407E-A947-70E740481C1C}">
+                            <a14:useLocalDpi xmlns:a14="http://schemas.microsoft.com/office/drawing/2010/main" val="0"/>
+                          </a:ext>
+                        </a:extLst>
+                      </a:blip>
+                      <a:srcRect/>
+                      <a:stretch>
+                        <a:fillRect/>
+                      </a:stretch>
+                    </p:blipFill>
+                    <p:spPr bwMode="auto">
+                      <a:xfrm>
+                        <a:off x="2557147" y="4365104"/>
+                        <a:ext cx="4029705" cy="1872208"/>
+                      </a:xfrm>
+                      <a:prstGeom prst="rect">
+                        <a:avLst/>
+                      </a:prstGeom>
+                      <a:noFill/>
+                    </p:spPr>
+                  </p:pic>
+                </p:oleObj>
+              </mc:Fallback>
+            </mc:AlternateContent>
+          </a:graphicData>
+        </a:graphic>
+      </p:graphicFrame>
+    </p:spTree>
+    <p:extLst>
+      <p:ext uri="{BB962C8B-B14F-4D97-AF65-F5344CB8AC3E}">
+        <p14:creationId xmlns:p14="http://schemas.microsoft.com/office/powerpoint/2010/main" val="3910870034"/>
+      </p:ext>
+    </p:extLst>
+  </p:cSld>
+  <p:clrMapOvr>
+    <a:masterClrMapping/>
+  </p:clrMapOvr>
+  <p:timing>
+    <p:tnLst>
+      <p:par>
+        <p:cTn id="1" dur="indefinite" restart="never" nodeType="tmRoot"/>
+      </p:par>
+    </p:tnLst>
+  </p:timing>
+</p:sld>
+</file>
+
+<file path=ppt/slides/slide13.xml><?xml version="1.0" encoding="utf-8"?>
+<p:sld xmlns:a="http://schemas.openxmlformats.org/drawingml/2006/main" xmlns:r="http://schemas.openxmlformats.org/officeDocument/2006/relationships" xmlns:p="http://schemas.openxmlformats.org/presentationml/2006/main">
+  <p:cSld>
+    <p:spTree>
+      <p:nvGrpSpPr>
+        <p:cNvPr id="1" name=""/>
+        <p:cNvGrpSpPr/>
+        <p:nvPr/>
+      </p:nvGrpSpPr>
+      <p:grpSpPr>
+        <a:xfrm>
+          <a:off x="0" y="0"/>
+          <a:ext cx="0" cy="0"/>
+          <a:chOff x="0" y="0"/>
+          <a:chExt cx="0" cy="0"/>
+        </a:xfrm>
+      </p:grpSpPr>
+      <p:sp>
+        <p:nvSpPr>
+          <p:cNvPr id="3" name="Объект 2"/>
+          <p:cNvSpPr>
+            <a:spLocks noGrp="1"/>
+          </p:cNvSpPr>
+          <p:nvPr>
+            <p:ph idx="1"/>
+          </p:nvPr>
+        </p:nvSpPr>
+        <p:spPr>
+          <a:xfrm>
+            <a:off x="467544" y="548680"/>
+            <a:ext cx="8229600" cy="5544616"/>
+          </a:xfrm>
+        </p:spPr>
+        <p:txBody>
+          <a:bodyPr/>
+          <a:lstStyle/>
+          <a:p>
+            <a:pPr marL="0" lvl="0" indent="0">
+              <a:buNone/>
+            </a:pPr>
+            <a:r>
+              <a:rPr lang="en-US" dirty="0" smtClean="0"/>
+              <a:t>11.</a:t>
+            </a:r>
+            <a:r>
+              <a:rPr lang="uk-UA" dirty="0" smtClean="0"/>
+              <a:t> </a:t>
+            </a:r>
+            <a:r>
+              <a:rPr lang="uk-UA" dirty="0"/>
+              <a:t>Який стан у checkbox-у</a:t>
+            </a:r>
+            <a:r>
+              <a:rPr lang="uk-UA" dirty="0" smtClean="0"/>
+              <a:t>?</a:t>
+            </a:r>
+          </a:p>
+          <a:p>
+            <a:pPr marL="0" lvl="0" indent="0">
+              <a:buNone/>
+            </a:pPr>
+            <a:endParaRPr lang="uk-UA" dirty="0"/>
+          </a:p>
+          <a:p>
+            <a:pPr marL="0" indent="0">
+              <a:buNone/>
+            </a:pPr>
+            <a:endParaRPr lang="ru-RU" i="1" dirty="0"/>
+          </a:p>
+          <a:p>
+            <a:pPr marL="0" indent="0">
+              <a:buNone/>
+            </a:pPr>
+            <a:endParaRPr lang="ru-RU" i="1" dirty="0"/>
+          </a:p>
+          <a:p>
+            <a:pPr marL="0" indent="0">
+              <a:buNone/>
+            </a:pPr>
+            <a:endParaRPr lang="uk-UA" i="1" dirty="0" smtClean="0"/>
+          </a:p>
+          <a:p>
+            <a:pPr marL="0" indent="0">
+              <a:buNone/>
+            </a:pPr>
+            <a:r>
+              <a:rPr lang="en-US" i="1" dirty="0" smtClean="0"/>
+              <a:t>Indeterminate </a:t>
+            </a:r>
+            <a:r>
+              <a:rPr lang="uk-UA" i="1" dirty="0"/>
+              <a:t>(за замовчуванням) - користувач не </a:t>
+            </a:r>
+            <a:r>
+              <a:rPr lang="ru-RU" i="1" dirty="0" err="1"/>
+              <a:t>здійснював</a:t>
+            </a:r>
+            <a:r>
+              <a:rPr lang="ru-RU" i="1" dirty="0"/>
+              <a:t> </a:t>
+            </a:r>
+            <a:r>
+              <a:rPr lang="uk-UA" i="1" dirty="0"/>
+              <a:t>жодних операцій.</a:t>
+            </a:r>
+            <a:endParaRPr lang="uk-UA" dirty="0"/>
+          </a:p>
+          <a:p>
+            <a:pPr marL="0" indent="0">
+              <a:buNone/>
+            </a:pPr>
+            <a:endParaRPr lang="uk-UA" dirty="0"/>
+          </a:p>
+        </p:txBody>
+      </p:sp>
+      <p:sp>
+        <p:nvSpPr>
+          <p:cNvPr id="2" name="Rectangle 2"/>
+          <p:cNvSpPr>
+            <a:spLocks noChangeArrowheads="1"/>
+          </p:cNvSpPr>
+          <p:nvPr/>
+        </p:nvSpPr>
+        <p:spPr bwMode="auto">
+          <a:xfrm>
+            <a:off x="0" y="0"/>
+            <a:ext cx="9144000" cy="0"/>
+          </a:xfrm>
+          <a:prstGeom prst="rect">
+            <a:avLst/>
+          </a:prstGeom>
+          <a:noFill/>
+          <a:ln>
+            <a:noFill/>
+          </a:ln>
+          <a:effectLst/>
+          <a:extLst>
+            <a:ext uri="{909E8E84-426E-40DD-AFC4-6F175D3DCCD1}">
+              <a14:hiddenFill xmlns:a14="http://schemas.microsoft.com/office/drawing/2010/main">
+                <a:solidFill>
+                  <a:schemeClr val="accent1"/>
+                </a:solidFill>
+              </a14:hiddenFill>
+            </a:ext>
+            <a:ext uri="{91240B29-F687-4F45-9708-019B960494DF}">
+              <a14:hiddenLine xmlns:a14="http://schemas.microsoft.com/office/drawing/2010/main" w="9525">
+                <a:solidFill>
+                  <a:schemeClr val="tx1"/>
+                </a:solidFill>
+                <a:miter lim="800000"/>
+                <a:headEnd/>
+                <a:tailEnd/>
+              </a14:hiddenLine>
+            </a:ext>
+            <a:ext uri="{AF507438-7753-43E0-B8FC-AC1667EBCBE1}">
+              <a14:hiddenEffects xmlns:a14="http://schemas.microsoft.com/office/drawing/2010/main">
+                <a:effectLst>
+                  <a:outerShdw dist="35921" dir="2700000" algn="ctr" rotWithShape="0">
+                    <a:schemeClr val="bg2"/>
+                  </a:outerShdw>
+                </a:effectLst>
+              </a14:hiddenEffects>
+            </a:ext>
+          </a:extLst>
+        </p:spPr>
+        <p:txBody>
+          <a:bodyPr vert="horz" wrap="none" lIns="91440" tIns="45720" rIns="91440" bIns="45720" numCol="1" anchor="ctr" anchorCtr="0" compatLnSpc="1">
+            <a:prstTxWarp prst="textNoShape">
+              <a:avLst/>
+            </a:prstTxWarp>
+            <a:spAutoFit/>
+          </a:bodyPr>
+          <a:lstStyle/>
+          <a:p>
+            <a:endParaRPr lang="uk-UA"/>
+          </a:p>
+        </p:txBody>
+      </p:sp>
+      <p:graphicFrame>
+        <p:nvGraphicFramePr>
+          <p:cNvPr id="4" name="Объект 3"/>
+          <p:cNvGraphicFramePr>
+            <a:graphicFrameLocks noChangeAspect="1"/>
+          </p:cNvGraphicFramePr>
+          <p:nvPr>
+            <p:extLst>
+              <p:ext uri="{D42A27DB-BD31-4B8C-83A1-F6EECF244321}">
+                <p14:modId xmlns:p14="http://schemas.microsoft.com/office/powerpoint/2010/main" val="4265258780"/>
+              </p:ext>
+            </p:extLst>
+          </p:nvPr>
+        </p:nvGraphicFramePr>
+        <p:xfrm>
+          <a:off x="2915816" y="1916832"/>
+          <a:ext cx="3672408" cy="910757"/>
+        </p:xfrm>
+        <a:graphic>
+          <a:graphicData uri="http://schemas.openxmlformats.org/presentationml/2006/ole">
+            <mc:AlternateContent xmlns:mc="http://schemas.openxmlformats.org/markup-compatibility/2006">
+              <mc:Choice xmlns:v="urn:schemas-microsoft-com:vml" Requires="v">
+                <p:oleObj spid="_x0000_s10244" name="Bitmap Image" r:id="rId3" imgW="1190476" imgH="295238" progId="Paint.Picture">
+                  <p:embed/>
+                </p:oleObj>
+              </mc:Choice>
+              <mc:Fallback>
+                <p:oleObj name="Bitmap Image" r:id="rId3" imgW="1190476" imgH="295238" progId="Paint.Picture">
+                  <p:embed/>
+                  <p:pic>
+                    <p:nvPicPr>
+                      <p:cNvPr id="0" name="Object 1"/>
+                      <p:cNvPicPr>
+                        <a:picLocks noChangeAspect="1" noChangeArrowheads="1"/>
+                      </p:cNvPicPr>
+                      <p:nvPr/>
+                    </p:nvPicPr>
+                    <p:blipFill>
+                      <a:blip r:embed="rId4">
+                        <a:extLst>
+                          <a:ext uri="{28A0092B-C50C-407E-A947-70E740481C1C}">
+                            <a14:useLocalDpi xmlns:a14="http://schemas.microsoft.com/office/drawing/2010/main" val="0"/>
+                          </a:ext>
+                        </a:extLst>
+                      </a:blip>
+                      <a:srcRect/>
+                      <a:stretch>
+                        <a:fillRect/>
+                      </a:stretch>
+                    </p:blipFill>
+                    <p:spPr bwMode="auto">
+                      <a:xfrm>
+                        <a:off x="2915816" y="1916832"/>
+                        <a:ext cx="3672408" cy="910757"/>
+                      </a:xfrm>
+                      <a:prstGeom prst="rect">
+                        <a:avLst/>
+                      </a:prstGeom>
+                      <a:noFill/>
+                    </p:spPr>
+                  </p:pic>
+                </p:oleObj>
+              </mc:Fallback>
+            </mc:AlternateContent>
+          </a:graphicData>
+        </a:graphic>
+      </p:graphicFrame>
+    </p:spTree>
+    <p:extLst>
+      <p:ext uri="{BB962C8B-B14F-4D97-AF65-F5344CB8AC3E}">
+        <p14:creationId xmlns:p14="http://schemas.microsoft.com/office/powerpoint/2010/main" val="3210484809"/>
+      </p:ext>
+    </p:extLst>
+  </p:cSld>
+  <p:clrMapOvr>
+    <a:masterClrMapping/>
+  </p:clrMapOvr>
+  <p:timing>
+    <p:tnLst>
+      <p:par>
+        <p:cTn id="1" dur="indefinite" restart="never" nodeType="tmRoot"/>
+      </p:par>
+    </p:tnLst>
+  </p:timing>
+</p:sld>
+</file>
+
+<file path=ppt/slides/slide14.xml><?xml version="1.0" encoding="utf-8"?>
+<p:sld xmlns:a="http://schemas.openxmlformats.org/drawingml/2006/main" xmlns:r="http://schemas.openxmlformats.org/officeDocument/2006/relationships" xmlns:p="http://schemas.openxmlformats.org/presentationml/2006/main">
+  <p:cSld>
+    <p:spTree>
+      <p:nvGrpSpPr>
+        <p:cNvPr id="1" name=""/>
+        <p:cNvGrpSpPr/>
+        <p:nvPr/>
+      </p:nvGrpSpPr>
+      <p:grpSpPr>
+        <a:xfrm>
+          <a:off x="0" y="0"/>
+          <a:ext cx="0" cy="0"/>
+          <a:chOff x="0" y="0"/>
+          <a:chExt cx="0" cy="0"/>
+        </a:xfrm>
+      </p:grpSpPr>
+      <p:sp>
+        <p:nvSpPr>
+          <p:cNvPr id="3" name="Объект 2"/>
+          <p:cNvSpPr>
+            <a:spLocks noGrp="1"/>
+          </p:cNvSpPr>
+          <p:nvPr>
+            <p:ph idx="1"/>
+          </p:nvPr>
+        </p:nvSpPr>
+        <p:spPr>
+          <a:xfrm>
+            <a:off x="467544" y="548680"/>
+            <a:ext cx="8424936" cy="5544616"/>
+          </a:xfrm>
+        </p:spPr>
+        <p:txBody>
+          <a:bodyPr/>
+          <a:lstStyle/>
+          <a:p>
+            <a:pPr marL="0" lvl="0" indent="0">
+              <a:buNone/>
+            </a:pPr>
+            <a:r>
+              <a:rPr lang="en-US" dirty="0" smtClean="0"/>
+              <a:t>12.</a:t>
+            </a:r>
+            <a:r>
+              <a:rPr lang="uk-UA" dirty="0" smtClean="0"/>
+              <a:t> </a:t>
+            </a:r>
+            <a:r>
+              <a:rPr lang="uk-UA" dirty="0"/>
+              <a:t>Чи ми можемо використовувати </a:t>
+            </a:r>
+            <a:r>
+              <a:rPr lang="uk-UA" dirty="0" err="1"/>
+              <a:t>checkbox-и</a:t>
+            </a:r>
+            <a:r>
+              <a:rPr lang="uk-UA" dirty="0"/>
+              <a:t> як індикатори прогресу?</a:t>
+            </a:r>
+          </a:p>
+          <a:p>
+            <a:pPr marL="0" indent="0">
+              <a:buNone/>
+            </a:pPr>
+            <a:r>
+              <a:rPr lang="uk-UA" dirty="0"/>
+              <a:t> </a:t>
+            </a:r>
+            <a:endParaRPr lang="uk-UA" dirty="0" smtClean="0"/>
+          </a:p>
+          <a:p>
+            <a:pPr marL="0" indent="0">
+              <a:buNone/>
+            </a:pPr>
+            <a:endParaRPr lang="uk-UA" dirty="0"/>
+          </a:p>
+          <a:p>
+            <a:pPr marL="0" indent="0">
+              <a:buNone/>
+            </a:pPr>
+            <a:endParaRPr lang="uk-UA" dirty="0" smtClean="0"/>
+          </a:p>
+          <a:p>
+            <a:pPr marL="0" indent="0">
+              <a:buNone/>
+            </a:pPr>
+            <a:endParaRPr lang="uk-UA" dirty="0" smtClean="0"/>
+          </a:p>
+          <a:p>
+            <a:pPr marL="0" indent="0">
+              <a:buNone/>
+            </a:pPr>
+            <a:endParaRPr lang="uk-UA" dirty="0"/>
+          </a:p>
+          <a:p>
+            <a:pPr marL="0" indent="0">
+              <a:buNone/>
+            </a:pPr>
+            <a:r>
+              <a:rPr lang="ru-RU" i="1" dirty="0" err="1" smtClean="0"/>
+              <a:t>Можливо</a:t>
+            </a:r>
+            <a:r>
+              <a:rPr lang="ru-RU" i="1" dirty="0"/>
+              <a:t>, </a:t>
+            </a:r>
+            <a:r>
+              <a:rPr lang="ru-RU" i="1" dirty="0" err="1"/>
+              <a:t>якщо</a:t>
+            </a:r>
+            <a:r>
+              <a:rPr lang="ru-RU" i="1" dirty="0"/>
+              <a:t> вони не є </a:t>
+            </a:r>
+            <a:r>
+              <a:rPr lang="ru-RU" i="1" dirty="0" err="1"/>
+              <a:t>інтерактивними</a:t>
+            </a:r>
+            <a:r>
+              <a:rPr lang="ru-RU" i="1" dirty="0"/>
+              <a:t>.</a:t>
+            </a:r>
+            <a:endParaRPr lang="uk-UA" dirty="0"/>
+          </a:p>
+          <a:p>
+            <a:pPr marL="0" indent="0">
+              <a:buNone/>
+            </a:pPr>
+            <a:endParaRPr lang="uk-UA" dirty="0"/>
+          </a:p>
+        </p:txBody>
+      </p:sp>
+      <p:sp>
+        <p:nvSpPr>
+          <p:cNvPr id="2" name="Rectangle 2"/>
+          <p:cNvSpPr>
+            <a:spLocks noChangeArrowheads="1"/>
+          </p:cNvSpPr>
+          <p:nvPr/>
+        </p:nvSpPr>
+        <p:spPr bwMode="auto">
+          <a:xfrm>
+            <a:off x="0" y="0"/>
+            <a:ext cx="9144000" cy="0"/>
+          </a:xfrm>
+          <a:prstGeom prst="rect">
+            <a:avLst/>
+          </a:prstGeom>
+          <a:noFill/>
+          <a:ln>
+            <a:noFill/>
+          </a:ln>
+          <a:effectLst/>
+          <a:extLst>
+            <a:ext uri="{909E8E84-426E-40DD-AFC4-6F175D3DCCD1}">
+              <a14:hiddenFill xmlns:a14="http://schemas.microsoft.com/office/drawing/2010/main">
+                <a:solidFill>
+                  <a:schemeClr val="accent1"/>
+                </a:solidFill>
+              </a14:hiddenFill>
+            </a:ext>
+            <a:ext uri="{91240B29-F687-4F45-9708-019B960494DF}">
+              <a14:hiddenLine xmlns:a14="http://schemas.microsoft.com/office/drawing/2010/main" w="9525">
+                <a:solidFill>
+                  <a:schemeClr val="tx1"/>
+                </a:solidFill>
+                <a:miter lim="800000"/>
+                <a:headEnd/>
+                <a:tailEnd/>
+              </a14:hiddenLine>
+            </a:ext>
+            <a:ext uri="{AF507438-7753-43E0-B8FC-AC1667EBCBE1}">
+              <a14:hiddenEffects xmlns:a14="http://schemas.microsoft.com/office/drawing/2010/main">
+                <a:effectLst>
+                  <a:outerShdw dist="35921" dir="2700000" algn="ctr" rotWithShape="0">
+                    <a:schemeClr val="bg2"/>
+                  </a:outerShdw>
+                </a:effectLst>
+              </a14:hiddenEffects>
+            </a:ext>
+          </a:extLst>
+        </p:spPr>
+        <p:txBody>
+          <a:bodyPr vert="horz" wrap="none" lIns="91440" tIns="45720" rIns="91440" bIns="45720" numCol="1" anchor="ctr" anchorCtr="0" compatLnSpc="1">
+            <a:prstTxWarp prst="textNoShape">
+              <a:avLst/>
+            </a:prstTxWarp>
+            <a:spAutoFit/>
+          </a:bodyPr>
+          <a:lstStyle/>
+          <a:p>
+            <a:endParaRPr lang="uk-UA"/>
+          </a:p>
+        </p:txBody>
+      </p:sp>
+      <p:graphicFrame>
+        <p:nvGraphicFramePr>
+          <p:cNvPr id="4" name="Объект 3"/>
+          <p:cNvGraphicFramePr>
+            <a:graphicFrameLocks noChangeAspect="1"/>
+          </p:cNvGraphicFramePr>
+          <p:nvPr>
+            <p:extLst>
+              <p:ext uri="{D42A27DB-BD31-4B8C-83A1-F6EECF244321}">
+                <p14:modId xmlns:p14="http://schemas.microsoft.com/office/powerpoint/2010/main" val="1485470748"/>
+              </p:ext>
+            </p:extLst>
+          </p:nvPr>
+        </p:nvGraphicFramePr>
+        <p:xfrm>
+          <a:off x="2483768" y="2132856"/>
+          <a:ext cx="3880416" cy="1916832"/>
+        </p:xfrm>
+        <a:graphic>
+          <a:graphicData uri="http://schemas.openxmlformats.org/presentationml/2006/ole">
+            <mc:AlternateContent xmlns:mc="http://schemas.openxmlformats.org/markup-compatibility/2006">
+              <mc:Choice xmlns:v="urn:schemas-microsoft-com:vml" Requires="v">
+                <p:oleObj spid="_x0000_s11268" name="Bitmap Image" r:id="rId3" imgW="2371429" imgH="1171429" progId="Paint.Picture">
+                  <p:embed/>
+                </p:oleObj>
+              </mc:Choice>
+              <mc:Fallback>
+                <p:oleObj name="Bitmap Image" r:id="rId3" imgW="2371429" imgH="1171429" progId="Paint.Picture">
+                  <p:embed/>
+                  <p:pic>
+                    <p:nvPicPr>
+                      <p:cNvPr id="0" name="Object 1"/>
+                      <p:cNvPicPr>
+                        <a:picLocks noChangeAspect="1" noChangeArrowheads="1"/>
+                      </p:cNvPicPr>
+                      <p:nvPr/>
+                    </p:nvPicPr>
+                    <p:blipFill>
+                      <a:blip r:embed="rId4">
+                        <a:extLst>
+                          <a:ext uri="{28A0092B-C50C-407E-A947-70E740481C1C}">
+                            <a14:useLocalDpi xmlns:a14="http://schemas.microsoft.com/office/drawing/2010/main" val="0"/>
+                          </a:ext>
+                        </a:extLst>
+                      </a:blip>
+                      <a:srcRect/>
+                      <a:stretch>
+                        <a:fillRect/>
+                      </a:stretch>
+                    </p:blipFill>
+                    <p:spPr bwMode="auto">
+                      <a:xfrm>
+                        <a:off x="2483768" y="2132856"/>
+                        <a:ext cx="3880416" cy="1916832"/>
+                      </a:xfrm>
+                      <a:prstGeom prst="rect">
+                        <a:avLst/>
+                      </a:prstGeom>
+                      <a:noFill/>
+                    </p:spPr>
+                  </p:pic>
+                </p:oleObj>
+              </mc:Fallback>
+            </mc:AlternateContent>
+          </a:graphicData>
+        </a:graphic>
+      </p:graphicFrame>
+    </p:spTree>
+    <p:extLst>
+      <p:ext uri="{BB962C8B-B14F-4D97-AF65-F5344CB8AC3E}">
+        <p14:creationId xmlns:p14="http://schemas.microsoft.com/office/powerpoint/2010/main" val="2069184461"/>
+      </p:ext>
+    </p:extLst>
+  </p:cSld>
+  <p:clrMapOvr>
+    <a:masterClrMapping/>
+  </p:clrMapOvr>
+  <p:timing>
+    <p:tnLst>
+      <p:par>
+        <p:cTn id="1" dur="indefinite" restart="never" nodeType="tmRoot"/>
+      </p:par>
+    </p:tnLst>
+  </p:timing>
+</p:sld>
+</file>
+
+<file path=ppt/slides/slide15.xml><?xml version="1.0" encoding="utf-8"?>
+<p:sld xmlns:a="http://schemas.openxmlformats.org/drawingml/2006/main" xmlns:r="http://schemas.openxmlformats.org/officeDocument/2006/relationships" xmlns:p="http://schemas.openxmlformats.org/presentationml/2006/main">
+  <p:cSld>
+    <p:spTree>
+      <p:nvGrpSpPr>
+        <p:cNvPr id="1" name=""/>
+        <p:cNvGrpSpPr/>
+        <p:nvPr/>
+      </p:nvGrpSpPr>
+      <p:grpSpPr>
+        <a:xfrm>
+          <a:off x="0" y="0"/>
+          <a:ext cx="0" cy="0"/>
+          <a:chOff x="0" y="0"/>
+          <a:chExt cx="0" cy="0"/>
+        </a:xfrm>
+      </p:grpSpPr>
+      <p:sp>
+        <p:nvSpPr>
+          <p:cNvPr id="3" name="Объект 2"/>
+          <p:cNvSpPr>
+            <a:spLocks noGrp="1"/>
+          </p:cNvSpPr>
+          <p:nvPr>
+            <p:ph idx="1"/>
+          </p:nvPr>
+        </p:nvSpPr>
+        <p:spPr>
+          <a:xfrm>
+            <a:off x="467544" y="548680"/>
+            <a:ext cx="8424936" cy="5544616"/>
+          </a:xfrm>
+        </p:spPr>
+        <p:txBody>
+          <a:bodyPr/>
+          <a:lstStyle/>
+          <a:p>
+            <a:pPr marL="0" lvl="0" indent="0">
+              <a:buNone/>
+            </a:pPr>
+            <a:r>
+              <a:rPr lang="en-US" dirty="0" smtClean="0"/>
+              <a:t>13.</a:t>
+            </a:r>
+            <a:r>
+              <a:rPr lang="uk-UA" dirty="0" smtClean="0"/>
+              <a:t> </a:t>
+            </a:r>
+            <a:r>
+              <a:rPr lang="uk-UA" dirty="0"/>
+              <a:t>Чи можемо ми використовувати </a:t>
+            </a:r>
+            <a:r>
+              <a:rPr lang="uk-UA" dirty="0" err="1"/>
+              <a:t>checkbox-и</a:t>
+            </a:r>
+            <a:r>
+              <a:rPr lang="uk-UA" dirty="0"/>
+              <a:t> для виконання операцій?</a:t>
+            </a:r>
+          </a:p>
+          <a:p>
+            <a:pPr marL="0" indent="0">
+              <a:buNone/>
+            </a:pPr>
+            <a:endParaRPr lang="uk-UA" dirty="0"/>
+          </a:p>
+          <a:p>
+            <a:pPr marL="0" indent="0">
+              <a:buNone/>
+            </a:pPr>
+            <a:endParaRPr lang="uk-UA" dirty="0"/>
+          </a:p>
+          <a:p>
+            <a:pPr marL="0" indent="0">
+              <a:buNone/>
+            </a:pPr>
+            <a:endParaRPr lang="uk-UA" dirty="0"/>
+          </a:p>
+          <a:p>
+            <a:pPr marL="0" indent="0">
+              <a:buNone/>
+            </a:pPr>
+            <a:r>
+              <a:rPr lang="uk-UA" i="1" dirty="0"/>
+              <a:t>Ні. Реалізація такого підходу, звісно, можлива, але надто неочевидна і абсурдна за самим своїм значенням.</a:t>
+            </a:r>
+            <a:endParaRPr lang="uk-UA" dirty="0"/>
+          </a:p>
+          <a:p>
+            <a:pPr marL="0" indent="0">
+              <a:buNone/>
+            </a:pPr>
+            <a:endParaRPr lang="uk-UA" dirty="0"/>
+          </a:p>
+        </p:txBody>
+      </p:sp>
+    </p:spTree>
+    <p:extLst>
+      <p:ext uri="{BB962C8B-B14F-4D97-AF65-F5344CB8AC3E}">
+        <p14:creationId xmlns:p14="http://schemas.microsoft.com/office/powerpoint/2010/main" val="2838496992"/>
+      </p:ext>
+    </p:extLst>
+  </p:cSld>
+  <p:clrMapOvr>
+    <a:masterClrMapping/>
+  </p:clrMapOvr>
+  <p:timing>
+    <p:tnLst>
+      <p:par>
+        <p:cTn id="1" dur="indefinite" restart="never" nodeType="tmRoot"/>
+      </p:par>
+    </p:tnLst>
+  </p:timing>
+</p:sld>
+</file>
+
+<file path=ppt/slides/slide16.xml><?xml version="1.0" encoding="utf-8"?>
+<p:sld xmlns:a="http://schemas.openxmlformats.org/drawingml/2006/main" xmlns:r="http://schemas.openxmlformats.org/officeDocument/2006/relationships" xmlns:p="http://schemas.openxmlformats.org/presentationml/2006/main">
+  <p:cSld>
+    <p:spTree>
+      <p:nvGrpSpPr>
+        <p:cNvPr id="1" name=""/>
+        <p:cNvGrpSpPr/>
+        <p:nvPr/>
+      </p:nvGrpSpPr>
+      <p:grpSpPr>
+        <a:xfrm>
+          <a:off x="0" y="0"/>
+          <a:ext cx="0" cy="0"/>
+          <a:chOff x="0" y="0"/>
+          <a:chExt cx="0" cy="0"/>
+        </a:xfrm>
+      </p:grpSpPr>
+      <p:sp>
+        <p:nvSpPr>
+          <p:cNvPr id="3" name="Объект 2"/>
+          <p:cNvSpPr>
+            <a:spLocks noGrp="1"/>
+          </p:cNvSpPr>
+          <p:nvPr>
+            <p:ph idx="1"/>
+          </p:nvPr>
+        </p:nvSpPr>
+        <p:spPr>
+          <a:xfrm>
+            <a:off x="467544" y="548680"/>
+            <a:ext cx="8496944" cy="5544616"/>
+          </a:xfrm>
+        </p:spPr>
+        <p:txBody>
+          <a:bodyPr/>
+          <a:lstStyle/>
+          <a:p>
+            <a:pPr marL="0" lvl="0" indent="0">
+              <a:buNone/>
+            </a:pPr>
+            <a:r>
+              <a:rPr lang="en-US" dirty="0" smtClean="0"/>
+              <a:t>14.</a:t>
+            </a:r>
+            <a:r>
+              <a:rPr lang="uk-UA" dirty="0" smtClean="0"/>
+              <a:t> </a:t>
+            </a:r>
+            <a:r>
+              <a:rPr lang="uk-UA" dirty="0"/>
+              <a:t>Чи можемо ми використовувати </a:t>
+            </a:r>
+            <a:r>
+              <a:rPr lang="en-US" dirty="0"/>
+              <a:t>checkbox</a:t>
+            </a:r>
+            <a:r>
+              <a:rPr lang="uk-UA" dirty="0"/>
+              <a:t>-и для динамічного відображення інших елементів управління, які були вибрані в </a:t>
+            </a:r>
+            <a:r>
+              <a:rPr lang="en-US" dirty="0"/>
+              <a:t>checkbox</a:t>
+            </a:r>
+            <a:r>
+              <a:rPr lang="ru-RU" dirty="0"/>
+              <a:t>-і.</a:t>
+            </a:r>
+            <a:endParaRPr lang="uk-UA" dirty="0"/>
+          </a:p>
+          <a:p>
+            <a:pPr marL="0" indent="0">
+              <a:buNone/>
+            </a:pPr>
+            <a:r>
+              <a:rPr lang="ru-RU" dirty="0"/>
+              <a:t> </a:t>
+            </a:r>
+            <a:endParaRPr lang="ru-RU" dirty="0" smtClean="0"/>
+          </a:p>
+          <a:p>
+            <a:pPr marL="0" indent="0">
+              <a:buNone/>
+            </a:pPr>
+            <a:endParaRPr lang="ru-RU" dirty="0"/>
+          </a:p>
+          <a:p>
+            <a:pPr marL="0" indent="0">
+              <a:buNone/>
+            </a:pPr>
+            <a:endParaRPr lang="uk-UA" dirty="0"/>
+          </a:p>
+          <a:p>
+            <a:pPr marL="0" indent="0">
+              <a:buNone/>
+            </a:pPr>
+            <a:r>
+              <a:rPr lang="uk-UA" i="1" dirty="0"/>
+              <a:t>Так, за необхідності це можливо.</a:t>
+            </a:r>
+            <a:endParaRPr lang="uk-UA" dirty="0"/>
+          </a:p>
+          <a:p>
+            <a:pPr marL="0" indent="0">
+              <a:buNone/>
+            </a:pPr>
+            <a:endParaRPr lang="uk-UA" dirty="0"/>
+          </a:p>
+        </p:txBody>
+      </p:sp>
+    </p:spTree>
+    <p:extLst>
+      <p:ext uri="{BB962C8B-B14F-4D97-AF65-F5344CB8AC3E}">
+        <p14:creationId xmlns:p14="http://schemas.microsoft.com/office/powerpoint/2010/main" val="2987111694"/>
+      </p:ext>
+    </p:extLst>
+  </p:cSld>
+  <p:clrMapOvr>
+    <a:masterClrMapping/>
+  </p:clrMapOvr>
+  <p:timing>
+    <p:tnLst>
+      <p:par>
+        <p:cTn id="1" dur="indefinite" restart="never" nodeType="tmRoot"/>
+      </p:par>
+    </p:tnLst>
+  </p:timing>
+</p:sld>
+</file>
+
+<file path=ppt/slides/slide17.xml><?xml version="1.0" encoding="utf-8"?>
+<p:sld xmlns:a="http://schemas.openxmlformats.org/drawingml/2006/main" xmlns:r="http://schemas.openxmlformats.org/officeDocument/2006/relationships" xmlns:p="http://schemas.openxmlformats.org/presentationml/2006/main">
+  <p:cSld>
+    <p:spTree>
+      <p:nvGrpSpPr>
+        <p:cNvPr id="1" name=""/>
+        <p:cNvGrpSpPr/>
+        <p:nvPr/>
+      </p:nvGrpSpPr>
+      <p:grpSpPr>
+        <a:xfrm>
+          <a:off x="0" y="0"/>
+          <a:ext cx="0" cy="0"/>
+          <a:chOff x="0" y="0"/>
+          <a:chExt cx="0" cy="0"/>
+        </a:xfrm>
+      </p:grpSpPr>
+      <p:sp>
+        <p:nvSpPr>
+          <p:cNvPr id="3" name="Объект 2"/>
+          <p:cNvSpPr>
+            <a:spLocks noGrp="1"/>
+          </p:cNvSpPr>
+          <p:nvPr>
+            <p:ph idx="1"/>
+          </p:nvPr>
+        </p:nvSpPr>
+        <p:spPr>
+          <a:xfrm>
+            <a:off x="467544" y="548680"/>
+            <a:ext cx="8424936" cy="5544616"/>
+          </a:xfrm>
+        </p:spPr>
+        <p:txBody>
+          <a:bodyPr/>
+          <a:lstStyle/>
+          <a:p>
+            <a:pPr marL="0" lvl="0" indent="0">
+              <a:buNone/>
+            </a:pPr>
+            <a:r>
+              <a:rPr lang="en-US" dirty="0" smtClean="0"/>
+              <a:t>15.</a:t>
+            </a:r>
+            <a:r>
+              <a:rPr lang="uk-UA" dirty="0" smtClean="0"/>
+              <a:t> </a:t>
+            </a:r>
+            <a:r>
+              <a:rPr lang="uk-UA" dirty="0"/>
+              <a:t>Чи ми можемо використовувати </a:t>
+            </a:r>
+            <a:r>
+              <a:rPr lang="uk-UA" dirty="0" err="1"/>
+              <a:t>checkbox-и</a:t>
+            </a:r>
+            <a:r>
+              <a:rPr lang="uk-UA" dirty="0"/>
+              <a:t> для </a:t>
+            </a:r>
+            <a:r>
+              <a:rPr lang="uk-UA" dirty="0" smtClean="0"/>
+              <a:t>відображення </a:t>
+            </a:r>
+            <a:r>
+              <a:rPr lang="uk-UA" dirty="0"/>
+              <a:t>інших вікон, таких як діалогові вікна та інше?</a:t>
+            </a:r>
+          </a:p>
+          <a:p>
+            <a:pPr marL="0" indent="0">
+              <a:buNone/>
+            </a:pPr>
+            <a:r>
+              <a:rPr lang="uk-UA" dirty="0"/>
+              <a:t> </a:t>
+            </a:r>
+            <a:endParaRPr lang="uk-UA" dirty="0" smtClean="0"/>
+          </a:p>
+          <a:p>
+            <a:pPr marL="0" indent="0">
+              <a:buNone/>
+            </a:pPr>
+            <a:endParaRPr lang="uk-UA" dirty="0"/>
+          </a:p>
+          <a:p>
+            <a:pPr marL="0" indent="0">
+              <a:buNone/>
+            </a:pPr>
+            <a:endParaRPr lang="uk-UA" dirty="0"/>
+          </a:p>
+          <a:p>
+            <a:pPr marL="0" indent="0">
+              <a:buNone/>
+            </a:pPr>
+            <a:r>
+              <a:rPr lang="uk-UA" i="1" dirty="0"/>
+              <a:t>Ні. Для цього краще підходять кнопки типу </a:t>
+            </a:r>
+            <a:r>
+              <a:rPr lang="uk-UA" i="1" dirty="0" err="1"/>
+              <a:t>radio</a:t>
+            </a:r>
+            <a:r>
+              <a:rPr lang="uk-UA" i="1" dirty="0"/>
+              <a:t> </a:t>
+            </a:r>
+            <a:r>
+              <a:rPr lang="uk-UA" i="1" dirty="0" err="1"/>
+              <a:t>button</a:t>
+            </a:r>
+            <a:r>
+              <a:rPr lang="uk-UA" i="1" dirty="0"/>
+              <a:t>.</a:t>
+            </a:r>
+            <a:endParaRPr lang="uk-UA" dirty="0"/>
+          </a:p>
+          <a:p>
+            <a:pPr marL="0" indent="0">
+              <a:buNone/>
+            </a:pPr>
+            <a:endParaRPr lang="uk-UA" dirty="0"/>
+          </a:p>
+        </p:txBody>
+      </p:sp>
+    </p:spTree>
+    <p:extLst>
+      <p:ext uri="{BB962C8B-B14F-4D97-AF65-F5344CB8AC3E}">
+        <p14:creationId xmlns:p14="http://schemas.microsoft.com/office/powerpoint/2010/main" val="1126706543"/>
+      </p:ext>
+    </p:extLst>
+  </p:cSld>
+  <p:clrMapOvr>
+    <a:masterClrMapping/>
+  </p:clrMapOvr>
+  <p:timing>
+    <p:tnLst>
+      <p:par>
+        <p:cTn id="1" dur="indefinite" restart="never" nodeType="tmRoot"/>
+      </p:par>
+    </p:tnLst>
+  </p:timing>
+</p:sld>
+</file>
+
+<file path=ppt/slides/slide18.xml><?xml version="1.0" encoding="utf-8"?>
+<p:sld xmlns:a="http://schemas.openxmlformats.org/drawingml/2006/main" xmlns:r="http://schemas.openxmlformats.org/officeDocument/2006/relationships" xmlns:p="http://schemas.openxmlformats.org/presentationml/2006/main">
+  <p:cSld>
+    <p:spTree>
+      <p:nvGrpSpPr>
+        <p:cNvPr id="1" name=""/>
+        <p:cNvGrpSpPr/>
+        <p:nvPr/>
+      </p:nvGrpSpPr>
+      <p:grpSpPr>
+        <a:xfrm>
+          <a:off x="0" y="0"/>
+          <a:ext cx="0" cy="0"/>
+          <a:chOff x="0" y="0"/>
+          <a:chExt cx="0" cy="0"/>
+        </a:xfrm>
+      </p:grpSpPr>
+      <p:sp>
+        <p:nvSpPr>
+          <p:cNvPr id="3" name="Объект 2"/>
+          <p:cNvSpPr>
+            <a:spLocks noGrp="1"/>
+          </p:cNvSpPr>
+          <p:nvPr>
+            <p:ph idx="1"/>
+          </p:nvPr>
+        </p:nvSpPr>
+        <p:spPr>
+          <a:xfrm>
+            <a:off x="467544" y="548680"/>
+            <a:ext cx="8229600" cy="5544616"/>
+          </a:xfrm>
+        </p:spPr>
+        <p:txBody>
+          <a:bodyPr>
+            <a:normAutofit fontScale="92500"/>
+          </a:bodyPr>
+          <a:lstStyle/>
+          <a:p>
+            <a:pPr marL="0" lvl="0" indent="0" algn="just">
+              <a:buNone/>
+            </a:pPr>
+            <a:r>
+              <a:rPr lang="en-US" sz="2800" dirty="0" smtClean="0"/>
+              <a:t>16.</a:t>
+            </a:r>
+            <a:r>
+              <a:rPr lang="uk-UA" sz="2800" dirty="0"/>
+              <a:t> </a:t>
+            </a:r>
+            <a:r>
+              <a:rPr lang="en-US" sz="2800" dirty="0" err="1"/>
+              <a:t>Чи</a:t>
+            </a:r>
+            <a:r>
+              <a:rPr lang="en-US" sz="2800" dirty="0"/>
+              <a:t> є </a:t>
+            </a:r>
+            <a:r>
+              <a:rPr lang="en-US" sz="2800" dirty="0" err="1"/>
+              <a:t>якісь</a:t>
+            </a:r>
+            <a:r>
+              <a:rPr lang="en-US" sz="2800" dirty="0"/>
+              <a:t> </a:t>
+            </a:r>
+            <a:r>
+              <a:rPr lang="en-US" sz="2800" dirty="0" err="1"/>
+              <a:t>неточності</a:t>
+            </a:r>
+            <a:r>
+              <a:rPr lang="en-US" sz="2800" dirty="0"/>
+              <a:t> у </a:t>
+            </a:r>
+            <a:r>
+              <a:rPr lang="en-US" sz="2800" dirty="0" err="1"/>
+              <a:t>зв’язках</a:t>
+            </a:r>
+            <a:r>
+              <a:rPr lang="en-US" sz="2800" dirty="0"/>
+              <a:t> radio </a:t>
+            </a:r>
+            <a:r>
+              <a:rPr lang="en-US" sz="2800" dirty="0" err="1"/>
+              <a:t>кнопок</a:t>
+            </a:r>
+            <a:r>
+              <a:rPr lang="en-US" sz="2800" dirty="0"/>
+              <a:t> </a:t>
+            </a:r>
+            <a:r>
+              <a:rPr lang="en-US" sz="2800" dirty="0" err="1"/>
+              <a:t>та</a:t>
+            </a:r>
+            <a:r>
+              <a:rPr lang="en-US" sz="2800" dirty="0"/>
+              <a:t> checkbox-</a:t>
+            </a:r>
+            <a:r>
+              <a:rPr lang="en-US" sz="2800" dirty="0" err="1"/>
+              <a:t>ів</a:t>
+            </a:r>
+            <a:r>
+              <a:rPr lang="en-US" sz="2800" dirty="0"/>
+              <a:t>? </a:t>
+            </a:r>
+            <a:r>
+              <a:rPr lang="ru-RU" sz="2800" dirty="0"/>
+              <a:t>В</a:t>
+            </a:r>
+            <a:r>
+              <a:rPr lang="uk-UA" sz="2800" dirty="0" err="1"/>
+              <a:t>имога</a:t>
+            </a:r>
+            <a:r>
+              <a:rPr lang="uk-UA" sz="2800" dirty="0"/>
+              <a:t>: коли </a:t>
+            </a:r>
+            <a:r>
+              <a:rPr lang="en-US" sz="2800" dirty="0"/>
+              <a:t>radio</a:t>
+            </a:r>
+            <a:r>
+              <a:rPr lang="ru-RU" sz="2800" dirty="0"/>
+              <a:t> кнопка </a:t>
+            </a:r>
+            <a:r>
+              <a:rPr lang="uk-UA" sz="2800" dirty="0"/>
+              <a:t>«</a:t>
+            </a:r>
+            <a:r>
+              <a:rPr lang="en-US" sz="2800" dirty="0"/>
+              <a:t>Custom</a:t>
+            </a:r>
+            <a:r>
+              <a:rPr lang="uk-UA" sz="2800" dirty="0"/>
+              <a:t>»</a:t>
+            </a:r>
+            <a:r>
+              <a:rPr lang="ru-RU" sz="2800" dirty="0"/>
+              <a:t> </a:t>
+            </a:r>
+            <a:r>
+              <a:rPr lang="ru-RU" sz="2800" dirty="0" err="1"/>
+              <a:t>активована</a:t>
+            </a:r>
+            <a:r>
+              <a:rPr lang="ru-RU" sz="2800" dirty="0"/>
+              <a:t> </a:t>
+            </a:r>
+            <a:r>
+              <a:rPr lang="ru-RU" sz="2800" dirty="0" err="1"/>
+              <a:t>всі</a:t>
+            </a:r>
+            <a:r>
+              <a:rPr lang="ru-RU" sz="2800" dirty="0"/>
+              <a:t> </a:t>
+            </a:r>
+            <a:r>
+              <a:rPr lang="en-US" sz="2800" dirty="0"/>
+              <a:t>checkbox</a:t>
+            </a:r>
+            <a:r>
+              <a:rPr lang="ru-RU" sz="2800" dirty="0"/>
+              <a:t>-и </a:t>
+            </a:r>
+            <a:r>
+              <a:rPr lang="uk-UA" sz="2800" dirty="0"/>
+              <a:t>стають доступними.</a:t>
+            </a:r>
+          </a:p>
+          <a:p>
+            <a:pPr marL="0" indent="0" algn="just">
+              <a:buNone/>
+            </a:pPr>
+            <a:r>
+              <a:rPr lang="uk-UA" sz="2800" dirty="0"/>
+              <a:t> </a:t>
+            </a:r>
+            <a:endParaRPr lang="uk-UA" sz="2800" dirty="0" smtClean="0"/>
+          </a:p>
+          <a:p>
+            <a:pPr marL="0" indent="0" algn="just">
+              <a:buNone/>
+            </a:pPr>
+            <a:endParaRPr lang="uk-UA" sz="2800" dirty="0"/>
+          </a:p>
+          <a:p>
+            <a:pPr marL="0" indent="0" algn="just">
+              <a:buNone/>
+            </a:pPr>
+            <a:endParaRPr lang="uk-UA" sz="2800" dirty="0" smtClean="0"/>
+          </a:p>
+          <a:p>
+            <a:pPr marL="0" indent="0" algn="just">
+              <a:buNone/>
+            </a:pPr>
+            <a:endParaRPr lang="uk-UA" sz="2800" dirty="0"/>
+          </a:p>
+          <a:p>
+            <a:pPr marL="0" indent="0" algn="just">
+              <a:buNone/>
+            </a:pPr>
+            <a:endParaRPr lang="uk-UA" sz="2800" dirty="0" smtClean="0"/>
+          </a:p>
+          <a:p>
+            <a:pPr marL="0" indent="0" algn="just">
+              <a:buNone/>
+            </a:pPr>
+            <a:endParaRPr lang="uk-UA" sz="2800" dirty="0"/>
+          </a:p>
+          <a:p>
+            <a:pPr marL="0" indent="0" algn="just">
+              <a:buNone/>
+            </a:pPr>
+            <a:endParaRPr lang="uk-UA" sz="2800" dirty="0"/>
+          </a:p>
+          <a:p>
+            <a:pPr marL="0" indent="0" algn="just">
+              <a:buNone/>
+            </a:pPr>
+            <a:r>
+              <a:rPr lang="uk-UA" sz="2800" i="1" dirty="0"/>
+              <a:t>Так. Група </a:t>
+            </a:r>
+            <a:r>
+              <a:rPr lang="en-US" sz="2800" i="1" dirty="0"/>
+              <a:t>checkboxes</a:t>
+            </a:r>
+            <a:r>
+              <a:rPr lang="uk-UA" sz="2800" i="1" dirty="0"/>
+              <a:t> повинна ставати активною (</a:t>
+            </a:r>
+            <a:r>
+              <a:rPr lang="en-US" sz="2800" i="1" dirty="0"/>
+              <a:t>enable</a:t>
+            </a:r>
+            <a:r>
+              <a:rPr lang="uk-UA" sz="2800" i="1" dirty="0"/>
+              <a:t>) тільки після активації </a:t>
+            </a:r>
+            <a:r>
+              <a:rPr lang="uk-UA" sz="2800" i="1" dirty="0" err="1"/>
+              <a:t>radio</a:t>
+            </a:r>
+            <a:r>
+              <a:rPr lang="uk-UA" sz="2800" i="1" dirty="0"/>
+              <a:t> </a:t>
+            </a:r>
+            <a:r>
+              <a:rPr lang="uk-UA" sz="2800" i="1" dirty="0" err="1"/>
+              <a:t>button</a:t>
+            </a:r>
+            <a:r>
+              <a:rPr lang="uk-UA" sz="2800" i="1" dirty="0"/>
+              <a:t> «</a:t>
+            </a:r>
+            <a:r>
+              <a:rPr lang="en-US" sz="2800" i="1" dirty="0"/>
+              <a:t>Custom</a:t>
+            </a:r>
+            <a:r>
+              <a:rPr lang="uk-UA" sz="2800" i="1" dirty="0"/>
+              <a:t>».</a:t>
+            </a:r>
+            <a:endParaRPr lang="uk-UA" sz="2800" dirty="0"/>
+          </a:p>
+          <a:p>
+            <a:pPr marL="0" indent="0" algn="just">
+              <a:buNone/>
+            </a:pPr>
+            <a:endParaRPr lang="uk-UA" sz="2800" dirty="0"/>
+          </a:p>
+        </p:txBody>
+      </p:sp>
+      <p:pic>
+        <p:nvPicPr>
+          <p:cNvPr id="12290" name="Picture 2"/>
+          <p:cNvPicPr>
+            <a:picLocks noChangeAspect="1" noChangeArrowheads="1"/>
+          </p:cNvPicPr>
+          <p:nvPr/>
+        </p:nvPicPr>
+        <p:blipFill>
+          <a:blip r:embed="rId2">
+            <a:extLst>
+              <a:ext uri="{28A0092B-C50C-407E-A947-70E740481C1C}">
+                <a14:useLocalDpi xmlns:a14="http://schemas.microsoft.com/office/drawing/2010/main" val="0"/>
+              </a:ext>
+            </a:extLst>
+          </a:blip>
+          <a:srcRect/>
+          <a:stretch>
+            <a:fillRect/>
+          </a:stretch>
+        </p:blipFill>
+        <p:spPr bwMode="auto">
+          <a:xfrm>
+            <a:off x="2370126" y="1916832"/>
+            <a:ext cx="4245194" cy="3240360"/>
+          </a:xfrm>
+          <a:prstGeom prst="rect">
+            <a:avLst/>
+          </a:prstGeom>
+          <a:noFill/>
+          <a:ln>
+            <a:noFill/>
+          </a:ln>
+          <a:extLst>
+            <a:ext uri="{909E8E84-426E-40DD-AFC4-6F175D3DCCD1}">
+              <a14:hiddenFill xmlns:a14="http://schemas.microsoft.com/office/drawing/2010/main">
+                <a:solidFill>
+                  <a:srgbClr val="FFFFFF"/>
+                </a:solidFill>
+              </a14:hiddenFill>
+            </a:ext>
+            <a:ext uri="{91240B29-F687-4F45-9708-019B960494DF}">
+              <a14:hiddenLine xmlns:a14="http://schemas.microsoft.com/office/drawing/2010/main" w="9525">
+                <a:solidFill>
+                  <a:srgbClr val="000000"/>
+                </a:solidFill>
+                <a:miter lim="800000"/>
+                <a:headEnd/>
+                <a:tailEnd/>
+              </a14:hiddenLine>
+            </a:ext>
+          </a:extLst>
+        </p:spPr>
+      </p:pic>
+    </p:spTree>
+    <p:extLst>
+      <p:ext uri="{BB962C8B-B14F-4D97-AF65-F5344CB8AC3E}">
+        <p14:creationId xmlns:p14="http://schemas.microsoft.com/office/powerpoint/2010/main" val="1542118182"/>
+      </p:ext>
+    </p:extLst>
+  </p:cSld>
+  <p:clrMapOvr>
+    <a:masterClrMapping/>
+  </p:clrMapOvr>
+  <p:timing>
+    <p:tnLst>
+      <p:par>
+        <p:cTn id="1" dur="indefinite" restart="never" nodeType="tmRoot"/>
+      </p:par>
+    </p:tnLst>
+  </p:timing>
+</p:sld>
+</file>
+
+<file path=ppt/slides/slide19.xml><?xml version="1.0" encoding="utf-8"?>
+<p:sld xmlns:a="http://schemas.openxmlformats.org/drawingml/2006/main" xmlns:r="http://schemas.openxmlformats.org/officeDocument/2006/relationships" xmlns:p="http://schemas.openxmlformats.org/presentationml/2006/main">
+  <p:cSld>
+    <p:spTree>
+      <p:nvGrpSpPr>
+        <p:cNvPr id="1" name=""/>
+        <p:cNvGrpSpPr/>
+        <p:nvPr/>
+      </p:nvGrpSpPr>
+      <p:grpSpPr>
+        <a:xfrm>
+          <a:off x="0" y="0"/>
+          <a:ext cx="0" cy="0"/>
+          <a:chOff x="0" y="0"/>
+          <a:chExt cx="0" cy="0"/>
+        </a:xfrm>
+      </p:grpSpPr>
+      <p:sp>
+        <p:nvSpPr>
+          <p:cNvPr id="3" name="Объект 2"/>
+          <p:cNvSpPr>
+            <a:spLocks noGrp="1"/>
+          </p:cNvSpPr>
+          <p:nvPr>
+            <p:ph idx="1"/>
+          </p:nvPr>
+        </p:nvSpPr>
+        <p:spPr>
+          <a:xfrm>
+            <a:off x="467544" y="548680"/>
+            <a:ext cx="8229600" cy="5544616"/>
+          </a:xfrm>
+        </p:spPr>
+        <p:txBody>
+          <a:bodyPr/>
+          <a:lstStyle/>
+          <a:p>
+            <a:pPr marL="0" lvl="0" indent="0">
+              <a:buNone/>
+            </a:pPr>
+            <a:r>
+              <a:rPr lang="en-US" dirty="0" smtClean="0"/>
+              <a:t>17.</a:t>
+            </a:r>
+            <a:r>
+              <a:rPr lang="uk-UA" dirty="0" smtClean="0"/>
+              <a:t> </a:t>
+            </a:r>
+            <a:r>
+              <a:rPr lang="uk-UA" dirty="0"/>
+              <a:t>Це найкраща реалізація інтерфейсу?</a:t>
+            </a:r>
+          </a:p>
+          <a:p>
+            <a:pPr marL="0" indent="0">
+              <a:buNone/>
+            </a:pPr>
+            <a:endParaRPr lang="uk-UA" i="1" dirty="0"/>
+          </a:p>
+          <a:p>
+            <a:pPr marL="0" indent="0">
+              <a:buNone/>
+            </a:pPr>
+            <a:endParaRPr lang="uk-UA" i="1" dirty="0"/>
+          </a:p>
+          <a:p>
+            <a:pPr marL="0" indent="0">
+              <a:buNone/>
+            </a:pPr>
+            <a:endParaRPr lang="uk-UA" i="1" dirty="0"/>
+          </a:p>
+          <a:p>
+            <a:pPr marL="0" indent="0">
+              <a:buNone/>
+            </a:pPr>
+            <a:endParaRPr lang="uk-UA" i="1" dirty="0"/>
+          </a:p>
+          <a:p>
+            <a:pPr marL="0" indent="0">
+              <a:buNone/>
+            </a:pPr>
+            <a:endParaRPr lang="uk-UA" i="1" dirty="0" smtClean="0"/>
+          </a:p>
+          <a:p>
+            <a:pPr marL="0" indent="0">
+              <a:buNone/>
+            </a:pPr>
+            <a:r>
+              <a:rPr lang="uk-UA" i="1" dirty="0" smtClean="0"/>
+              <a:t>Так</a:t>
+            </a:r>
+            <a:endParaRPr lang="uk-UA" dirty="0"/>
+          </a:p>
+          <a:p>
+            <a:pPr marL="0" indent="0">
+              <a:buNone/>
+            </a:pPr>
+            <a:endParaRPr lang="uk-UA" dirty="0"/>
+          </a:p>
+        </p:txBody>
+      </p:sp>
+      <p:pic>
+        <p:nvPicPr>
+          <p:cNvPr id="13314" name="Picture 2"/>
+          <p:cNvPicPr>
+            <a:picLocks noChangeAspect="1" noChangeArrowheads="1"/>
+          </p:cNvPicPr>
+          <p:nvPr/>
+        </p:nvPicPr>
+        <p:blipFill>
+          <a:blip r:embed="rId2">
+            <a:extLst>
+              <a:ext uri="{28A0092B-C50C-407E-A947-70E740481C1C}">
+                <a14:useLocalDpi xmlns:a14="http://schemas.microsoft.com/office/drawing/2010/main" val="0"/>
+              </a:ext>
+            </a:extLst>
+          </a:blip>
+          <a:srcRect/>
+          <a:stretch>
+            <a:fillRect/>
+          </a:stretch>
+        </p:blipFill>
+        <p:spPr bwMode="auto">
+          <a:xfrm>
+            <a:off x="2134132" y="1628800"/>
+            <a:ext cx="5232743" cy="1656184"/>
+          </a:xfrm>
+          <a:prstGeom prst="rect">
+            <a:avLst/>
+          </a:prstGeom>
+          <a:noFill/>
+          <a:ln>
+            <a:noFill/>
+          </a:ln>
+          <a:extLst>
+            <a:ext uri="{909E8E84-426E-40DD-AFC4-6F175D3DCCD1}">
+              <a14:hiddenFill xmlns:a14="http://schemas.microsoft.com/office/drawing/2010/main">
+                <a:solidFill>
+                  <a:srgbClr val="FFFFFF"/>
+                </a:solidFill>
+              </a14:hiddenFill>
+            </a:ext>
+            <a:ext uri="{91240B29-F687-4F45-9708-019B960494DF}">
+              <a14:hiddenLine xmlns:a14="http://schemas.microsoft.com/office/drawing/2010/main" w="9525">
+                <a:solidFill>
+                  <a:srgbClr val="000000"/>
+                </a:solidFill>
+                <a:miter lim="800000"/>
+                <a:headEnd/>
+                <a:tailEnd/>
+              </a14:hiddenLine>
+            </a:ext>
+          </a:extLst>
+        </p:spPr>
+      </p:pic>
+    </p:spTree>
+    <p:extLst>
+      <p:ext uri="{BB962C8B-B14F-4D97-AF65-F5344CB8AC3E}">
+        <p14:creationId xmlns:p14="http://schemas.microsoft.com/office/powerpoint/2010/main" val="1679097190"/>
+      </p:ext>
+    </p:extLst>
+  </p:cSld>
+  <p:clrMapOvr>
+    <a:masterClrMapping/>
+  </p:clrMapOvr>
+  <p:timing>
+    <p:tnLst>
+      <p:par>
+        <p:cTn id="1" dur="indefinite" restart="never" nodeType="tmRoot"/>
+      </p:par>
+    </p:tnLst>
+  </p:timing>
+</p:sld>
+</file>
+
+<file path=ppt/slides/slide2.xml><?xml version="1.0" encoding="utf-8"?>
+<p:sld xmlns:a="http://schemas.openxmlformats.org/drawingml/2006/main" xmlns:r="http://schemas.openxmlformats.org/officeDocument/2006/relationships" xmlns:p="http://schemas.openxmlformats.org/presentationml/2006/main">
+  <p:cSld>
+    <p:spTree>
+      <p:nvGrpSpPr>
+        <p:cNvPr id="1" name=""/>
+        <p:cNvGrpSpPr/>
+        <p:nvPr/>
+      </p:nvGrpSpPr>
+      <p:grpSpPr>
+        <a:xfrm>
+          <a:off x="0" y="0"/>
+          <a:ext cx="0" cy="0"/>
+          <a:chOff x="0" y="0"/>
+          <a:chExt cx="0" cy="0"/>
+        </a:xfrm>
+      </p:grpSpPr>
+      <p:sp>
+        <p:nvSpPr>
+          <p:cNvPr id="2" name="Заголовок 1"/>
+          <p:cNvSpPr>
+            <a:spLocks noGrp="1"/>
+          </p:cNvSpPr>
+          <p:nvPr>
+            <p:ph type="title"/>
+          </p:nvPr>
+        </p:nvSpPr>
+        <p:spPr/>
+        <p:txBody>
+          <a:bodyPr/>
+          <a:lstStyle/>
+          <a:p>
+            <a:pPr algn="l"/>
+            <a:r>
+              <a:rPr lang="uk-UA" b="1" dirty="0" smtClean="0">
+                <a:latin typeface="Times New Roman" pitchFamily="18" charset="0"/>
+                <a:cs typeface="Times New Roman" pitchFamily="18" charset="0"/>
+              </a:rPr>
+              <a:t>Мета:</a:t>
+            </a:r>
+            <a:endParaRPr lang="uk-UA" dirty="0">
+              <a:latin typeface="Times New Roman" pitchFamily="18" charset="0"/>
+              <a:cs typeface="Times New Roman" pitchFamily="18" charset="0"/>
+            </a:endParaRPr>
+          </a:p>
+        </p:txBody>
+      </p:sp>
+      <p:sp>
+        <p:nvSpPr>
+          <p:cNvPr id="3" name="Объект 2"/>
+          <p:cNvSpPr>
+            <a:spLocks noGrp="1"/>
+          </p:cNvSpPr>
+          <p:nvPr>
+            <p:ph idx="1"/>
+          </p:nvPr>
+        </p:nvSpPr>
+        <p:spPr>
+          <a:xfrm>
+            <a:off x="467544" y="2492897"/>
+            <a:ext cx="8229600" cy="3456384"/>
+          </a:xfrm>
+        </p:spPr>
+        <p:txBody>
+          <a:bodyPr/>
+          <a:lstStyle/>
+          <a:p>
+            <a:pPr marL="0" indent="0">
+              <a:buNone/>
+            </a:pPr>
+            <a:r>
+              <a:rPr lang="uk-UA" dirty="0" smtClean="0">
+                <a:latin typeface="Times New Roman" pitchFamily="18" charset="0"/>
+                <a:cs typeface="Times New Roman" pitchFamily="18" charset="0"/>
+              </a:rPr>
+              <a:t>Навчитися </a:t>
+            </a:r>
+            <a:r>
+              <a:rPr lang="uk-UA" dirty="0" smtClean="0">
+                <a:latin typeface="Times New Roman" pitchFamily="18" charset="0"/>
+                <a:cs typeface="Times New Roman" pitchFamily="18" charset="0"/>
+              </a:rPr>
+              <a:t>знаходити </a:t>
+            </a:r>
+            <a:r>
+              <a:rPr lang="uk-UA" dirty="0">
+                <a:latin typeface="Times New Roman" pitchFamily="18" charset="0"/>
+                <a:cs typeface="Times New Roman" pitchFamily="18" charset="0"/>
+              </a:rPr>
+              <a:t>неточності в побудованих інтерфейсах користувача </a:t>
+            </a:r>
+            <a:endParaRPr lang="uk-UA" dirty="0" smtClean="0">
+              <a:latin typeface="Times New Roman" pitchFamily="18" charset="0"/>
+              <a:cs typeface="Times New Roman" pitchFamily="18" charset="0"/>
+            </a:endParaRPr>
+          </a:p>
+        </p:txBody>
+      </p:sp>
+    </p:spTree>
+    <p:extLst>
+      <p:ext uri="{BB962C8B-B14F-4D97-AF65-F5344CB8AC3E}">
+        <p14:creationId xmlns:p14="http://schemas.microsoft.com/office/powerpoint/2010/main" val="3459498279"/>
+      </p:ext>
+    </p:extLst>
+  </p:cSld>
+  <p:clrMapOvr>
+    <a:masterClrMapping/>
+  </p:clrMapOvr>
+  <p:timing>
+    <p:tnLst>
+      <p:par>
+        <p:cTn id="1" dur="indefinite" restart="never" nodeType="tmRoot"/>
+      </p:par>
+    </p:tnLst>
+  </p:timing>
+</p:sld>
+</file>
+
+<file path=ppt/slides/slide20.xml><?xml version="1.0" encoding="utf-8"?>
+<p:sld xmlns:a="http://schemas.openxmlformats.org/drawingml/2006/main" xmlns:r="http://schemas.openxmlformats.org/officeDocument/2006/relationships" xmlns:p="http://schemas.openxmlformats.org/presentationml/2006/main">
+  <p:cSld>
+    <p:spTree>
+      <p:nvGrpSpPr>
+        <p:cNvPr id="1" name=""/>
+        <p:cNvGrpSpPr/>
+        <p:nvPr/>
+      </p:nvGrpSpPr>
+      <p:grpSpPr>
+        <a:xfrm>
+          <a:off x="0" y="0"/>
+          <a:ext cx="0" cy="0"/>
+          <a:chOff x="0" y="0"/>
+          <a:chExt cx="0" cy="0"/>
+        </a:xfrm>
+      </p:grpSpPr>
+      <p:sp>
+        <p:nvSpPr>
+          <p:cNvPr id="3" name="Объект 2"/>
+          <p:cNvSpPr>
+            <a:spLocks noGrp="1"/>
+          </p:cNvSpPr>
+          <p:nvPr>
+            <p:ph idx="1"/>
+          </p:nvPr>
+        </p:nvSpPr>
+        <p:spPr>
+          <a:xfrm>
+            <a:off x="467544" y="548680"/>
+            <a:ext cx="8229600" cy="5544616"/>
+          </a:xfrm>
+        </p:spPr>
+        <p:txBody>
+          <a:bodyPr/>
+          <a:lstStyle/>
+          <a:p>
+            <a:pPr marL="0" lvl="0" indent="0">
+              <a:buNone/>
+            </a:pPr>
+            <a:r>
+              <a:rPr lang="en-US" dirty="0" smtClean="0"/>
+              <a:t>18.</a:t>
+            </a:r>
+            <a:r>
+              <a:rPr lang="uk-UA" dirty="0" smtClean="0"/>
+              <a:t> </a:t>
+            </a:r>
+            <a:r>
+              <a:rPr lang="uk-UA" dirty="0"/>
+              <a:t>Як інтерфейс може бути покращений?</a:t>
+            </a:r>
+          </a:p>
+          <a:p>
+            <a:pPr marL="0" indent="0">
+              <a:buNone/>
+            </a:pPr>
+            <a:r>
+              <a:rPr lang="uk-UA" dirty="0"/>
+              <a:t> </a:t>
+            </a:r>
+          </a:p>
+          <a:p>
+            <a:pPr marL="0" indent="0">
+              <a:buNone/>
+            </a:pPr>
+            <a:endParaRPr lang="uk-UA" i="1" dirty="0" smtClean="0"/>
+          </a:p>
+          <a:p>
+            <a:pPr marL="0" indent="0">
+              <a:buNone/>
+            </a:pPr>
+            <a:endParaRPr lang="uk-UA" i="1" dirty="0"/>
+          </a:p>
+          <a:p>
+            <a:pPr marL="0" indent="0">
+              <a:buNone/>
+            </a:pPr>
+            <a:r>
+              <a:rPr lang="uk-UA" i="1" dirty="0"/>
+              <a:t/>
+            </a:r>
+            <a:br>
+              <a:rPr lang="uk-UA" i="1" dirty="0"/>
+            </a:br>
+            <a:r>
+              <a:rPr lang="uk-UA" i="1" dirty="0"/>
+              <a:t/>
+            </a:r>
+            <a:br>
+              <a:rPr lang="uk-UA" i="1" dirty="0"/>
+            </a:br>
+            <a:r>
+              <a:rPr lang="uk-UA" i="1" dirty="0"/>
+              <a:t>Розмістити </a:t>
+            </a:r>
+            <a:r>
+              <a:rPr lang="uk-UA" i="1" dirty="0" smtClean="0"/>
+              <a:t>елементи типу </a:t>
+            </a:r>
+            <a:r>
+              <a:rPr lang="uk-UA" i="1" dirty="0" err="1"/>
+              <a:t>radio</a:t>
+            </a:r>
+            <a:r>
+              <a:rPr lang="uk-UA" i="1" dirty="0"/>
+              <a:t> </a:t>
+            </a:r>
+            <a:r>
+              <a:rPr lang="uk-UA" i="1" dirty="0" err="1"/>
+              <a:t>button</a:t>
+            </a:r>
+            <a:r>
+              <a:rPr lang="uk-UA" i="1" dirty="0"/>
+              <a:t> горизонтально.</a:t>
+            </a:r>
+            <a:endParaRPr lang="uk-UA" dirty="0"/>
+          </a:p>
+          <a:p>
+            <a:pPr marL="0" indent="0">
+              <a:buNone/>
+            </a:pPr>
+            <a:endParaRPr lang="uk-UA" dirty="0"/>
+          </a:p>
+        </p:txBody>
+      </p:sp>
+      <p:pic>
+        <p:nvPicPr>
+          <p:cNvPr id="14338" name="Picture 2"/>
+          <p:cNvPicPr>
+            <a:picLocks noChangeAspect="1" noChangeArrowheads="1"/>
+          </p:cNvPicPr>
+          <p:nvPr/>
+        </p:nvPicPr>
+        <p:blipFill>
+          <a:blip r:embed="rId2">
+            <a:extLst>
+              <a:ext uri="{28A0092B-C50C-407E-A947-70E740481C1C}">
+                <a14:useLocalDpi xmlns:a14="http://schemas.microsoft.com/office/drawing/2010/main" val="0"/>
+              </a:ext>
+            </a:extLst>
+          </a:blip>
+          <a:srcRect/>
+          <a:stretch>
+            <a:fillRect/>
+          </a:stretch>
+        </p:blipFill>
+        <p:spPr bwMode="auto">
+          <a:xfrm>
+            <a:off x="3267187" y="1556792"/>
+            <a:ext cx="2829330" cy="2088233"/>
+          </a:xfrm>
+          <a:prstGeom prst="rect">
+            <a:avLst/>
+          </a:prstGeom>
+          <a:noFill/>
+          <a:ln>
+            <a:noFill/>
+          </a:ln>
+          <a:extLst>
+            <a:ext uri="{909E8E84-426E-40DD-AFC4-6F175D3DCCD1}">
+              <a14:hiddenFill xmlns:a14="http://schemas.microsoft.com/office/drawing/2010/main">
+                <a:solidFill>
+                  <a:srgbClr val="FFFFFF"/>
+                </a:solidFill>
+              </a14:hiddenFill>
+            </a:ext>
+            <a:ext uri="{91240B29-F687-4F45-9708-019B960494DF}">
+              <a14:hiddenLine xmlns:a14="http://schemas.microsoft.com/office/drawing/2010/main" w="9525">
+                <a:solidFill>
+                  <a:srgbClr val="000000"/>
+                </a:solidFill>
+                <a:miter lim="800000"/>
+                <a:headEnd/>
+                <a:tailEnd/>
+              </a14:hiddenLine>
+            </a:ext>
+          </a:extLst>
+        </p:spPr>
+      </p:pic>
+      <p:pic>
+        <p:nvPicPr>
+          <p:cNvPr id="14339" name="Picture 3"/>
+          <p:cNvPicPr>
+            <a:picLocks noChangeAspect="1" noChangeArrowheads="1"/>
+          </p:cNvPicPr>
+          <p:nvPr/>
+        </p:nvPicPr>
+        <p:blipFill>
+          <a:blip r:embed="rId3">
+            <a:extLst>
+              <a:ext uri="{28A0092B-C50C-407E-A947-70E740481C1C}">
+                <a14:useLocalDpi xmlns:a14="http://schemas.microsoft.com/office/drawing/2010/main" val="0"/>
+              </a:ext>
+            </a:extLst>
+          </a:blip>
+          <a:srcRect/>
+          <a:stretch>
+            <a:fillRect/>
+          </a:stretch>
+        </p:blipFill>
+        <p:spPr bwMode="auto">
+          <a:xfrm>
+            <a:off x="2195737" y="5193597"/>
+            <a:ext cx="5472608" cy="587714"/>
+          </a:xfrm>
+          <a:prstGeom prst="rect">
+            <a:avLst/>
+          </a:prstGeom>
+          <a:noFill/>
+          <a:ln>
+            <a:noFill/>
+          </a:ln>
+          <a:extLst>
+            <a:ext uri="{909E8E84-426E-40DD-AFC4-6F175D3DCCD1}">
+              <a14:hiddenFill xmlns:a14="http://schemas.microsoft.com/office/drawing/2010/main">
+                <a:solidFill>
+                  <a:srgbClr val="FFFFFF"/>
+                </a:solidFill>
+              </a14:hiddenFill>
+            </a:ext>
+            <a:ext uri="{91240B29-F687-4F45-9708-019B960494DF}">
+              <a14:hiddenLine xmlns:a14="http://schemas.microsoft.com/office/drawing/2010/main" w="9525">
+                <a:solidFill>
+                  <a:srgbClr val="000000"/>
+                </a:solidFill>
+                <a:miter lim="800000"/>
+                <a:headEnd/>
+                <a:tailEnd/>
+              </a14:hiddenLine>
+            </a:ext>
+          </a:extLst>
+        </p:spPr>
+      </p:pic>
+    </p:spTree>
+    <p:extLst>
+      <p:ext uri="{BB962C8B-B14F-4D97-AF65-F5344CB8AC3E}">
+        <p14:creationId xmlns:p14="http://schemas.microsoft.com/office/powerpoint/2010/main" val="3136290517"/>
+      </p:ext>
+    </p:extLst>
+  </p:cSld>
+  <p:clrMapOvr>
+    <a:masterClrMapping/>
+  </p:clrMapOvr>
+  <p:timing>
+    <p:tnLst>
+      <p:par>
+        <p:cTn id="1" dur="indefinite" restart="never" nodeType="tmRoot"/>
+      </p:par>
+    </p:tnLst>
+  </p:timing>
+</p:sld>
+</file>
+
+<file path=ppt/slides/slide21.xml><?xml version="1.0" encoding="utf-8"?>
+<p:sld xmlns:a="http://schemas.openxmlformats.org/drawingml/2006/main" xmlns:r="http://schemas.openxmlformats.org/officeDocument/2006/relationships" xmlns:p="http://schemas.openxmlformats.org/presentationml/2006/main">
+  <p:cSld>
+    <p:spTree>
+      <p:nvGrpSpPr>
+        <p:cNvPr id="1" name=""/>
+        <p:cNvGrpSpPr/>
+        <p:nvPr/>
+      </p:nvGrpSpPr>
+      <p:grpSpPr>
+        <a:xfrm>
+          <a:off x="0" y="0"/>
+          <a:ext cx="0" cy="0"/>
+          <a:chOff x="0" y="0"/>
+          <a:chExt cx="0" cy="0"/>
+        </a:xfrm>
+      </p:grpSpPr>
+      <p:sp>
+        <p:nvSpPr>
+          <p:cNvPr id="3" name="Объект 2"/>
+          <p:cNvSpPr>
+            <a:spLocks noGrp="1"/>
+          </p:cNvSpPr>
+          <p:nvPr>
+            <p:ph idx="1"/>
+          </p:nvPr>
+        </p:nvSpPr>
+        <p:spPr>
+          <a:xfrm>
+            <a:off x="467544" y="548680"/>
+            <a:ext cx="8229600" cy="5544616"/>
+          </a:xfrm>
+        </p:spPr>
+        <p:txBody>
+          <a:bodyPr/>
+          <a:lstStyle/>
+          <a:p>
+            <a:pPr marL="0" lvl="0" indent="0">
+              <a:buNone/>
+            </a:pPr>
+            <a:r>
+              <a:rPr lang="en-US" dirty="0" smtClean="0"/>
+              <a:t>19.</a:t>
+            </a:r>
+            <a:r>
+              <a:rPr lang="uk-UA" dirty="0"/>
+              <a:t> Чи це найкращий спосіб розміщення </a:t>
+            </a:r>
+            <a:r>
+              <a:rPr lang="uk-UA" dirty="0" err="1"/>
+              <a:t>radio</a:t>
+            </a:r>
+            <a:r>
+              <a:rPr lang="uk-UA" dirty="0"/>
+              <a:t> кнопок</a:t>
+            </a:r>
+            <a:r>
+              <a:rPr lang="uk-UA" dirty="0" smtClean="0"/>
+              <a:t>?</a:t>
+            </a:r>
+          </a:p>
+          <a:p>
+            <a:pPr marL="0" lvl="0" indent="0">
+              <a:buNone/>
+            </a:pPr>
+            <a:endParaRPr lang="uk-UA" dirty="0"/>
+          </a:p>
+          <a:p>
+            <a:pPr marL="0" lvl="0" indent="0">
+              <a:buNone/>
+            </a:pPr>
+            <a:endParaRPr lang="uk-UA" dirty="0" smtClean="0"/>
+          </a:p>
+          <a:p>
+            <a:pPr marL="0" lvl="0" indent="0">
+              <a:buNone/>
+            </a:pPr>
+            <a:endParaRPr lang="uk-UA" dirty="0"/>
+          </a:p>
+          <a:p>
+            <a:pPr marL="0" indent="0">
+              <a:buNone/>
+            </a:pPr>
+            <a:endParaRPr lang="uk-UA" i="1" dirty="0"/>
+          </a:p>
+          <a:p>
+            <a:pPr marL="0" indent="0">
+              <a:buNone/>
+            </a:pPr>
+            <a:r>
+              <a:rPr lang="uk-UA" i="1" dirty="0" smtClean="0"/>
+              <a:t>Так</a:t>
+            </a:r>
+            <a:endParaRPr lang="uk-UA" dirty="0"/>
+          </a:p>
+          <a:p>
+            <a:pPr marL="0" indent="0">
+              <a:buNone/>
+            </a:pPr>
+            <a:endParaRPr lang="uk-UA" dirty="0"/>
+          </a:p>
+        </p:txBody>
+      </p:sp>
+      <p:pic>
+        <p:nvPicPr>
+          <p:cNvPr id="15364" name="Picture 4"/>
+          <p:cNvPicPr>
+            <a:picLocks noChangeAspect="1" noChangeArrowheads="1"/>
+          </p:cNvPicPr>
+          <p:nvPr/>
+        </p:nvPicPr>
+        <p:blipFill>
+          <a:blip r:embed="rId2">
+            <a:extLst>
+              <a:ext uri="{28A0092B-C50C-407E-A947-70E740481C1C}">
+                <a14:useLocalDpi xmlns:a14="http://schemas.microsoft.com/office/drawing/2010/main" val="0"/>
+              </a:ext>
+            </a:extLst>
+          </a:blip>
+          <a:srcRect/>
+          <a:stretch>
+            <a:fillRect/>
+          </a:stretch>
+        </p:blipFill>
+        <p:spPr bwMode="auto">
+          <a:xfrm>
+            <a:off x="2123728" y="2420888"/>
+            <a:ext cx="5400600" cy="580385"/>
+          </a:xfrm>
+          <a:prstGeom prst="rect">
+            <a:avLst/>
+          </a:prstGeom>
+          <a:noFill/>
+          <a:ln>
+            <a:noFill/>
+          </a:ln>
+          <a:extLst>
+            <a:ext uri="{909E8E84-426E-40DD-AFC4-6F175D3DCCD1}">
+              <a14:hiddenFill xmlns:a14="http://schemas.microsoft.com/office/drawing/2010/main">
+                <a:solidFill>
+                  <a:srgbClr val="FFFFFF"/>
+                </a:solidFill>
+              </a14:hiddenFill>
+            </a:ext>
+            <a:ext uri="{91240B29-F687-4F45-9708-019B960494DF}">
+              <a14:hiddenLine xmlns:a14="http://schemas.microsoft.com/office/drawing/2010/main" w="9525">
+                <a:solidFill>
+                  <a:srgbClr val="000000"/>
+                </a:solidFill>
+                <a:miter lim="800000"/>
+                <a:headEnd/>
+                <a:tailEnd/>
+              </a14:hiddenLine>
+            </a:ext>
+          </a:extLst>
+        </p:spPr>
+      </p:pic>
+    </p:spTree>
+    <p:extLst>
+      <p:ext uri="{BB962C8B-B14F-4D97-AF65-F5344CB8AC3E}">
+        <p14:creationId xmlns:p14="http://schemas.microsoft.com/office/powerpoint/2010/main" val="3136290517"/>
+      </p:ext>
+    </p:extLst>
+  </p:cSld>
+  <p:clrMapOvr>
+    <a:masterClrMapping/>
+  </p:clrMapOvr>
+  <p:timing>
+    <p:tnLst>
+      <p:par>
+        <p:cTn id="1" dur="indefinite" restart="never" nodeType="tmRoot"/>
+      </p:par>
+    </p:tnLst>
+  </p:timing>
+</p:sld>
+</file>
+
+<file path=ppt/slides/slide22.xml><?xml version="1.0" encoding="utf-8"?>
+<p:sld xmlns:a="http://schemas.openxmlformats.org/drawingml/2006/main" xmlns:r="http://schemas.openxmlformats.org/officeDocument/2006/relationships" xmlns:p="http://schemas.openxmlformats.org/presentationml/2006/main">
+  <p:cSld>
+    <p:spTree>
+      <p:nvGrpSpPr>
+        <p:cNvPr id="1" name=""/>
+        <p:cNvGrpSpPr/>
+        <p:nvPr/>
+      </p:nvGrpSpPr>
+      <p:grpSpPr>
+        <a:xfrm>
+          <a:off x="0" y="0"/>
+          <a:ext cx="0" cy="0"/>
+          <a:chOff x="0" y="0"/>
+          <a:chExt cx="0" cy="0"/>
+        </a:xfrm>
+      </p:grpSpPr>
+      <p:sp>
+        <p:nvSpPr>
+          <p:cNvPr id="3" name="Объект 2"/>
+          <p:cNvSpPr>
+            <a:spLocks noGrp="1"/>
+          </p:cNvSpPr>
+          <p:nvPr>
+            <p:ph idx="1"/>
+          </p:nvPr>
+        </p:nvSpPr>
+        <p:spPr>
+          <a:xfrm>
+            <a:off x="467544" y="548680"/>
+            <a:ext cx="8229600" cy="5544616"/>
+          </a:xfrm>
+        </p:spPr>
+        <p:txBody>
+          <a:bodyPr>
+            <a:normAutofit/>
+          </a:bodyPr>
+          <a:lstStyle/>
+          <a:p>
+            <a:pPr marL="0" lvl="0" indent="0">
+              <a:buNone/>
+            </a:pPr>
+            <a:r>
+              <a:rPr lang="en-US" sz="2800" dirty="0" smtClean="0"/>
+              <a:t>20.</a:t>
+            </a:r>
+            <a:r>
+              <a:rPr lang="uk-UA" sz="2800" dirty="0"/>
+              <a:t> Чи правильно залишати поля вводу та </a:t>
+            </a:r>
+            <a:r>
+              <a:rPr lang="uk-UA" sz="2800" dirty="0" err="1"/>
+              <a:t>випадаючі</a:t>
+            </a:r>
+            <a:r>
+              <a:rPr lang="uk-UA" sz="2800" dirty="0"/>
+              <a:t> списки, які можуть редагуватися, доступними, якщо вони </a:t>
+            </a:r>
+            <a:r>
+              <a:rPr lang="uk-UA" sz="2800" dirty="0" err="1"/>
+              <a:t>прив’</a:t>
+            </a:r>
+            <a:r>
+              <a:rPr lang="ru-RU" sz="2800" dirty="0" err="1"/>
+              <a:t>язані</a:t>
+            </a:r>
+            <a:r>
+              <a:rPr lang="ru-RU" sz="2800" dirty="0"/>
+              <a:t> до кнопки.  </a:t>
+            </a:r>
+            <a:endParaRPr lang="uk-UA" sz="2800" dirty="0"/>
+          </a:p>
+          <a:p>
+            <a:pPr marL="0" indent="0">
+              <a:buNone/>
+            </a:pPr>
+            <a:r>
+              <a:rPr lang="uk-UA" sz="2800" dirty="0"/>
+              <a:t> </a:t>
+            </a:r>
+            <a:endParaRPr lang="uk-UA" sz="2800" dirty="0" smtClean="0"/>
+          </a:p>
+          <a:p>
+            <a:pPr marL="0" indent="0">
+              <a:buNone/>
+            </a:pPr>
+            <a:endParaRPr lang="uk-UA" sz="2800" dirty="0"/>
+          </a:p>
+          <a:p>
+            <a:pPr marL="0" indent="0">
+              <a:buNone/>
+            </a:pPr>
+            <a:endParaRPr lang="uk-UA" sz="2800" dirty="0" smtClean="0"/>
+          </a:p>
+          <a:p>
+            <a:pPr marL="0" indent="0">
+              <a:buNone/>
+            </a:pPr>
+            <a:endParaRPr lang="uk-UA" sz="2800" dirty="0" smtClean="0"/>
+          </a:p>
+          <a:p>
+            <a:pPr marL="0" indent="0">
+              <a:buNone/>
+            </a:pPr>
+            <a:endParaRPr lang="uk-UA" sz="2800" dirty="0"/>
+          </a:p>
+          <a:p>
+            <a:pPr marL="0" indent="0">
+              <a:buNone/>
+            </a:pPr>
+            <a:endParaRPr lang="uk-UA" sz="2800" dirty="0"/>
+          </a:p>
+          <a:p>
+            <a:pPr marL="0" indent="0">
+              <a:buNone/>
+            </a:pPr>
+            <a:r>
+              <a:rPr lang="uk-UA" sz="2800" i="1" dirty="0"/>
+              <a:t>Текстове поле повинно активуватись після вибору елемента </a:t>
+            </a:r>
+            <a:r>
+              <a:rPr lang="en-US" sz="2800" i="1" dirty="0"/>
+              <a:t>radio button </a:t>
+            </a:r>
+            <a:r>
+              <a:rPr lang="uk-UA" sz="2800" i="1" dirty="0"/>
+              <a:t>з яким воно </a:t>
+            </a:r>
+            <a:r>
+              <a:rPr lang="uk-UA" sz="2800" i="1" dirty="0" smtClean="0"/>
+              <a:t>пов’язане</a:t>
+            </a:r>
+            <a:endParaRPr lang="uk-UA" sz="2800" dirty="0"/>
+          </a:p>
+        </p:txBody>
+      </p:sp>
+      <p:pic>
+        <p:nvPicPr>
+          <p:cNvPr id="16385" name="Picture 1"/>
+          <p:cNvPicPr>
+            <a:picLocks noChangeAspect="1" noChangeArrowheads="1"/>
+          </p:cNvPicPr>
+          <p:nvPr/>
+        </p:nvPicPr>
+        <p:blipFill>
+          <a:blip r:embed="rId2">
+            <a:extLst>
+              <a:ext uri="{28A0092B-C50C-407E-A947-70E740481C1C}">
+                <a14:useLocalDpi xmlns:a14="http://schemas.microsoft.com/office/drawing/2010/main" val="0"/>
+              </a:ext>
+            </a:extLst>
+          </a:blip>
+          <a:srcRect/>
+          <a:stretch>
+            <a:fillRect/>
+          </a:stretch>
+        </p:blipFill>
+        <p:spPr bwMode="auto">
+          <a:xfrm>
+            <a:off x="2915816" y="2177231"/>
+            <a:ext cx="3487666" cy="2619921"/>
+          </a:xfrm>
+          <a:prstGeom prst="rect">
+            <a:avLst/>
+          </a:prstGeom>
+          <a:noFill/>
+          <a:extLst>
+            <a:ext uri="{909E8E84-426E-40DD-AFC4-6F175D3DCCD1}">
+              <a14:hiddenFill xmlns:a14="http://schemas.microsoft.com/office/drawing/2010/main">
+                <a:solidFill>
+                  <a:srgbClr val="FFFFFF"/>
+                </a:solidFill>
+              </a14:hiddenFill>
+            </a:ext>
+          </a:extLst>
+        </p:spPr>
+      </p:pic>
+    </p:spTree>
+    <p:extLst>
+      <p:ext uri="{BB962C8B-B14F-4D97-AF65-F5344CB8AC3E}">
+        <p14:creationId xmlns:p14="http://schemas.microsoft.com/office/powerpoint/2010/main" val="3136290517"/>
+      </p:ext>
+    </p:extLst>
+  </p:cSld>
+  <p:clrMapOvr>
+    <a:masterClrMapping/>
+  </p:clrMapOvr>
+  <p:timing>
+    <p:tnLst>
+      <p:par>
+        <p:cTn id="1" dur="indefinite" restart="never" nodeType="tmRoot"/>
+      </p:par>
+    </p:tnLst>
+  </p:timing>
+</p:sld>
+</file>
+
+<file path=ppt/slides/slide23.xml><?xml version="1.0" encoding="utf-8"?>
+<p:sld xmlns:a="http://schemas.openxmlformats.org/drawingml/2006/main" xmlns:r="http://schemas.openxmlformats.org/officeDocument/2006/relationships" xmlns:p="http://schemas.openxmlformats.org/presentationml/2006/main">
+  <p:cSld>
+    <p:spTree>
+      <p:nvGrpSpPr>
+        <p:cNvPr id="1" name=""/>
+        <p:cNvGrpSpPr/>
+        <p:nvPr/>
+      </p:nvGrpSpPr>
+      <p:grpSpPr>
+        <a:xfrm>
+          <a:off x="0" y="0"/>
+          <a:ext cx="0" cy="0"/>
+          <a:chOff x="0" y="0"/>
+          <a:chExt cx="0" cy="0"/>
+        </a:xfrm>
+      </p:grpSpPr>
+      <p:sp>
+        <p:nvSpPr>
+          <p:cNvPr id="3" name="Объект 2"/>
+          <p:cNvSpPr>
+            <a:spLocks noGrp="1"/>
+          </p:cNvSpPr>
+          <p:nvPr>
+            <p:ph idx="1"/>
+          </p:nvPr>
+        </p:nvSpPr>
+        <p:spPr>
+          <a:xfrm>
+            <a:off x="467544" y="548680"/>
+            <a:ext cx="8229600" cy="5544616"/>
+          </a:xfrm>
+        </p:spPr>
+        <p:txBody>
+          <a:bodyPr/>
+          <a:lstStyle/>
+          <a:p>
+            <a:pPr marL="0" lvl="0" indent="0" algn="just">
+              <a:buNone/>
+            </a:pPr>
+            <a:r>
+              <a:rPr lang="en-US" dirty="0" smtClean="0"/>
+              <a:t>21.</a:t>
+            </a:r>
+            <a:r>
+              <a:rPr lang="uk-UA" dirty="0" smtClean="0"/>
+              <a:t> </a:t>
+            </a:r>
+            <a:r>
+              <a:rPr lang="uk-UA" dirty="0"/>
+              <a:t>Що таке list-</a:t>
+            </a:r>
+            <a:r>
+              <a:rPr lang="uk-UA" dirty="0" err="1"/>
+              <a:t>box</a:t>
+            </a:r>
+            <a:r>
+              <a:rPr lang="uk-UA" dirty="0"/>
+              <a:t>, drop-</a:t>
+            </a:r>
+            <a:r>
+              <a:rPr lang="uk-UA" dirty="0" err="1"/>
+              <a:t>down</a:t>
+            </a:r>
+            <a:r>
+              <a:rPr lang="uk-UA" dirty="0"/>
+              <a:t> </a:t>
+            </a:r>
+            <a:r>
+              <a:rPr lang="uk-UA" dirty="0" err="1"/>
+              <a:t>list</a:t>
+            </a:r>
+            <a:r>
+              <a:rPr lang="uk-UA" dirty="0"/>
+              <a:t>, </a:t>
+            </a:r>
+            <a:r>
+              <a:rPr lang="en-US" dirty="0" err="1"/>
+              <a:t>combobox</a:t>
+            </a:r>
+            <a:r>
+              <a:rPr lang="uk-UA" dirty="0"/>
+              <a:t>? Які є дві типи </a:t>
+            </a:r>
+            <a:r>
+              <a:rPr lang="en-US" dirty="0" err="1"/>
+              <a:t>combobox</a:t>
+            </a:r>
+            <a:r>
+              <a:rPr lang="uk-UA" dirty="0"/>
+              <a:t>-у?</a:t>
+            </a:r>
+          </a:p>
+          <a:p>
+            <a:pPr marL="0" indent="0" algn="just">
+              <a:buNone/>
+            </a:pPr>
+            <a:r>
+              <a:rPr lang="uk-UA" i="1" dirty="0" smtClean="0"/>
+              <a:t> - List-</a:t>
+            </a:r>
+            <a:r>
+              <a:rPr lang="en-US" i="1" dirty="0"/>
+              <a:t>box </a:t>
+            </a:r>
+            <a:r>
+              <a:rPr lang="uk-UA" i="1" dirty="0"/>
+              <a:t>дозволяє користувачу вибирати один або декілька пунктів із статичного багаторядкового списку. </a:t>
+            </a:r>
+            <a:endParaRPr lang="uk-UA" dirty="0"/>
+          </a:p>
+          <a:p>
+            <a:pPr marL="0" indent="0" algn="just">
+              <a:buNone/>
+            </a:pPr>
+            <a:r>
+              <a:rPr lang="uk-UA" i="1" dirty="0" smtClean="0"/>
+              <a:t> - </a:t>
+            </a:r>
+            <a:r>
+              <a:rPr lang="en-US" i="1" dirty="0" smtClean="0"/>
+              <a:t>Drop</a:t>
+            </a:r>
+            <a:r>
+              <a:rPr lang="uk-UA" i="1" dirty="0"/>
+              <a:t>-</a:t>
+            </a:r>
+            <a:r>
+              <a:rPr lang="en-US" i="1" dirty="0"/>
+              <a:t>down list </a:t>
+            </a:r>
+            <a:r>
+              <a:rPr lang="uk-UA" i="1" dirty="0"/>
+              <a:t>дозволяє користувачу вибрати одне значення зі списку. </a:t>
+            </a:r>
+            <a:endParaRPr lang="uk-UA" dirty="0"/>
+          </a:p>
+          <a:p>
+            <a:pPr marL="0" indent="0" algn="just">
+              <a:buNone/>
+            </a:pPr>
+            <a:r>
+              <a:rPr lang="uk-UA" i="1" dirty="0" smtClean="0"/>
+              <a:t> - </a:t>
+            </a:r>
+            <a:r>
+              <a:rPr lang="en-US" i="1" dirty="0" err="1" smtClean="0"/>
+              <a:t>Combobox</a:t>
+            </a:r>
+            <a:r>
+              <a:rPr lang="uk-UA" i="1" dirty="0" smtClean="0"/>
+              <a:t> </a:t>
+            </a:r>
+            <a:r>
+              <a:rPr lang="uk-UA" i="1" dirty="0"/>
+              <a:t>поєднує в собі текстове поле та випадний список. </a:t>
+            </a:r>
+            <a:r>
+              <a:rPr lang="en-US" i="1" dirty="0" err="1"/>
+              <a:t>Combobox</a:t>
+            </a:r>
+            <a:r>
+              <a:rPr lang="uk-UA" i="1" dirty="0"/>
+              <a:t> може мати можливість редагування або ні</a:t>
+            </a:r>
+            <a:r>
+              <a:rPr lang="uk-UA" i="1" dirty="0" smtClean="0"/>
+              <a:t>.</a:t>
+            </a:r>
+            <a:endParaRPr lang="uk-UA" dirty="0"/>
+          </a:p>
+        </p:txBody>
+      </p:sp>
+    </p:spTree>
+    <p:extLst>
+      <p:ext uri="{BB962C8B-B14F-4D97-AF65-F5344CB8AC3E}">
+        <p14:creationId xmlns:p14="http://schemas.microsoft.com/office/powerpoint/2010/main" val="3136290517"/>
+      </p:ext>
+    </p:extLst>
+  </p:cSld>
+  <p:clrMapOvr>
+    <a:masterClrMapping/>
+  </p:clrMapOvr>
+  <p:timing>
+    <p:tnLst>
+      <p:par>
+        <p:cTn id="1" dur="indefinite" restart="never" nodeType="tmRoot"/>
+      </p:par>
+    </p:tnLst>
+  </p:timing>
+</p:sld>
+</file>
+
+<file path=ppt/slides/slide24.xml><?xml version="1.0" encoding="utf-8"?>
+<p:sld xmlns:a="http://schemas.openxmlformats.org/drawingml/2006/main" xmlns:r="http://schemas.openxmlformats.org/officeDocument/2006/relationships" xmlns:p="http://schemas.openxmlformats.org/presentationml/2006/main">
+  <p:cSld>
+    <p:spTree>
+      <p:nvGrpSpPr>
+        <p:cNvPr id="1" name=""/>
+        <p:cNvGrpSpPr/>
+        <p:nvPr/>
+      </p:nvGrpSpPr>
+      <p:grpSpPr>
+        <a:xfrm>
+          <a:off x="0" y="0"/>
+          <a:ext cx="0" cy="0"/>
+          <a:chOff x="0" y="0"/>
+          <a:chExt cx="0" cy="0"/>
+        </a:xfrm>
+      </p:grpSpPr>
+      <p:sp>
+        <p:nvSpPr>
+          <p:cNvPr id="3" name="Объект 2"/>
+          <p:cNvSpPr>
+            <a:spLocks noGrp="1"/>
+          </p:cNvSpPr>
+          <p:nvPr>
+            <p:ph idx="1"/>
+          </p:nvPr>
+        </p:nvSpPr>
+        <p:spPr>
+          <a:xfrm>
+            <a:off x="467544" y="548680"/>
+            <a:ext cx="8229600" cy="5544616"/>
+          </a:xfrm>
+        </p:spPr>
+        <p:txBody>
+          <a:bodyPr/>
+          <a:lstStyle/>
+          <a:p>
+            <a:pPr marL="0" lvl="0" indent="0">
+              <a:buNone/>
+            </a:pPr>
+            <a:r>
+              <a:rPr lang="en-US" dirty="0" smtClean="0"/>
+              <a:t>22.</a:t>
+            </a:r>
+            <a:r>
+              <a:rPr lang="uk-UA" dirty="0" smtClean="0"/>
+              <a:t> </a:t>
+            </a:r>
+            <a:r>
+              <a:rPr lang="uk-UA" dirty="0"/>
+              <a:t>Є числа від 1 до 31(дні місяця) в drop-</a:t>
+            </a:r>
+            <a:r>
+              <a:rPr lang="uk-UA" dirty="0" err="1"/>
+              <a:t>down</a:t>
+            </a:r>
+            <a:r>
+              <a:rPr lang="uk-UA" dirty="0"/>
+              <a:t> списку. Як ми можемо вибрати 5-тий?</a:t>
+            </a:r>
+          </a:p>
+          <a:p>
+            <a:pPr marL="0" indent="0">
+              <a:buNone/>
+            </a:pPr>
+            <a:r>
+              <a:rPr lang="uk-UA" dirty="0"/>
+              <a:t> </a:t>
+            </a:r>
+            <a:endParaRPr lang="uk-UA" dirty="0" smtClean="0"/>
+          </a:p>
+          <a:p>
+            <a:pPr marL="0" indent="0">
+              <a:buNone/>
+            </a:pPr>
+            <a:endParaRPr lang="uk-UA" dirty="0"/>
+          </a:p>
+          <a:p>
+            <a:pPr marL="0" indent="0">
+              <a:buNone/>
+            </a:pPr>
+            <a:endParaRPr lang="uk-UA" dirty="0" smtClean="0"/>
+          </a:p>
+          <a:p>
+            <a:pPr marL="0" indent="0">
+              <a:buNone/>
+            </a:pPr>
+            <a:endParaRPr lang="uk-UA" dirty="0"/>
+          </a:p>
+          <a:p>
+            <a:pPr marL="0" indent="0">
+              <a:buNone/>
+            </a:pPr>
+            <a:r>
+              <a:rPr lang="uk-UA" i="1" dirty="0"/>
+              <a:t>Натиснути на елемент «drop-</a:t>
+            </a:r>
+            <a:r>
+              <a:rPr lang="uk-UA" i="1" dirty="0" err="1"/>
+              <a:t>down</a:t>
+            </a:r>
+            <a:r>
+              <a:rPr lang="uk-UA" i="1" dirty="0"/>
+              <a:t> </a:t>
+            </a:r>
+            <a:r>
+              <a:rPr lang="uk-UA" i="1" dirty="0" err="1"/>
+              <a:t>list</a:t>
+            </a:r>
+            <a:r>
+              <a:rPr lang="uk-UA" i="1" dirty="0"/>
+              <a:t>», вибрати «5» із </a:t>
+            </a:r>
+            <a:r>
+              <a:rPr lang="uk-UA" i="1" dirty="0" err="1"/>
+              <a:t>випадаючого</a:t>
+            </a:r>
+            <a:r>
+              <a:rPr lang="uk-UA" i="1" dirty="0"/>
+              <a:t> списку</a:t>
+            </a:r>
+            <a:r>
+              <a:rPr lang="uk-UA" i="1" dirty="0" smtClean="0"/>
+              <a:t>.</a:t>
+            </a:r>
+            <a:endParaRPr lang="uk-UA" dirty="0"/>
+          </a:p>
+        </p:txBody>
+      </p:sp>
+    </p:spTree>
+    <p:extLst>
+      <p:ext uri="{BB962C8B-B14F-4D97-AF65-F5344CB8AC3E}">
+        <p14:creationId xmlns:p14="http://schemas.microsoft.com/office/powerpoint/2010/main" val="3136290517"/>
+      </p:ext>
+    </p:extLst>
+  </p:cSld>
+  <p:clrMapOvr>
+    <a:masterClrMapping/>
+  </p:clrMapOvr>
+  <p:timing>
+    <p:tnLst>
+      <p:par>
+        <p:cTn id="1" dur="indefinite" restart="never" nodeType="tmRoot"/>
+      </p:par>
+    </p:tnLst>
+  </p:timing>
+</p:sld>
+</file>
+
+<file path=ppt/slides/slide25.xml><?xml version="1.0" encoding="utf-8"?>
+<p:sld xmlns:a="http://schemas.openxmlformats.org/drawingml/2006/main" xmlns:r="http://schemas.openxmlformats.org/officeDocument/2006/relationships" xmlns:p="http://schemas.openxmlformats.org/presentationml/2006/main">
+  <p:cSld>
+    <p:spTree>
+      <p:nvGrpSpPr>
+        <p:cNvPr id="1" name=""/>
+        <p:cNvGrpSpPr/>
+        <p:nvPr/>
+      </p:nvGrpSpPr>
+      <p:grpSpPr>
+        <a:xfrm>
+          <a:off x="0" y="0"/>
+          <a:ext cx="0" cy="0"/>
+          <a:chOff x="0" y="0"/>
+          <a:chExt cx="0" cy="0"/>
+        </a:xfrm>
+      </p:grpSpPr>
+      <p:sp>
+        <p:nvSpPr>
+          <p:cNvPr id="3" name="Объект 2"/>
+          <p:cNvSpPr>
+            <a:spLocks noGrp="1"/>
+          </p:cNvSpPr>
+          <p:nvPr>
+            <p:ph idx="1"/>
+          </p:nvPr>
+        </p:nvSpPr>
+        <p:spPr>
+          <a:xfrm>
+            <a:off x="467544" y="548680"/>
+            <a:ext cx="8229600" cy="5544616"/>
+          </a:xfrm>
+        </p:spPr>
+        <p:txBody>
+          <a:bodyPr/>
+          <a:lstStyle/>
+          <a:p>
+            <a:pPr marL="0" lvl="0" indent="0">
+              <a:buNone/>
+            </a:pPr>
+            <a:r>
+              <a:rPr lang="en-US" dirty="0" smtClean="0"/>
+              <a:t>23.</a:t>
+            </a:r>
+            <a:r>
+              <a:rPr lang="uk-UA" dirty="0" smtClean="0"/>
+              <a:t> </a:t>
+            </a:r>
+            <a:r>
+              <a:rPr lang="uk-UA" dirty="0"/>
+              <a:t>Є числа від 1 до 31(дні місяця) в drop-</a:t>
+            </a:r>
+            <a:r>
+              <a:rPr lang="uk-UA" dirty="0" err="1"/>
+              <a:t>down</a:t>
+            </a:r>
+            <a:r>
+              <a:rPr lang="uk-UA" dirty="0"/>
+              <a:t> списку. Як ми можемо змінити вибір між 3, 30 та 31?</a:t>
+            </a:r>
+          </a:p>
+          <a:p>
+            <a:pPr marL="0" indent="0">
+              <a:buNone/>
+            </a:pPr>
+            <a:r>
+              <a:rPr lang="ru-RU" dirty="0"/>
+              <a:t> </a:t>
+            </a:r>
+            <a:endParaRPr lang="ru-RU" dirty="0" smtClean="0"/>
+          </a:p>
+          <a:p>
+            <a:pPr marL="0" indent="0">
+              <a:buNone/>
+            </a:pPr>
+            <a:endParaRPr lang="ru-RU" dirty="0"/>
+          </a:p>
+          <a:p>
+            <a:pPr marL="0" indent="0">
+              <a:buNone/>
+            </a:pPr>
+            <a:endParaRPr lang="uk-UA" dirty="0"/>
+          </a:p>
+          <a:p>
+            <a:pPr marL="0" indent="0">
+              <a:buNone/>
+            </a:pPr>
+            <a:r>
+              <a:rPr lang="uk-UA" i="1" dirty="0"/>
+              <a:t>Натиснути на елемент «drop-</a:t>
+            </a:r>
+            <a:r>
+              <a:rPr lang="uk-UA" i="1" dirty="0" err="1"/>
+              <a:t>down</a:t>
+            </a:r>
+            <a:r>
+              <a:rPr lang="uk-UA" i="1" dirty="0"/>
+              <a:t> </a:t>
+            </a:r>
+            <a:r>
+              <a:rPr lang="uk-UA" i="1" dirty="0" err="1"/>
+              <a:t>list</a:t>
+            </a:r>
+            <a:r>
+              <a:rPr lang="uk-UA" i="1" dirty="0"/>
+              <a:t>», вибрати «3», перейти в кінець </a:t>
+            </a:r>
+            <a:r>
+              <a:rPr lang="uk-UA" i="1" dirty="0" err="1"/>
+              <a:t>випадаючого</a:t>
+            </a:r>
+            <a:r>
+              <a:rPr lang="uk-UA" i="1" dirty="0"/>
+              <a:t> списку за допомогою «</a:t>
+            </a:r>
+            <a:r>
+              <a:rPr lang="en-US" i="1" dirty="0"/>
+              <a:t>scroll-bar</a:t>
+            </a:r>
+            <a:r>
+              <a:rPr lang="uk-UA" i="1" dirty="0"/>
+              <a:t>», вибрати «30» та «31».</a:t>
+            </a:r>
+            <a:endParaRPr lang="uk-UA" dirty="0"/>
+          </a:p>
+          <a:p>
+            <a:pPr marL="0" indent="0">
+              <a:buNone/>
+            </a:pPr>
+            <a:endParaRPr lang="uk-UA" dirty="0"/>
+          </a:p>
+        </p:txBody>
+      </p:sp>
+    </p:spTree>
+    <p:extLst>
+      <p:ext uri="{BB962C8B-B14F-4D97-AF65-F5344CB8AC3E}">
+        <p14:creationId xmlns:p14="http://schemas.microsoft.com/office/powerpoint/2010/main" val="3136290517"/>
+      </p:ext>
+    </p:extLst>
+  </p:cSld>
+  <p:clrMapOvr>
+    <a:masterClrMapping/>
+  </p:clrMapOvr>
+  <p:timing>
+    <p:tnLst>
+      <p:par>
+        <p:cTn id="1" dur="indefinite" restart="never" nodeType="tmRoot"/>
+      </p:par>
+    </p:tnLst>
+  </p:timing>
+</p:sld>
+</file>
+
+<file path=ppt/slides/slide26.xml><?xml version="1.0" encoding="utf-8"?>
+<p:sld xmlns:a="http://schemas.openxmlformats.org/drawingml/2006/main" xmlns:r="http://schemas.openxmlformats.org/officeDocument/2006/relationships" xmlns:p="http://schemas.openxmlformats.org/presentationml/2006/main">
+  <p:cSld>
+    <p:spTree>
+      <p:nvGrpSpPr>
+        <p:cNvPr id="1" name=""/>
+        <p:cNvGrpSpPr/>
+        <p:nvPr/>
+      </p:nvGrpSpPr>
+      <p:grpSpPr>
+        <a:xfrm>
+          <a:off x="0" y="0"/>
+          <a:ext cx="0" cy="0"/>
+          <a:chOff x="0" y="0"/>
+          <a:chExt cx="0" cy="0"/>
+        </a:xfrm>
+      </p:grpSpPr>
+      <p:sp>
+        <p:nvSpPr>
+          <p:cNvPr id="2" name="Заголовок 1"/>
+          <p:cNvSpPr>
+            <a:spLocks noGrp="1"/>
+          </p:cNvSpPr>
+          <p:nvPr>
+            <p:ph type="title"/>
+          </p:nvPr>
+        </p:nvSpPr>
+        <p:spPr/>
+        <p:txBody>
+          <a:bodyPr/>
+          <a:lstStyle/>
+          <a:p>
+            <a:pPr algn="l"/>
+            <a:r>
+              <a:rPr lang="uk-UA" dirty="0" smtClean="0">
+                <a:latin typeface="Times New Roman" pitchFamily="18" charset="0"/>
+                <a:cs typeface="Times New Roman" pitchFamily="18" charset="0"/>
+              </a:rPr>
+              <a:t>Висновки:</a:t>
+            </a:r>
+            <a:endParaRPr lang="uk-UA" dirty="0">
+              <a:latin typeface="Times New Roman" pitchFamily="18" charset="0"/>
+              <a:cs typeface="Times New Roman" pitchFamily="18" charset="0"/>
+            </a:endParaRPr>
+          </a:p>
+        </p:txBody>
+      </p:sp>
+      <p:sp>
+        <p:nvSpPr>
+          <p:cNvPr id="3" name="Объект 2"/>
+          <p:cNvSpPr>
+            <a:spLocks noGrp="1"/>
+          </p:cNvSpPr>
+          <p:nvPr>
+            <p:ph idx="1"/>
+          </p:nvPr>
+        </p:nvSpPr>
+        <p:spPr/>
+        <p:txBody>
+          <a:bodyPr/>
+          <a:lstStyle/>
+          <a:p>
+            <a:pPr marL="0" indent="0" algn="just">
+              <a:buNone/>
+            </a:pPr>
+            <a:r>
+              <a:rPr lang="uk-UA" dirty="0">
+                <a:latin typeface="Times New Roman" pitchFamily="18" charset="0"/>
+                <a:cs typeface="Times New Roman" pitchFamily="18" charset="0"/>
+              </a:rPr>
+              <a:t>на даній лабораторній роботі я навчився перевіряти правильність побудови певних елементів графічного інтерфейсу користувача.</a:t>
+            </a:r>
+            <a:endParaRPr lang="uk-UA" dirty="0">
+              <a:latin typeface="Times New Roman" pitchFamily="18" charset="0"/>
+              <a:cs typeface="Times New Roman" pitchFamily="18" charset="0"/>
+            </a:endParaRPr>
+          </a:p>
+        </p:txBody>
+      </p:sp>
+    </p:spTree>
+    <p:extLst>
+      <p:ext uri="{BB962C8B-B14F-4D97-AF65-F5344CB8AC3E}">
+        <p14:creationId xmlns:p14="http://schemas.microsoft.com/office/powerpoint/2010/main" val="2736848013"/>
+      </p:ext>
+    </p:extLst>
+  </p:cSld>
+  <p:clrMapOvr>
+    <a:masterClrMapping/>
+  </p:clrMapOvr>
+  <p:timing>
+    <p:tnLst>
+      <p:par>
+        <p:cTn id="1" dur="indefinite" restart="never" nodeType="tmRoot"/>
+      </p:par>
+    </p:tnLst>
+  </p:timing>
+</p:sld>
+</file>
+
+<file path=ppt/slides/slide27.xml><?xml version="1.0" encoding="utf-8"?>
+<p:sld xmlns:a="http://schemas.openxmlformats.org/drawingml/2006/main" xmlns:r="http://schemas.openxmlformats.org/officeDocument/2006/relationships" xmlns:p="http://schemas.openxmlformats.org/presentationml/2006/main">
+  <p:cSld>
+    <p:spTree>
+      <p:nvGrpSpPr>
+        <p:cNvPr id="1" name=""/>
+        <p:cNvGrpSpPr/>
+        <p:nvPr/>
+      </p:nvGrpSpPr>
+      <p:grpSpPr>
+        <a:xfrm>
+          <a:off x="0" y="0"/>
+          <a:ext cx="0" cy="0"/>
+          <a:chOff x="0" y="0"/>
+          <a:chExt cx="0" cy="0"/>
+        </a:xfrm>
+      </p:grpSpPr>
+      <p:sp>
+        <p:nvSpPr>
+          <p:cNvPr id="2" name="Заголовок 1"/>
+          <p:cNvSpPr>
+            <a:spLocks noGrp="1"/>
+          </p:cNvSpPr>
+          <p:nvPr>
+            <p:ph type="title"/>
+          </p:nvPr>
+        </p:nvSpPr>
+        <p:spPr>
+          <a:xfrm>
+            <a:off x="395536" y="2564904"/>
+            <a:ext cx="8229600" cy="1143000"/>
+          </a:xfrm>
+        </p:spPr>
+        <p:txBody>
+          <a:bodyPr/>
+          <a:lstStyle/>
+          <a:p>
+            <a:r>
+              <a:rPr lang="uk-UA" dirty="0" smtClean="0">
+                <a:latin typeface="Times New Roman" pitchFamily="18" charset="0"/>
+                <a:cs typeface="Times New Roman" pitchFamily="18" charset="0"/>
+              </a:rPr>
+              <a:t>Дякую за увагу</a:t>
+            </a:r>
+            <a:endParaRPr lang="uk-UA" dirty="0">
+              <a:latin typeface="Times New Roman" pitchFamily="18" charset="0"/>
+              <a:cs typeface="Times New Roman" pitchFamily="18" charset="0"/>
+            </a:endParaRPr>
+          </a:p>
+        </p:txBody>
+      </p:sp>
+    </p:spTree>
+    <p:extLst>
+      <p:ext uri="{BB962C8B-B14F-4D97-AF65-F5344CB8AC3E}">
+        <p14:creationId xmlns:p14="http://schemas.microsoft.com/office/powerpoint/2010/main" val="2572275586"/>
+      </p:ext>
+    </p:extLst>
+  </p:cSld>
+  <p:clrMapOvr>
+    <a:masterClrMapping/>
+  </p:clrMapOvr>
+  <p:timing>
+    <p:tnLst>
+      <p:par>
+        <p:cTn id="1" dur="indefinite" restart="never" nodeType="tmRoot"/>
+      </p:par>
+    </p:tnLst>
+  </p:timing>
+</p:sld>
+</file>
+
+<file path=ppt/slides/slide3.xml><?xml version="1.0" encoding="utf-8"?>
+<p:sld xmlns:a="http://schemas.openxmlformats.org/drawingml/2006/main" xmlns:r="http://schemas.openxmlformats.org/officeDocument/2006/relationships" xmlns:p="http://schemas.openxmlformats.org/presentationml/2006/main">
+  <p:cSld>
+    <p:spTree>
+      <p:nvGrpSpPr>
+        <p:cNvPr id="1" name=""/>
+        <p:cNvGrpSpPr/>
+        <p:nvPr/>
+      </p:nvGrpSpPr>
+      <p:grpSpPr>
+        <a:xfrm>
+          <a:off x="0" y="0"/>
+          <a:ext cx="0" cy="0"/>
+          <a:chOff x="0" y="0"/>
+          <a:chExt cx="0" cy="0"/>
+        </a:xfrm>
+      </p:grpSpPr>
+      <p:sp>
+        <p:nvSpPr>
+          <p:cNvPr id="6" name="Заголовок 1"/>
+          <p:cNvSpPr>
+            <a:spLocks noGrp="1"/>
+          </p:cNvSpPr>
+          <p:nvPr>
+            <p:ph type="title"/>
+          </p:nvPr>
+        </p:nvSpPr>
+        <p:spPr>
+          <a:xfrm>
+            <a:off x="467544" y="260648"/>
+            <a:ext cx="8229600" cy="1143000"/>
+          </a:xfrm>
+        </p:spPr>
+        <p:txBody>
+          <a:bodyPr/>
+          <a:lstStyle/>
+          <a:p>
+            <a:pPr algn="just"/>
+            <a:r>
+              <a:rPr lang="uk-UA" dirty="0" smtClean="0">
+                <a:latin typeface="Times New Roman" pitchFamily="18" charset="0"/>
+                <a:cs typeface="Times New Roman" pitchFamily="18" charset="0"/>
+              </a:rPr>
+              <a:t>Виконання завдання</a:t>
+            </a:r>
+            <a:endParaRPr lang="uk-UA" dirty="0">
+              <a:latin typeface="Times New Roman" pitchFamily="18" charset="0"/>
+              <a:cs typeface="Times New Roman" pitchFamily="18" charset="0"/>
+            </a:endParaRPr>
+          </a:p>
+        </p:txBody>
+      </p:sp>
+      <p:sp>
+        <p:nvSpPr>
+          <p:cNvPr id="8" name="Объект 7"/>
+          <p:cNvSpPr>
+            <a:spLocks noGrp="1"/>
+          </p:cNvSpPr>
+          <p:nvPr>
+            <p:ph idx="1"/>
+          </p:nvPr>
+        </p:nvSpPr>
+        <p:spPr/>
+        <p:txBody>
+          <a:bodyPr/>
+          <a:lstStyle/>
+          <a:p>
+            <a:pPr marL="0" lvl="0" indent="0">
+              <a:buNone/>
+            </a:pPr>
+            <a:r>
+              <a:rPr lang="en-US" dirty="0" smtClean="0"/>
+              <a:t>1. </a:t>
+            </a:r>
+            <a:r>
+              <a:rPr lang="uk-UA" dirty="0" smtClean="0"/>
+              <a:t>Ч</a:t>
+            </a:r>
+            <a:r>
+              <a:rPr lang="ru-RU" dirty="0" smtClean="0"/>
+              <a:t>и </a:t>
+            </a:r>
+            <a:r>
+              <a:rPr lang="ru-RU" dirty="0"/>
+              <a:t>є </a:t>
+            </a:r>
+            <a:r>
+              <a:rPr lang="ru-RU" dirty="0" err="1"/>
+              <a:t>якісь</a:t>
+            </a:r>
+            <a:r>
+              <a:rPr lang="ru-RU" dirty="0"/>
+              <a:t> </a:t>
+            </a:r>
+            <a:r>
+              <a:rPr lang="ru-RU" dirty="0" err="1"/>
+              <a:t>неточності</a:t>
+            </a:r>
+            <a:r>
+              <a:rPr lang="ru-RU" dirty="0"/>
+              <a:t> в </a:t>
+            </a:r>
+            <a:r>
+              <a:rPr lang="ru-RU" dirty="0" err="1"/>
+              <a:t>інтерфейсі</a:t>
+            </a:r>
+            <a:r>
+              <a:rPr lang="ru-RU" dirty="0"/>
+              <a:t>?</a:t>
+            </a:r>
+            <a:endParaRPr lang="uk-UA" dirty="0"/>
+          </a:p>
+          <a:p>
+            <a:pPr marL="0" indent="0">
+              <a:buNone/>
+            </a:pPr>
+            <a:r>
+              <a:rPr lang="en-US" dirty="0"/>
+              <a:t> </a:t>
+            </a:r>
+            <a:endParaRPr lang="uk-UA" dirty="0"/>
+          </a:p>
+          <a:p>
+            <a:pPr marL="0" indent="0">
+              <a:buNone/>
+            </a:pPr>
+            <a:endParaRPr lang="ru-RU" i="1" dirty="0" smtClean="0"/>
+          </a:p>
+          <a:p>
+            <a:pPr marL="0" indent="0">
+              <a:buNone/>
+            </a:pPr>
+            <a:endParaRPr lang="ru-RU" i="1" dirty="0"/>
+          </a:p>
+          <a:p>
+            <a:pPr marL="0" indent="0">
+              <a:buNone/>
+            </a:pPr>
+            <a:endParaRPr lang="ru-RU" i="1" dirty="0" smtClean="0"/>
+          </a:p>
+          <a:p>
+            <a:pPr marL="0" indent="0">
+              <a:buNone/>
+            </a:pPr>
+            <a:r>
+              <a:rPr lang="ru-RU" i="1" dirty="0" smtClean="0"/>
+              <a:t>Так</a:t>
+            </a:r>
+            <a:r>
+              <a:rPr lang="ru-RU" i="1" dirty="0"/>
+              <a:t>. Кнопка </a:t>
+            </a:r>
+            <a:r>
+              <a:rPr lang="uk-UA" i="1" dirty="0" err="1"/>
+              <a:t>Cancel</a:t>
+            </a:r>
+            <a:r>
+              <a:rPr lang="uk-UA" i="1" dirty="0"/>
+              <a:t> має завжди бути доступною</a:t>
+            </a:r>
+            <a:endParaRPr lang="uk-UA" dirty="0"/>
+          </a:p>
+          <a:p>
+            <a:pPr marL="0" indent="0">
+              <a:buNone/>
+            </a:pPr>
+            <a:endParaRPr lang="uk-UA" dirty="0"/>
+          </a:p>
+        </p:txBody>
+      </p:sp>
+      <p:sp>
+        <p:nvSpPr>
+          <p:cNvPr id="9" name="Rectangle 2"/>
+          <p:cNvSpPr>
+            <a:spLocks noChangeArrowheads="1"/>
+          </p:cNvSpPr>
+          <p:nvPr/>
+        </p:nvSpPr>
+        <p:spPr bwMode="auto">
+          <a:xfrm>
+            <a:off x="0" y="0"/>
+            <a:ext cx="9144000" cy="0"/>
+          </a:xfrm>
+          <a:prstGeom prst="rect">
+            <a:avLst/>
+          </a:prstGeom>
+          <a:noFill/>
+          <a:ln>
+            <a:noFill/>
+          </a:ln>
+          <a:effectLst/>
+          <a:extLst>
+            <a:ext uri="{909E8E84-426E-40DD-AFC4-6F175D3DCCD1}">
+              <a14:hiddenFill xmlns:a14="http://schemas.microsoft.com/office/drawing/2010/main">
+                <a:solidFill>
+                  <a:schemeClr val="accent1"/>
+                </a:solidFill>
+              </a14:hiddenFill>
+            </a:ext>
+            <a:ext uri="{91240B29-F687-4F45-9708-019B960494DF}">
+              <a14:hiddenLine xmlns:a14="http://schemas.microsoft.com/office/drawing/2010/main" w="9525">
+                <a:solidFill>
+                  <a:schemeClr val="tx1"/>
+                </a:solidFill>
+                <a:miter lim="800000"/>
+                <a:headEnd/>
+                <a:tailEnd/>
+              </a14:hiddenLine>
+            </a:ext>
+            <a:ext uri="{AF507438-7753-43E0-B8FC-AC1667EBCBE1}">
+              <a14:hiddenEffects xmlns:a14="http://schemas.microsoft.com/office/drawing/2010/main">
+                <a:effectLst>
+                  <a:outerShdw dist="35921" dir="2700000" algn="ctr" rotWithShape="0">
+                    <a:schemeClr val="bg2"/>
+                  </a:outerShdw>
+                </a:effectLst>
+              </a14:hiddenEffects>
+            </a:ext>
+          </a:extLst>
+        </p:spPr>
+        <p:txBody>
+          <a:bodyPr vert="horz" wrap="none" lIns="91440" tIns="45720" rIns="91440" bIns="45720" numCol="1" anchor="ctr" anchorCtr="0" compatLnSpc="1">
+            <a:prstTxWarp prst="textNoShape">
+              <a:avLst/>
+            </a:prstTxWarp>
+            <a:spAutoFit/>
+          </a:bodyPr>
+          <a:lstStyle/>
+          <a:p>
+            <a:endParaRPr lang="uk-UA"/>
+          </a:p>
+        </p:txBody>
+      </p:sp>
+      <p:graphicFrame>
+        <p:nvGraphicFramePr>
+          <p:cNvPr id="10" name="Объект 9"/>
+          <p:cNvGraphicFramePr>
+            <a:graphicFrameLocks noChangeAspect="1"/>
+          </p:cNvGraphicFramePr>
+          <p:nvPr>
+            <p:extLst>
+              <p:ext uri="{D42A27DB-BD31-4B8C-83A1-F6EECF244321}">
+                <p14:modId xmlns:p14="http://schemas.microsoft.com/office/powerpoint/2010/main" val="2208862654"/>
+              </p:ext>
+            </p:extLst>
+          </p:nvPr>
+        </p:nvGraphicFramePr>
+        <p:xfrm>
+          <a:off x="2443478" y="2924944"/>
+          <a:ext cx="4257044" cy="936104"/>
+        </p:xfrm>
+        <a:graphic>
+          <a:graphicData uri="http://schemas.openxmlformats.org/presentationml/2006/ole">
+            <mc:AlternateContent xmlns:mc="http://schemas.openxmlformats.org/markup-compatibility/2006">
+              <mc:Choice xmlns:v="urn:schemas-microsoft-com:vml" Requires="v">
+                <p:oleObj spid="_x0000_s1028" name="Bitmap Image" r:id="rId3" imgW="1819529" imgH="400000" progId="Paint.Picture">
+                  <p:embed/>
+                </p:oleObj>
+              </mc:Choice>
+              <mc:Fallback>
+                <p:oleObj name="Bitmap Image" r:id="rId3" imgW="1819529" imgH="400000" progId="Paint.Picture">
+                  <p:embed/>
+                  <p:pic>
+                    <p:nvPicPr>
+                      <p:cNvPr id="0" name="Object 1"/>
+                      <p:cNvPicPr>
+                        <a:picLocks noChangeAspect="1" noChangeArrowheads="1"/>
+                      </p:cNvPicPr>
+                      <p:nvPr/>
+                    </p:nvPicPr>
+                    <p:blipFill>
+                      <a:blip r:embed="rId4">
+                        <a:extLst>
+                          <a:ext uri="{28A0092B-C50C-407E-A947-70E740481C1C}">
+                            <a14:useLocalDpi xmlns:a14="http://schemas.microsoft.com/office/drawing/2010/main" val="0"/>
+                          </a:ext>
+                        </a:extLst>
+                      </a:blip>
+                      <a:srcRect/>
+                      <a:stretch>
+                        <a:fillRect/>
+                      </a:stretch>
+                    </p:blipFill>
+                    <p:spPr bwMode="auto">
+                      <a:xfrm>
+                        <a:off x="2443478" y="2924944"/>
+                        <a:ext cx="4257044" cy="936104"/>
+                      </a:xfrm>
+                      <a:prstGeom prst="rect">
+                        <a:avLst/>
+                      </a:prstGeom>
+                      <a:noFill/>
+                    </p:spPr>
+                  </p:pic>
+                </p:oleObj>
+              </mc:Fallback>
+            </mc:AlternateContent>
+          </a:graphicData>
+        </a:graphic>
+      </p:graphicFrame>
+    </p:spTree>
+    <p:extLst>
+      <p:ext uri="{BB962C8B-B14F-4D97-AF65-F5344CB8AC3E}">
+        <p14:creationId xmlns:p14="http://schemas.microsoft.com/office/powerpoint/2010/main" val="1334728792"/>
+      </p:ext>
+    </p:extLst>
+  </p:cSld>
+  <p:clrMapOvr>
+    <a:masterClrMapping/>
+  </p:clrMapOvr>
+  <p:timing>
+    <p:tnLst>
+      <p:par>
+        <p:cTn id="1" dur="indefinite" restart="never" nodeType="tmRoot"/>
+      </p:par>
+    </p:tnLst>
+  </p:timing>
+</p:sld>
+</file>
+
+<file path=ppt/slides/slide4.xml><?xml version="1.0" encoding="utf-8"?>
+<p:sld xmlns:a="http://schemas.openxmlformats.org/drawingml/2006/main" xmlns:r="http://schemas.openxmlformats.org/officeDocument/2006/relationships" xmlns:p="http://schemas.openxmlformats.org/presentationml/2006/main">
+  <p:cSld>
+    <p:spTree>
+      <p:nvGrpSpPr>
+        <p:cNvPr id="1" name=""/>
+        <p:cNvGrpSpPr/>
+        <p:nvPr/>
+      </p:nvGrpSpPr>
+      <p:grpSpPr>
+        <a:xfrm>
+          <a:off x="0" y="0"/>
+          <a:ext cx="0" cy="0"/>
+          <a:chOff x="0" y="0"/>
+          <a:chExt cx="0" cy="0"/>
+        </a:xfrm>
+      </p:grpSpPr>
+      <p:sp>
+        <p:nvSpPr>
+          <p:cNvPr id="3" name="Объект 2"/>
+          <p:cNvSpPr>
+            <a:spLocks noGrp="1"/>
+          </p:cNvSpPr>
+          <p:nvPr>
+            <p:ph idx="1"/>
+          </p:nvPr>
+        </p:nvSpPr>
+        <p:spPr>
+          <a:xfrm>
+            <a:off x="467544" y="548680"/>
+            <a:ext cx="8229600" cy="5544616"/>
+          </a:xfrm>
+        </p:spPr>
+        <p:txBody>
+          <a:bodyPr/>
+          <a:lstStyle/>
+          <a:p>
+            <a:pPr marL="0" lvl="0" indent="0">
+              <a:buNone/>
+            </a:pPr>
+            <a:r>
+              <a:rPr lang="en-US" dirty="0" smtClean="0"/>
+              <a:t>2.</a:t>
+            </a:r>
+            <a:r>
+              <a:rPr lang="uk-UA" dirty="0" smtClean="0"/>
+              <a:t> </a:t>
+            </a:r>
+            <a:r>
+              <a:rPr lang="ru-RU" dirty="0" err="1"/>
+              <a:t>Чи</a:t>
+            </a:r>
+            <a:r>
+              <a:rPr lang="ru-RU" dirty="0"/>
+              <a:t> є </a:t>
+            </a:r>
+            <a:r>
+              <a:rPr lang="ru-RU" dirty="0" err="1"/>
+              <a:t>якісь</a:t>
+            </a:r>
+            <a:r>
+              <a:rPr lang="ru-RU" dirty="0"/>
+              <a:t> </a:t>
+            </a:r>
+            <a:r>
+              <a:rPr lang="ru-RU" dirty="0" err="1"/>
+              <a:t>неточності</a:t>
+            </a:r>
+            <a:r>
+              <a:rPr lang="ru-RU" dirty="0"/>
+              <a:t> в </a:t>
+            </a:r>
+            <a:r>
+              <a:rPr lang="ru-RU" dirty="0" err="1"/>
+              <a:t>інтерфейсі</a:t>
+            </a:r>
+            <a:r>
+              <a:rPr lang="ru-RU" dirty="0"/>
+              <a:t>?</a:t>
+            </a:r>
+            <a:endParaRPr lang="uk-UA" dirty="0"/>
+          </a:p>
+          <a:p>
+            <a:pPr marL="0" indent="0">
+              <a:buNone/>
+            </a:pPr>
+            <a:r>
+              <a:rPr lang="uk-UA" dirty="0"/>
+              <a:t> </a:t>
+            </a:r>
+            <a:endParaRPr lang="uk-UA" dirty="0" smtClean="0"/>
+          </a:p>
+          <a:p>
+            <a:pPr marL="0" indent="0">
+              <a:buNone/>
+            </a:pPr>
+            <a:endParaRPr lang="uk-UA" dirty="0"/>
+          </a:p>
+          <a:p>
+            <a:pPr marL="0" indent="0">
+              <a:buNone/>
+            </a:pPr>
+            <a:endParaRPr lang="uk-UA" dirty="0" smtClean="0"/>
+          </a:p>
+          <a:p>
+            <a:pPr marL="0" indent="0">
+              <a:buNone/>
+            </a:pPr>
+            <a:endParaRPr lang="uk-UA" dirty="0"/>
+          </a:p>
+          <a:p>
+            <a:pPr marL="0" indent="0">
+              <a:buNone/>
+            </a:pPr>
+            <a:endParaRPr lang="uk-UA" i="1" dirty="0" smtClean="0"/>
+          </a:p>
+          <a:p>
+            <a:pPr marL="0" indent="0">
+              <a:buNone/>
+            </a:pPr>
+            <a:r>
+              <a:rPr lang="uk-UA" i="1" dirty="0" smtClean="0"/>
+              <a:t>Ні </a:t>
+            </a:r>
+            <a:endParaRPr lang="uk-UA" dirty="0"/>
+          </a:p>
+          <a:p>
+            <a:pPr marL="0" indent="0">
+              <a:buNone/>
+            </a:pPr>
+            <a:endParaRPr lang="uk-UA" dirty="0"/>
+          </a:p>
+        </p:txBody>
+      </p:sp>
+      <p:sp>
+        <p:nvSpPr>
+          <p:cNvPr id="4" name="Rectangle 2"/>
+          <p:cNvSpPr>
+            <a:spLocks noChangeArrowheads="1"/>
+          </p:cNvSpPr>
+          <p:nvPr/>
+        </p:nvSpPr>
+        <p:spPr bwMode="auto">
+          <a:xfrm>
+            <a:off x="0" y="0"/>
+            <a:ext cx="9144000" cy="0"/>
+          </a:xfrm>
+          <a:prstGeom prst="rect">
+            <a:avLst/>
+          </a:prstGeom>
+          <a:noFill/>
+          <a:ln>
+            <a:noFill/>
+          </a:ln>
+          <a:effectLst/>
+          <a:extLst>
+            <a:ext uri="{909E8E84-426E-40DD-AFC4-6F175D3DCCD1}">
+              <a14:hiddenFill xmlns:a14="http://schemas.microsoft.com/office/drawing/2010/main">
+                <a:solidFill>
+                  <a:schemeClr val="accent1"/>
+                </a:solidFill>
+              </a14:hiddenFill>
+            </a:ext>
+            <a:ext uri="{91240B29-F687-4F45-9708-019B960494DF}">
+              <a14:hiddenLine xmlns:a14="http://schemas.microsoft.com/office/drawing/2010/main" w="9525">
+                <a:solidFill>
+                  <a:schemeClr val="tx1"/>
+                </a:solidFill>
+                <a:miter lim="800000"/>
+                <a:headEnd/>
+                <a:tailEnd/>
+              </a14:hiddenLine>
+            </a:ext>
+            <a:ext uri="{AF507438-7753-43E0-B8FC-AC1667EBCBE1}">
+              <a14:hiddenEffects xmlns:a14="http://schemas.microsoft.com/office/drawing/2010/main">
+                <a:effectLst>
+                  <a:outerShdw dist="35921" dir="2700000" algn="ctr" rotWithShape="0">
+                    <a:schemeClr val="bg2"/>
+                  </a:outerShdw>
+                </a:effectLst>
+              </a14:hiddenEffects>
+            </a:ext>
+          </a:extLst>
+        </p:spPr>
+        <p:txBody>
+          <a:bodyPr vert="horz" wrap="none" lIns="91440" tIns="45720" rIns="91440" bIns="45720" numCol="1" anchor="ctr" anchorCtr="0" compatLnSpc="1">
+            <a:prstTxWarp prst="textNoShape">
+              <a:avLst/>
+            </a:prstTxWarp>
+            <a:spAutoFit/>
+          </a:bodyPr>
+          <a:lstStyle/>
+          <a:p>
+            <a:endParaRPr lang="uk-UA"/>
+          </a:p>
+        </p:txBody>
+      </p:sp>
+      <p:graphicFrame>
+        <p:nvGraphicFramePr>
+          <p:cNvPr id="5" name="Объект 4"/>
+          <p:cNvGraphicFramePr>
+            <a:graphicFrameLocks noChangeAspect="1"/>
+          </p:cNvGraphicFramePr>
+          <p:nvPr>
+            <p:extLst>
+              <p:ext uri="{D42A27DB-BD31-4B8C-83A1-F6EECF244321}">
+                <p14:modId xmlns:p14="http://schemas.microsoft.com/office/powerpoint/2010/main" val="3603162178"/>
+              </p:ext>
+            </p:extLst>
+          </p:nvPr>
+        </p:nvGraphicFramePr>
+        <p:xfrm>
+          <a:off x="2267744" y="1916832"/>
+          <a:ext cx="4384016" cy="1656184"/>
+        </p:xfrm>
+        <a:graphic>
+          <a:graphicData uri="http://schemas.openxmlformats.org/presentationml/2006/ole">
+            <mc:AlternateContent xmlns:mc="http://schemas.openxmlformats.org/markup-compatibility/2006">
+              <mc:Choice xmlns:v="urn:schemas-microsoft-com:vml" Requires="v">
+                <p:oleObj spid="_x0000_s2052" name="Bitmap Image" r:id="rId3" imgW="2142857" imgH="809738" progId="Paint.Picture">
+                  <p:embed/>
+                </p:oleObj>
+              </mc:Choice>
+              <mc:Fallback>
+                <p:oleObj name="Bitmap Image" r:id="rId3" imgW="2142857" imgH="809738" progId="Paint.Picture">
+                  <p:embed/>
+                  <p:pic>
+                    <p:nvPicPr>
+                      <p:cNvPr id="0" name="Object 1"/>
+                      <p:cNvPicPr>
+                        <a:picLocks noChangeAspect="1" noChangeArrowheads="1"/>
+                      </p:cNvPicPr>
+                      <p:nvPr/>
+                    </p:nvPicPr>
+                    <p:blipFill>
+                      <a:blip r:embed="rId4">
+                        <a:extLst>
+                          <a:ext uri="{28A0092B-C50C-407E-A947-70E740481C1C}">
+                            <a14:useLocalDpi xmlns:a14="http://schemas.microsoft.com/office/drawing/2010/main" val="0"/>
+                          </a:ext>
+                        </a:extLst>
+                      </a:blip>
+                      <a:srcRect/>
+                      <a:stretch>
+                        <a:fillRect/>
+                      </a:stretch>
+                    </p:blipFill>
+                    <p:spPr bwMode="auto">
+                      <a:xfrm>
+                        <a:off x="2267744" y="1916832"/>
+                        <a:ext cx="4384016" cy="1656184"/>
+                      </a:xfrm>
+                      <a:prstGeom prst="rect">
+                        <a:avLst/>
+                      </a:prstGeom>
+                      <a:noFill/>
+                    </p:spPr>
+                  </p:pic>
+                </p:oleObj>
+              </mc:Fallback>
+            </mc:AlternateContent>
+          </a:graphicData>
+        </a:graphic>
+      </p:graphicFrame>
+    </p:spTree>
+    <p:extLst>
+      <p:ext uri="{BB962C8B-B14F-4D97-AF65-F5344CB8AC3E}">
+        <p14:creationId xmlns:p14="http://schemas.microsoft.com/office/powerpoint/2010/main" val="687303373"/>
+      </p:ext>
+    </p:extLst>
+  </p:cSld>
+  <p:clrMapOvr>
+    <a:masterClrMapping/>
+  </p:clrMapOvr>
+  <p:timing>
+    <p:tnLst>
+      <p:par>
+        <p:cTn id="1" dur="indefinite" restart="never" nodeType="tmRoot"/>
+      </p:par>
+    </p:tnLst>
+  </p:timing>
+</p:sld>
+</file>
+
+<file path=ppt/slides/slide5.xml><?xml version="1.0" encoding="utf-8"?>
+<p:sld xmlns:a="http://schemas.openxmlformats.org/drawingml/2006/main" xmlns:r="http://schemas.openxmlformats.org/officeDocument/2006/relationships" xmlns:p="http://schemas.openxmlformats.org/presentationml/2006/main">
+  <p:cSld>
+    <p:spTree>
+      <p:nvGrpSpPr>
+        <p:cNvPr id="1" name=""/>
+        <p:cNvGrpSpPr/>
+        <p:nvPr/>
+      </p:nvGrpSpPr>
+      <p:grpSpPr>
+        <a:xfrm>
+          <a:off x="0" y="0"/>
+          <a:ext cx="0" cy="0"/>
+          <a:chOff x="0" y="0"/>
+          <a:chExt cx="0" cy="0"/>
+        </a:xfrm>
+      </p:grpSpPr>
+      <p:sp>
+        <p:nvSpPr>
+          <p:cNvPr id="3" name="Объект 2"/>
+          <p:cNvSpPr>
+            <a:spLocks noGrp="1"/>
+          </p:cNvSpPr>
+          <p:nvPr>
+            <p:ph idx="1"/>
+          </p:nvPr>
+        </p:nvSpPr>
+        <p:spPr>
+          <a:xfrm>
+            <a:off x="467544" y="548680"/>
+            <a:ext cx="8229600" cy="5544616"/>
+          </a:xfrm>
+        </p:spPr>
+        <p:txBody>
+          <a:bodyPr>
+            <a:normAutofit lnSpcReduction="10000"/>
+          </a:bodyPr>
+          <a:lstStyle/>
+          <a:p>
+            <a:pPr marL="0" lvl="0" indent="0">
+              <a:buNone/>
+            </a:pPr>
+            <a:r>
+              <a:rPr lang="en-US" dirty="0"/>
+              <a:t>3</a:t>
+            </a:r>
+            <a:r>
+              <a:rPr lang="en-US" dirty="0" smtClean="0"/>
+              <a:t>.</a:t>
+            </a:r>
+            <a:r>
+              <a:rPr lang="uk-UA" dirty="0" smtClean="0"/>
+              <a:t> </a:t>
+            </a:r>
+            <a:r>
+              <a:rPr lang="ru-RU" dirty="0" err="1"/>
+              <a:t>Чи</a:t>
+            </a:r>
+            <a:r>
+              <a:rPr lang="ru-RU" dirty="0"/>
+              <a:t> є </a:t>
+            </a:r>
+            <a:r>
+              <a:rPr lang="ru-RU" dirty="0" err="1"/>
+              <a:t>якісь</a:t>
+            </a:r>
+            <a:r>
+              <a:rPr lang="ru-RU" dirty="0"/>
+              <a:t> </a:t>
+            </a:r>
+            <a:r>
+              <a:rPr lang="ru-RU" dirty="0" err="1"/>
+              <a:t>неточності</a:t>
+            </a:r>
+            <a:r>
+              <a:rPr lang="ru-RU" dirty="0"/>
+              <a:t> в </a:t>
+            </a:r>
+            <a:r>
+              <a:rPr lang="ru-RU" dirty="0" err="1"/>
+              <a:t>інтерфейсі</a:t>
+            </a:r>
+            <a:r>
+              <a:rPr lang="ru-RU" dirty="0"/>
+              <a:t>?</a:t>
+            </a:r>
+            <a:endParaRPr lang="uk-UA" dirty="0"/>
+          </a:p>
+          <a:p>
+            <a:pPr marL="0" indent="0">
+              <a:buNone/>
+            </a:pPr>
+            <a:r>
+              <a:rPr lang="uk-UA" dirty="0"/>
+              <a:t> </a:t>
+            </a:r>
+            <a:endParaRPr lang="uk-UA" dirty="0" smtClean="0"/>
+          </a:p>
+          <a:p>
+            <a:pPr marL="0" indent="0">
+              <a:buNone/>
+            </a:pPr>
+            <a:endParaRPr lang="uk-UA" dirty="0"/>
+          </a:p>
+          <a:p>
+            <a:pPr marL="0" indent="0">
+              <a:buNone/>
+            </a:pPr>
+            <a:endParaRPr lang="uk-UA" dirty="0" smtClean="0"/>
+          </a:p>
+          <a:p>
+            <a:pPr marL="0" indent="0">
+              <a:buNone/>
+            </a:pPr>
+            <a:endParaRPr lang="uk-UA" dirty="0"/>
+          </a:p>
+          <a:p>
+            <a:pPr marL="0" indent="0">
+              <a:buNone/>
+            </a:pPr>
+            <a:endParaRPr lang="uk-UA" dirty="0"/>
+          </a:p>
+          <a:p>
+            <a:pPr marL="0" indent="0" algn="just">
+              <a:buNone/>
+            </a:pPr>
+            <a:r>
+              <a:rPr lang="uk-UA" i="1" dirty="0"/>
+              <a:t>Так. Курсор при наведенні має ставати вказівником</a:t>
+            </a:r>
+            <a:r>
+              <a:rPr lang="ru-RU" i="1" dirty="0"/>
+              <a:t>, </a:t>
+            </a:r>
+            <a:r>
+              <a:rPr lang="uk-UA" i="1" dirty="0"/>
+              <a:t>а також повинна бути присутня підказка (</a:t>
+            </a:r>
+            <a:r>
+              <a:rPr lang="en-US" i="1" dirty="0"/>
+              <a:t>hint</a:t>
+            </a:r>
+            <a:r>
+              <a:rPr lang="uk-UA" i="1" dirty="0"/>
+              <a:t>)</a:t>
+            </a:r>
+            <a:r>
+              <a:rPr lang="ru-RU" i="1" dirty="0"/>
+              <a:t>, </a:t>
+            </a:r>
+            <a:r>
+              <a:rPr lang="uk-UA" i="1" dirty="0"/>
+              <a:t>в якій сказано чому поле введення недоступне.</a:t>
+            </a:r>
+            <a:endParaRPr lang="uk-UA" dirty="0"/>
+          </a:p>
+          <a:p>
+            <a:pPr marL="0" indent="0">
+              <a:buNone/>
+            </a:pPr>
+            <a:endParaRPr lang="uk-UA" dirty="0"/>
+          </a:p>
+        </p:txBody>
+      </p:sp>
+      <p:sp>
+        <p:nvSpPr>
+          <p:cNvPr id="2" name="Rectangle 2"/>
+          <p:cNvSpPr>
+            <a:spLocks noChangeArrowheads="1"/>
+          </p:cNvSpPr>
+          <p:nvPr/>
+        </p:nvSpPr>
+        <p:spPr bwMode="auto">
+          <a:xfrm>
+            <a:off x="0" y="0"/>
+            <a:ext cx="9144000" cy="0"/>
+          </a:xfrm>
+          <a:prstGeom prst="rect">
+            <a:avLst/>
+          </a:prstGeom>
+          <a:noFill/>
+          <a:ln>
+            <a:noFill/>
+          </a:ln>
+          <a:effectLst/>
+          <a:extLst>
+            <a:ext uri="{909E8E84-426E-40DD-AFC4-6F175D3DCCD1}">
+              <a14:hiddenFill xmlns:a14="http://schemas.microsoft.com/office/drawing/2010/main">
+                <a:solidFill>
+                  <a:schemeClr val="accent1"/>
+                </a:solidFill>
+              </a14:hiddenFill>
+            </a:ext>
+            <a:ext uri="{91240B29-F687-4F45-9708-019B960494DF}">
+              <a14:hiddenLine xmlns:a14="http://schemas.microsoft.com/office/drawing/2010/main" w="9525">
+                <a:solidFill>
+                  <a:schemeClr val="tx1"/>
+                </a:solidFill>
+                <a:miter lim="800000"/>
+                <a:headEnd/>
+                <a:tailEnd/>
+              </a14:hiddenLine>
+            </a:ext>
+            <a:ext uri="{AF507438-7753-43E0-B8FC-AC1667EBCBE1}">
+              <a14:hiddenEffects xmlns:a14="http://schemas.microsoft.com/office/drawing/2010/main">
+                <a:effectLst>
+                  <a:outerShdw dist="35921" dir="2700000" algn="ctr" rotWithShape="0">
+                    <a:schemeClr val="bg2"/>
+                  </a:outerShdw>
+                </a:effectLst>
+              </a14:hiddenEffects>
+            </a:ext>
+          </a:extLst>
+        </p:spPr>
+        <p:txBody>
+          <a:bodyPr vert="horz" wrap="none" lIns="91440" tIns="45720" rIns="91440" bIns="45720" numCol="1" anchor="ctr" anchorCtr="0" compatLnSpc="1">
+            <a:prstTxWarp prst="textNoShape">
+              <a:avLst/>
+            </a:prstTxWarp>
+            <a:spAutoFit/>
+          </a:bodyPr>
+          <a:lstStyle/>
+          <a:p>
+            <a:endParaRPr lang="uk-UA"/>
+          </a:p>
+        </p:txBody>
+      </p:sp>
+      <p:graphicFrame>
+        <p:nvGraphicFramePr>
+          <p:cNvPr id="4" name="Объект 3"/>
+          <p:cNvGraphicFramePr>
+            <a:graphicFrameLocks noChangeAspect="1"/>
+          </p:cNvGraphicFramePr>
+          <p:nvPr>
+            <p:extLst>
+              <p:ext uri="{D42A27DB-BD31-4B8C-83A1-F6EECF244321}">
+                <p14:modId xmlns:p14="http://schemas.microsoft.com/office/powerpoint/2010/main" val="3157976196"/>
+              </p:ext>
+            </p:extLst>
+          </p:nvPr>
+        </p:nvGraphicFramePr>
+        <p:xfrm>
+          <a:off x="2195736" y="1916832"/>
+          <a:ext cx="4564575" cy="1224136"/>
+        </p:xfrm>
+        <a:graphic>
+          <a:graphicData uri="http://schemas.openxmlformats.org/presentationml/2006/ole">
+            <mc:AlternateContent xmlns:mc="http://schemas.openxmlformats.org/markup-compatibility/2006">
+              <mc:Choice xmlns:v="urn:schemas-microsoft-com:vml" Requires="v">
+                <p:oleObj spid="_x0000_s3076" name="Bitmap Image" r:id="rId3" imgW="2095793" imgH="561905" progId="Paint.Picture">
+                  <p:embed/>
+                </p:oleObj>
+              </mc:Choice>
+              <mc:Fallback>
+                <p:oleObj name="Bitmap Image" r:id="rId3" imgW="2095793" imgH="561905" progId="Paint.Picture">
+                  <p:embed/>
+                  <p:pic>
+                    <p:nvPicPr>
+                      <p:cNvPr id="0" name="Object 1"/>
+                      <p:cNvPicPr>
+                        <a:picLocks noChangeAspect="1" noChangeArrowheads="1"/>
+                      </p:cNvPicPr>
+                      <p:nvPr/>
+                    </p:nvPicPr>
+                    <p:blipFill>
+                      <a:blip r:embed="rId4">
+                        <a:extLst>
+                          <a:ext uri="{28A0092B-C50C-407E-A947-70E740481C1C}">
+                            <a14:useLocalDpi xmlns:a14="http://schemas.microsoft.com/office/drawing/2010/main" val="0"/>
+                          </a:ext>
+                        </a:extLst>
+                      </a:blip>
+                      <a:srcRect/>
+                      <a:stretch>
+                        <a:fillRect/>
+                      </a:stretch>
+                    </p:blipFill>
+                    <p:spPr bwMode="auto">
+                      <a:xfrm>
+                        <a:off x="2195736" y="1916832"/>
+                        <a:ext cx="4564575" cy="1224136"/>
+                      </a:xfrm>
+                      <a:prstGeom prst="rect">
+                        <a:avLst/>
+                      </a:prstGeom>
+                      <a:noFill/>
+                    </p:spPr>
+                  </p:pic>
+                </p:oleObj>
+              </mc:Fallback>
+            </mc:AlternateContent>
+          </a:graphicData>
+        </a:graphic>
+      </p:graphicFrame>
+    </p:spTree>
+    <p:extLst>
+      <p:ext uri="{BB962C8B-B14F-4D97-AF65-F5344CB8AC3E}">
+        <p14:creationId xmlns:p14="http://schemas.microsoft.com/office/powerpoint/2010/main" val="2399162062"/>
+      </p:ext>
+    </p:extLst>
+  </p:cSld>
+  <p:clrMapOvr>
+    <a:masterClrMapping/>
+  </p:clrMapOvr>
+  <p:timing>
+    <p:tnLst>
+      <p:par>
+        <p:cTn id="1" dur="indefinite" restart="never" nodeType="tmRoot"/>
+      </p:par>
+    </p:tnLst>
+  </p:timing>
+</p:sld>
+</file>
+
+<file path=ppt/slides/slide6.xml><?xml version="1.0" encoding="utf-8"?>
+<p:sld xmlns:a="http://schemas.openxmlformats.org/drawingml/2006/main" xmlns:r="http://schemas.openxmlformats.org/officeDocument/2006/relationships" xmlns:p="http://schemas.openxmlformats.org/presentationml/2006/main">
+  <p:cSld>
+    <p:spTree>
+      <p:nvGrpSpPr>
+        <p:cNvPr id="1" name=""/>
+        <p:cNvGrpSpPr/>
+        <p:nvPr/>
+      </p:nvGrpSpPr>
+      <p:grpSpPr>
+        <a:xfrm>
+          <a:off x="0" y="0"/>
+          <a:ext cx="0" cy="0"/>
+          <a:chOff x="0" y="0"/>
+          <a:chExt cx="0" cy="0"/>
+        </a:xfrm>
+      </p:grpSpPr>
+      <p:sp>
+        <p:nvSpPr>
+          <p:cNvPr id="3" name="Объект 2"/>
+          <p:cNvSpPr>
+            <a:spLocks noGrp="1"/>
+          </p:cNvSpPr>
+          <p:nvPr>
+            <p:ph idx="1"/>
+          </p:nvPr>
+        </p:nvSpPr>
+        <p:spPr>
+          <a:xfrm>
+            <a:off x="467544" y="548680"/>
+            <a:ext cx="8229600" cy="5544616"/>
+          </a:xfrm>
+        </p:spPr>
+        <p:txBody>
+          <a:bodyPr/>
+          <a:lstStyle/>
+          <a:p>
+            <a:pPr marL="0" lvl="0" indent="0">
+              <a:buNone/>
+            </a:pPr>
+            <a:r>
+              <a:rPr lang="en-US" dirty="0"/>
+              <a:t>4</a:t>
+            </a:r>
+            <a:r>
+              <a:rPr lang="en-US" dirty="0" smtClean="0"/>
+              <a:t>.</a:t>
+            </a:r>
+            <a:r>
+              <a:rPr lang="uk-UA" dirty="0" smtClean="0"/>
+              <a:t> </a:t>
+            </a:r>
+            <a:r>
+              <a:rPr lang="uk-UA" dirty="0"/>
+              <a:t>Як можна позначити </a:t>
+            </a:r>
+            <a:r>
+              <a:rPr lang="uk-UA" dirty="0" err="1"/>
+              <a:t>checkbox</a:t>
+            </a:r>
+            <a:r>
+              <a:rPr lang="uk-UA" dirty="0"/>
+              <a:t>?</a:t>
+            </a:r>
+          </a:p>
+          <a:p>
+            <a:pPr marL="0" indent="0">
+              <a:buNone/>
+            </a:pPr>
+            <a:r>
+              <a:rPr lang="uk-UA" dirty="0"/>
+              <a:t> </a:t>
+            </a:r>
+            <a:endParaRPr lang="uk-UA" dirty="0" smtClean="0"/>
+          </a:p>
+          <a:p>
+            <a:pPr marL="0" indent="0">
+              <a:buNone/>
+            </a:pPr>
+            <a:endParaRPr lang="uk-UA" dirty="0"/>
+          </a:p>
+          <a:p>
+            <a:pPr marL="0" indent="0">
+              <a:buNone/>
+            </a:pPr>
+            <a:endParaRPr lang="uk-UA" dirty="0" smtClean="0"/>
+          </a:p>
+          <a:p>
+            <a:pPr marL="0" indent="0">
+              <a:buNone/>
+            </a:pPr>
+            <a:endParaRPr lang="uk-UA" dirty="0"/>
+          </a:p>
+          <a:p>
+            <a:pPr marL="0" indent="0">
+              <a:buNone/>
+            </a:pPr>
+            <a:endParaRPr lang="uk-UA" dirty="0"/>
+          </a:p>
+          <a:p>
+            <a:pPr marL="0" indent="0">
+              <a:buNone/>
+            </a:pPr>
+            <a:r>
+              <a:rPr lang="uk-UA" i="1" dirty="0"/>
+              <a:t>«</a:t>
+            </a:r>
+            <a:r>
+              <a:rPr lang="uk-UA" i="1" dirty="0" err="1"/>
+              <a:t>Клікнути</a:t>
+            </a:r>
+            <a:r>
+              <a:rPr lang="uk-UA" i="1" dirty="0"/>
+              <a:t>»</a:t>
+            </a:r>
+            <a:r>
+              <a:rPr lang="en-US" i="1" dirty="0"/>
+              <a:t> </a:t>
+            </a:r>
+            <a:r>
+              <a:rPr lang="en-US" i="1" dirty="0" err="1"/>
+              <a:t>по</a:t>
+            </a:r>
+            <a:r>
+              <a:rPr lang="en-US" i="1" dirty="0"/>
+              <a:t> </a:t>
+            </a:r>
+            <a:r>
+              <a:rPr lang="en-US" i="1" dirty="0" err="1"/>
+              <a:t>ньому</a:t>
+            </a:r>
+            <a:r>
+              <a:rPr lang="en-US" i="1" dirty="0"/>
+              <a:t>.</a:t>
+            </a:r>
+            <a:endParaRPr lang="uk-UA" dirty="0"/>
+          </a:p>
+          <a:p>
+            <a:pPr marL="0" indent="0">
+              <a:buNone/>
+            </a:pPr>
+            <a:endParaRPr lang="uk-UA" dirty="0"/>
+          </a:p>
+        </p:txBody>
+      </p:sp>
+    </p:spTree>
+    <p:extLst>
+      <p:ext uri="{BB962C8B-B14F-4D97-AF65-F5344CB8AC3E}">
+        <p14:creationId xmlns:p14="http://schemas.microsoft.com/office/powerpoint/2010/main" val="2923663303"/>
+      </p:ext>
+    </p:extLst>
+  </p:cSld>
+  <p:clrMapOvr>
+    <a:masterClrMapping/>
+  </p:clrMapOvr>
+  <p:timing>
+    <p:tnLst>
+      <p:par>
+        <p:cTn id="1" dur="indefinite" restart="never" nodeType="tmRoot"/>
+      </p:par>
+    </p:tnLst>
+  </p:timing>
+</p:sld>
+</file>
+
+<file path=ppt/slides/slide7.xml><?xml version="1.0" encoding="utf-8"?>
+<p:sld xmlns:a="http://schemas.openxmlformats.org/drawingml/2006/main" xmlns:r="http://schemas.openxmlformats.org/officeDocument/2006/relationships" xmlns:p="http://schemas.openxmlformats.org/presentationml/2006/main">
+  <p:cSld>
+    <p:spTree>
+      <p:nvGrpSpPr>
+        <p:cNvPr id="1" name=""/>
+        <p:cNvGrpSpPr/>
+        <p:nvPr/>
+      </p:nvGrpSpPr>
+      <p:grpSpPr>
+        <a:xfrm>
+          <a:off x="0" y="0"/>
+          <a:ext cx="0" cy="0"/>
+          <a:chOff x="0" y="0"/>
+          <a:chExt cx="0" cy="0"/>
+        </a:xfrm>
+      </p:grpSpPr>
+      <p:sp>
+        <p:nvSpPr>
+          <p:cNvPr id="3" name="Объект 2"/>
+          <p:cNvSpPr>
+            <a:spLocks noGrp="1"/>
+          </p:cNvSpPr>
+          <p:nvPr>
+            <p:ph idx="1"/>
+          </p:nvPr>
+        </p:nvSpPr>
+        <p:spPr>
+          <a:xfrm>
+            <a:off x="467544" y="548680"/>
+            <a:ext cx="8229600" cy="5544616"/>
+          </a:xfrm>
+        </p:spPr>
+        <p:txBody>
+          <a:bodyPr/>
+          <a:lstStyle/>
+          <a:p>
+            <a:pPr marL="0" lvl="0" indent="0">
+              <a:buNone/>
+            </a:pPr>
+            <a:r>
+              <a:rPr lang="en-US" dirty="0"/>
+              <a:t>5</a:t>
+            </a:r>
+            <a:r>
+              <a:rPr lang="en-US" dirty="0" smtClean="0"/>
+              <a:t>.</a:t>
+            </a:r>
+            <a:r>
+              <a:rPr lang="uk-UA" dirty="0" smtClean="0"/>
+              <a:t> </a:t>
+            </a:r>
+            <a:r>
+              <a:rPr lang="uk-UA" dirty="0"/>
+              <a:t>Секція «Стать» реалізована на екрані знизу. Опишіть слабкі сторони реалізації та запропонуйте покращення</a:t>
+            </a:r>
+            <a:r>
+              <a:rPr lang="uk-UA" dirty="0" smtClean="0"/>
+              <a:t>.</a:t>
+            </a:r>
+          </a:p>
+          <a:p>
+            <a:pPr marL="0" lvl="0" indent="0">
+              <a:buNone/>
+            </a:pPr>
+            <a:endParaRPr lang="uk-UA" dirty="0"/>
+          </a:p>
+          <a:p>
+            <a:pPr marL="0" indent="0">
+              <a:buNone/>
+            </a:pPr>
+            <a:r>
+              <a:rPr lang="uk-UA" dirty="0"/>
+              <a:t> </a:t>
+            </a:r>
+          </a:p>
+          <a:p>
+            <a:pPr marL="0" indent="0">
+              <a:buNone/>
+            </a:pPr>
+            <a:r>
+              <a:rPr lang="uk-UA" i="1" dirty="0" smtClean="0"/>
+              <a:t>Один </a:t>
+            </a:r>
+            <a:r>
+              <a:rPr lang="uk-UA" i="1" dirty="0" err="1"/>
+              <a:t>checkbox</a:t>
+            </a:r>
+            <a:r>
+              <a:rPr lang="uk-UA" i="1" dirty="0"/>
+              <a:t> зручніше бути б замінити на дві кнопки типу </a:t>
+            </a:r>
+            <a:r>
+              <a:rPr lang="en-US" i="1" dirty="0"/>
+              <a:t>radio button</a:t>
+            </a:r>
+            <a:r>
+              <a:rPr lang="uk-UA" i="1" dirty="0"/>
+              <a:t>.</a:t>
+            </a:r>
+            <a:endParaRPr lang="uk-UA" dirty="0"/>
+          </a:p>
+          <a:p>
+            <a:pPr marL="0" indent="0">
+              <a:buNone/>
+            </a:pPr>
+            <a:endParaRPr lang="uk-UA" dirty="0"/>
+          </a:p>
+        </p:txBody>
+      </p:sp>
+      <p:sp>
+        <p:nvSpPr>
+          <p:cNvPr id="2" name="Rectangle 2"/>
+          <p:cNvSpPr>
+            <a:spLocks noChangeArrowheads="1"/>
+          </p:cNvSpPr>
+          <p:nvPr/>
+        </p:nvSpPr>
+        <p:spPr bwMode="auto">
+          <a:xfrm>
+            <a:off x="0" y="0"/>
+            <a:ext cx="9144000" cy="0"/>
+          </a:xfrm>
+          <a:prstGeom prst="rect">
+            <a:avLst/>
+          </a:prstGeom>
+          <a:noFill/>
+          <a:ln>
+            <a:noFill/>
+          </a:ln>
+          <a:effectLst/>
+          <a:extLst>
+            <a:ext uri="{909E8E84-426E-40DD-AFC4-6F175D3DCCD1}">
+              <a14:hiddenFill xmlns:a14="http://schemas.microsoft.com/office/drawing/2010/main">
+                <a:solidFill>
+                  <a:schemeClr val="accent1"/>
+                </a:solidFill>
+              </a14:hiddenFill>
+            </a:ext>
+            <a:ext uri="{91240B29-F687-4F45-9708-019B960494DF}">
+              <a14:hiddenLine xmlns:a14="http://schemas.microsoft.com/office/drawing/2010/main" w="9525">
+                <a:solidFill>
+                  <a:schemeClr val="tx1"/>
+                </a:solidFill>
+                <a:miter lim="800000"/>
+                <a:headEnd/>
+                <a:tailEnd/>
+              </a14:hiddenLine>
+            </a:ext>
+            <a:ext uri="{AF507438-7753-43E0-B8FC-AC1667EBCBE1}">
+              <a14:hiddenEffects xmlns:a14="http://schemas.microsoft.com/office/drawing/2010/main">
+                <a:effectLst>
+                  <a:outerShdw dist="35921" dir="2700000" algn="ctr" rotWithShape="0">
+                    <a:schemeClr val="bg2"/>
+                  </a:outerShdw>
+                </a:effectLst>
+              </a14:hiddenEffects>
+            </a:ext>
+          </a:extLst>
+        </p:spPr>
+        <p:txBody>
+          <a:bodyPr vert="horz" wrap="none" lIns="91440" tIns="45720" rIns="91440" bIns="45720" numCol="1" anchor="ctr" anchorCtr="0" compatLnSpc="1">
+            <a:prstTxWarp prst="textNoShape">
+              <a:avLst/>
+            </a:prstTxWarp>
+            <a:spAutoFit/>
+          </a:bodyPr>
+          <a:lstStyle/>
+          <a:p>
+            <a:endParaRPr lang="uk-UA"/>
+          </a:p>
+        </p:txBody>
+      </p:sp>
+      <p:graphicFrame>
+        <p:nvGraphicFramePr>
+          <p:cNvPr id="4" name="Объект 3"/>
+          <p:cNvGraphicFramePr>
+            <a:graphicFrameLocks noChangeAspect="1"/>
+          </p:cNvGraphicFramePr>
+          <p:nvPr>
+            <p:extLst>
+              <p:ext uri="{D42A27DB-BD31-4B8C-83A1-F6EECF244321}">
+                <p14:modId xmlns:p14="http://schemas.microsoft.com/office/powerpoint/2010/main" val="3923932849"/>
+              </p:ext>
+            </p:extLst>
+          </p:nvPr>
+        </p:nvGraphicFramePr>
+        <p:xfrm>
+          <a:off x="3339427" y="2276872"/>
+          <a:ext cx="2465145" cy="707814"/>
+        </p:xfrm>
+        <a:graphic>
+          <a:graphicData uri="http://schemas.openxmlformats.org/presentationml/2006/ole">
+            <mc:AlternateContent xmlns:mc="http://schemas.openxmlformats.org/markup-compatibility/2006">
+              <mc:Choice xmlns:v="urn:schemas-microsoft-com:vml" Requires="v">
+                <p:oleObj spid="_x0000_s4103" name="Bitmap Image" r:id="rId3" imgW="961905" imgH="276117" progId="Paint.Picture">
+                  <p:embed/>
+                </p:oleObj>
+              </mc:Choice>
+              <mc:Fallback>
+                <p:oleObj name="Bitmap Image" r:id="rId3" imgW="961905" imgH="276117" progId="Paint.Picture">
+                  <p:embed/>
+                  <p:pic>
+                    <p:nvPicPr>
+                      <p:cNvPr id="0" name="Object 1"/>
+                      <p:cNvPicPr>
+                        <a:picLocks noChangeAspect="1" noChangeArrowheads="1"/>
+                      </p:cNvPicPr>
+                      <p:nvPr/>
+                    </p:nvPicPr>
+                    <p:blipFill>
+                      <a:blip r:embed="rId4">
+                        <a:extLst>
+                          <a:ext uri="{28A0092B-C50C-407E-A947-70E740481C1C}">
+                            <a14:useLocalDpi xmlns:a14="http://schemas.microsoft.com/office/drawing/2010/main" val="0"/>
+                          </a:ext>
+                        </a:extLst>
+                      </a:blip>
+                      <a:srcRect/>
+                      <a:stretch>
+                        <a:fillRect/>
+                      </a:stretch>
+                    </p:blipFill>
+                    <p:spPr bwMode="auto">
+                      <a:xfrm>
+                        <a:off x="3339427" y="2276872"/>
+                        <a:ext cx="2465145" cy="707814"/>
+                      </a:xfrm>
+                      <a:prstGeom prst="rect">
+                        <a:avLst/>
+                      </a:prstGeom>
+                      <a:noFill/>
+                    </p:spPr>
+                  </p:pic>
+                </p:oleObj>
+              </mc:Fallback>
+            </mc:AlternateContent>
+          </a:graphicData>
+        </a:graphic>
+      </p:graphicFrame>
+      <p:sp>
+        <p:nvSpPr>
+          <p:cNvPr id="5" name="Rectangle 4"/>
+          <p:cNvSpPr>
+            <a:spLocks noChangeArrowheads="1"/>
+          </p:cNvSpPr>
+          <p:nvPr/>
+        </p:nvSpPr>
+        <p:spPr bwMode="auto">
+          <a:xfrm>
+            <a:off x="0" y="0"/>
+            <a:ext cx="9144000" cy="0"/>
+          </a:xfrm>
+          <a:prstGeom prst="rect">
+            <a:avLst/>
+          </a:prstGeom>
+          <a:noFill/>
+          <a:ln>
+            <a:noFill/>
+          </a:ln>
+          <a:effectLst/>
+          <a:extLst>
+            <a:ext uri="{909E8E84-426E-40DD-AFC4-6F175D3DCCD1}">
+              <a14:hiddenFill xmlns:a14="http://schemas.microsoft.com/office/drawing/2010/main">
+                <a:solidFill>
+                  <a:schemeClr val="accent1"/>
+                </a:solidFill>
+              </a14:hiddenFill>
+            </a:ext>
+            <a:ext uri="{91240B29-F687-4F45-9708-019B960494DF}">
+              <a14:hiddenLine xmlns:a14="http://schemas.microsoft.com/office/drawing/2010/main" w="9525">
+                <a:solidFill>
+                  <a:schemeClr val="tx1"/>
+                </a:solidFill>
+                <a:miter lim="800000"/>
+                <a:headEnd/>
+                <a:tailEnd/>
+              </a14:hiddenLine>
+            </a:ext>
+            <a:ext uri="{AF507438-7753-43E0-B8FC-AC1667EBCBE1}">
+              <a14:hiddenEffects xmlns:a14="http://schemas.microsoft.com/office/drawing/2010/main">
+                <a:effectLst>
+                  <a:outerShdw dist="35921" dir="2700000" algn="ctr" rotWithShape="0">
+                    <a:schemeClr val="bg2"/>
+                  </a:outerShdw>
+                </a:effectLst>
+              </a14:hiddenEffects>
+            </a:ext>
+          </a:extLst>
+        </p:spPr>
+        <p:txBody>
+          <a:bodyPr vert="horz" wrap="none" lIns="91440" tIns="45720" rIns="91440" bIns="45720" numCol="1" anchor="ctr" anchorCtr="0" compatLnSpc="1">
+            <a:prstTxWarp prst="textNoShape">
+              <a:avLst/>
+            </a:prstTxWarp>
+            <a:spAutoFit/>
+          </a:bodyPr>
+          <a:lstStyle/>
+          <a:p>
+            <a:endParaRPr lang="uk-UA"/>
+          </a:p>
+        </p:txBody>
+      </p:sp>
+      <p:graphicFrame>
+        <p:nvGraphicFramePr>
+          <p:cNvPr id="6" name="Объект 5"/>
+          <p:cNvGraphicFramePr>
+            <a:graphicFrameLocks noChangeAspect="1"/>
+          </p:cNvGraphicFramePr>
+          <p:nvPr>
+            <p:extLst>
+              <p:ext uri="{D42A27DB-BD31-4B8C-83A1-F6EECF244321}">
+                <p14:modId xmlns:p14="http://schemas.microsoft.com/office/powerpoint/2010/main" val="2683601365"/>
+              </p:ext>
+            </p:extLst>
+          </p:nvPr>
+        </p:nvGraphicFramePr>
+        <p:xfrm>
+          <a:off x="3890272" y="4509120"/>
+          <a:ext cx="1363456" cy="936104"/>
+        </p:xfrm>
+        <a:graphic>
+          <a:graphicData uri="http://schemas.openxmlformats.org/presentationml/2006/ole">
+            <mc:AlternateContent xmlns:mc="http://schemas.openxmlformats.org/markup-compatibility/2006">
+              <mc:Choice xmlns:v="urn:schemas-microsoft-com:vml" Requires="v">
+                <p:oleObj spid="_x0000_s4104" name="Bitmap Image" r:id="rId5" imgW="638264" imgH="438095" progId="Paint.Picture">
+                  <p:embed/>
+                </p:oleObj>
+              </mc:Choice>
+              <mc:Fallback>
+                <p:oleObj name="Bitmap Image" r:id="rId5" imgW="638264" imgH="438095" progId="Paint.Picture">
+                  <p:embed/>
+                  <p:pic>
+                    <p:nvPicPr>
+                      <p:cNvPr id="0" name="Object 3"/>
+                      <p:cNvPicPr>
+                        <a:picLocks noChangeAspect="1" noChangeArrowheads="1"/>
+                      </p:cNvPicPr>
+                      <p:nvPr/>
+                    </p:nvPicPr>
+                    <p:blipFill>
+                      <a:blip r:embed="rId6">
+                        <a:extLst>
+                          <a:ext uri="{28A0092B-C50C-407E-A947-70E740481C1C}">
+                            <a14:useLocalDpi xmlns:a14="http://schemas.microsoft.com/office/drawing/2010/main" val="0"/>
+                          </a:ext>
+                        </a:extLst>
+                      </a:blip>
+                      <a:srcRect/>
+                      <a:stretch>
+                        <a:fillRect/>
+                      </a:stretch>
+                    </p:blipFill>
+                    <p:spPr bwMode="auto">
+                      <a:xfrm>
+                        <a:off x="3890272" y="4509120"/>
+                        <a:ext cx="1363456" cy="936104"/>
+                      </a:xfrm>
+                      <a:prstGeom prst="rect">
+                        <a:avLst/>
+                      </a:prstGeom>
+                      <a:noFill/>
+                    </p:spPr>
+                  </p:pic>
+                </p:oleObj>
+              </mc:Fallback>
+            </mc:AlternateContent>
+          </a:graphicData>
+        </a:graphic>
+      </p:graphicFrame>
+    </p:spTree>
+    <p:extLst>
+      <p:ext uri="{BB962C8B-B14F-4D97-AF65-F5344CB8AC3E}">
+        <p14:creationId xmlns:p14="http://schemas.microsoft.com/office/powerpoint/2010/main" val="86759370"/>
+      </p:ext>
+    </p:extLst>
+  </p:cSld>
+  <p:clrMapOvr>
+    <a:masterClrMapping/>
+  </p:clrMapOvr>
+  <p:timing>
+    <p:tnLst>
+      <p:par>
+        <p:cTn id="1" dur="indefinite" restart="never" nodeType="tmRoot"/>
+      </p:par>
+    </p:tnLst>
+  </p:timing>
+</p:sld>
+</file>
+
+<file path=ppt/slides/slide8.xml><?xml version="1.0" encoding="utf-8"?>
+<p:sld xmlns:a="http://schemas.openxmlformats.org/drawingml/2006/main" xmlns:r="http://schemas.openxmlformats.org/officeDocument/2006/relationships" xmlns:p="http://schemas.openxmlformats.org/presentationml/2006/main">
+  <p:cSld>
+    <p:spTree>
+      <p:nvGrpSpPr>
+        <p:cNvPr id="1" name=""/>
+        <p:cNvGrpSpPr/>
+        <p:nvPr/>
+      </p:nvGrpSpPr>
+      <p:grpSpPr>
+        <a:xfrm>
+          <a:off x="0" y="0"/>
+          <a:ext cx="0" cy="0"/>
+          <a:chOff x="0" y="0"/>
+          <a:chExt cx="0" cy="0"/>
+        </a:xfrm>
+      </p:grpSpPr>
+      <p:sp>
+        <p:nvSpPr>
+          <p:cNvPr id="3" name="Объект 2"/>
+          <p:cNvSpPr>
+            <a:spLocks noGrp="1"/>
+          </p:cNvSpPr>
+          <p:nvPr>
+            <p:ph idx="1"/>
+          </p:nvPr>
+        </p:nvSpPr>
+        <p:spPr>
+          <a:xfrm>
+            <a:off x="467544" y="332656"/>
+            <a:ext cx="8229600" cy="6120680"/>
+          </a:xfrm>
+        </p:spPr>
+        <p:txBody>
+          <a:bodyPr>
+            <a:normAutofit lnSpcReduction="10000"/>
+          </a:bodyPr>
+          <a:lstStyle/>
+          <a:p>
+            <a:pPr marL="0" lvl="0" indent="0">
+              <a:buNone/>
+            </a:pPr>
+            <a:r>
+              <a:rPr lang="en-US" sz="2800" dirty="0"/>
+              <a:t>6</a:t>
+            </a:r>
+            <a:r>
+              <a:rPr lang="en-US" sz="2800" dirty="0" smtClean="0"/>
+              <a:t>.</a:t>
+            </a:r>
+            <a:r>
+              <a:rPr lang="uk-UA" sz="2800" dirty="0" smtClean="0"/>
+              <a:t> </a:t>
+            </a:r>
+            <a:r>
+              <a:rPr lang="uk-UA" sz="2800" dirty="0"/>
+              <a:t>Будь ласка, запропонуйте покращення для частини екрану позначеного нижче. Вимоги: Якщо «</a:t>
+            </a:r>
+            <a:r>
+              <a:rPr lang="en-US" sz="2800" dirty="0"/>
+              <a:t>no thanks</a:t>
+            </a:r>
+            <a:r>
+              <a:rPr lang="uk-UA" sz="2800" dirty="0"/>
+              <a:t>» </a:t>
+            </a:r>
+            <a:r>
+              <a:rPr lang="en-US" sz="2800" dirty="0"/>
+              <a:t>checkbox</a:t>
+            </a:r>
+            <a:r>
+              <a:rPr lang="uk-UA" sz="2800" dirty="0"/>
+              <a:t> був вибраний інші поля мають бути недоступними</a:t>
+            </a:r>
+            <a:r>
+              <a:rPr lang="uk-UA" sz="2800" dirty="0" smtClean="0"/>
+              <a:t>.</a:t>
+            </a:r>
+          </a:p>
+          <a:p>
+            <a:pPr marL="0" lvl="0" indent="0">
+              <a:buNone/>
+            </a:pPr>
+            <a:endParaRPr lang="uk-UA" sz="2800" dirty="0" smtClean="0"/>
+          </a:p>
+          <a:p>
+            <a:pPr marL="0" lvl="0" indent="0">
+              <a:buNone/>
+            </a:pPr>
+            <a:endParaRPr lang="uk-UA" sz="2800" dirty="0" smtClean="0"/>
+          </a:p>
+          <a:p>
+            <a:pPr marL="0" lvl="0" indent="0">
+              <a:buNone/>
+            </a:pPr>
+            <a:endParaRPr lang="uk-UA" sz="2800" dirty="0"/>
+          </a:p>
+          <a:p>
+            <a:pPr marL="0" lvl="0" indent="0">
+              <a:buNone/>
+            </a:pPr>
+            <a:endParaRPr lang="uk-UA" sz="2800" dirty="0" smtClean="0"/>
+          </a:p>
+          <a:p>
+            <a:pPr marL="0" lvl="0" indent="0">
+              <a:buNone/>
+            </a:pPr>
+            <a:endParaRPr lang="uk-UA" sz="2800" dirty="0"/>
+          </a:p>
+          <a:p>
+            <a:pPr marL="0" lvl="0" indent="0">
+              <a:buNone/>
+            </a:pPr>
+            <a:endParaRPr lang="uk-UA" sz="2800" dirty="0" smtClean="0"/>
+          </a:p>
+          <a:p>
+            <a:pPr marL="0" lvl="0" indent="0">
+              <a:buNone/>
+            </a:pPr>
+            <a:endParaRPr lang="uk-UA" sz="2800" dirty="0"/>
+          </a:p>
+          <a:p>
+            <a:pPr marL="0" indent="0">
+              <a:buNone/>
+            </a:pPr>
+            <a:r>
+              <a:rPr lang="uk-UA" sz="2800" i="1" dirty="0"/>
+              <a:t>Додані дві кнопки типу </a:t>
+            </a:r>
+            <a:r>
+              <a:rPr lang="en-US" sz="2800" i="1" dirty="0"/>
+              <a:t>radio button</a:t>
+            </a:r>
+            <a:r>
+              <a:rPr lang="uk-UA" sz="2800" i="1" dirty="0"/>
+              <a:t>, при виборі першої </a:t>
+            </a:r>
+            <a:r>
+              <a:rPr lang="en-US" sz="2800" i="1" dirty="0"/>
+              <a:t>checkboxes</a:t>
+            </a:r>
+            <a:r>
+              <a:rPr lang="uk-UA" sz="2800" i="1" dirty="0"/>
+              <a:t> стають доступними</a:t>
+            </a:r>
+            <a:endParaRPr lang="uk-UA" sz="2800" dirty="0"/>
+          </a:p>
+          <a:p>
+            <a:pPr marL="0" indent="0">
+              <a:buNone/>
+            </a:pPr>
+            <a:endParaRPr lang="uk-UA" dirty="0"/>
+          </a:p>
+        </p:txBody>
+      </p:sp>
+      <p:sp>
+        <p:nvSpPr>
+          <p:cNvPr id="2" name="Rectangle 2"/>
+          <p:cNvSpPr>
+            <a:spLocks noChangeArrowheads="1"/>
+          </p:cNvSpPr>
+          <p:nvPr/>
+        </p:nvSpPr>
+        <p:spPr bwMode="auto">
+          <a:xfrm>
+            <a:off x="0" y="0"/>
+            <a:ext cx="9144000" cy="0"/>
+          </a:xfrm>
+          <a:prstGeom prst="rect">
+            <a:avLst/>
+          </a:prstGeom>
+          <a:noFill/>
+          <a:ln>
+            <a:noFill/>
+          </a:ln>
+          <a:effectLst/>
+          <a:extLst>
+            <a:ext uri="{909E8E84-426E-40DD-AFC4-6F175D3DCCD1}">
+              <a14:hiddenFill xmlns:a14="http://schemas.microsoft.com/office/drawing/2010/main">
+                <a:solidFill>
+                  <a:schemeClr val="accent1"/>
+                </a:solidFill>
+              </a14:hiddenFill>
+            </a:ext>
+            <a:ext uri="{91240B29-F687-4F45-9708-019B960494DF}">
+              <a14:hiddenLine xmlns:a14="http://schemas.microsoft.com/office/drawing/2010/main" w="9525">
+                <a:solidFill>
+                  <a:schemeClr val="tx1"/>
+                </a:solidFill>
+                <a:miter lim="800000"/>
+                <a:headEnd/>
+                <a:tailEnd/>
+              </a14:hiddenLine>
+            </a:ext>
+            <a:ext uri="{AF507438-7753-43E0-B8FC-AC1667EBCBE1}">
+              <a14:hiddenEffects xmlns:a14="http://schemas.microsoft.com/office/drawing/2010/main">
+                <a:effectLst>
+                  <a:outerShdw dist="35921" dir="2700000" algn="ctr" rotWithShape="0">
+                    <a:schemeClr val="bg2"/>
+                  </a:outerShdw>
+                </a:effectLst>
+              </a14:hiddenEffects>
+            </a:ext>
+          </a:extLst>
+        </p:spPr>
+        <p:txBody>
+          <a:bodyPr vert="horz" wrap="none" lIns="91440" tIns="45720" rIns="91440" bIns="45720" numCol="1" anchor="ctr" anchorCtr="0" compatLnSpc="1">
+            <a:prstTxWarp prst="textNoShape">
+              <a:avLst/>
+            </a:prstTxWarp>
+            <a:spAutoFit/>
+          </a:bodyPr>
+          <a:lstStyle/>
+          <a:p>
+            <a:endParaRPr lang="uk-UA"/>
+          </a:p>
+        </p:txBody>
+      </p:sp>
+      <p:graphicFrame>
+        <p:nvGraphicFramePr>
+          <p:cNvPr id="4" name="Объект 3"/>
+          <p:cNvGraphicFramePr>
+            <a:graphicFrameLocks noChangeAspect="1"/>
+          </p:cNvGraphicFramePr>
+          <p:nvPr>
+            <p:extLst>
+              <p:ext uri="{D42A27DB-BD31-4B8C-83A1-F6EECF244321}">
+                <p14:modId xmlns:p14="http://schemas.microsoft.com/office/powerpoint/2010/main" val="1220979015"/>
+              </p:ext>
+            </p:extLst>
+          </p:nvPr>
+        </p:nvGraphicFramePr>
+        <p:xfrm>
+          <a:off x="611560" y="2132856"/>
+          <a:ext cx="3084224" cy="3024336"/>
+        </p:xfrm>
+        <a:graphic>
+          <a:graphicData uri="http://schemas.openxmlformats.org/presentationml/2006/ole">
+            <mc:AlternateContent xmlns:mc="http://schemas.openxmlformats.org/markup-compatibility/2006">
+              <mc:Choice xmlns:v="urn:schemas-microsoft-com:vml" Requires="v">
+                <p:oleObj spid="_x0000_s5127" name="Bitmap Image" r:id="rId3" imgW="1961905" imgH="1924319" progId="Paint.Picture">
+                  <p:embed/>
+                </p:oleObj>
+              </mc:Choice>
+              <mc:Fallback>
+                <p:oleObj name="Bitmap Image" r:id="rId3" imgW="1961905" imgH="1924319" progId="Paint.Picture">
+                  <p:embed/>
+                  <p:pic>
+                    <p:nvPicPr>
+                      <p:cNvPr id="0" name="Object 1"/>
+                      <p:cNvPicPr>
+                        <a:picLocks noChangeAspect="1" noChangeArrowheads="1"/>
+                      </p:cNvPicPr>
+                      <p:nvPr/>
+                    </p:nvPicPr>
+                    <p:blipFill>
+                      <a:blip r:embed="rId4">
+                        <a:extLst>
+                          <a:ext uri="{28A0092B-C50C-407E-A947-70E740481C1C}">
+                            <a14:useLocalDpi xmlns:a14="http://schemas.microsoft.com/office/drawing/2010/main" val="0"/>
+                          </a:ext>
+                        </a:extLst>
+                      </a:blip>
+                      <a:srcRect/>
+                      <a:stretch>
+                        <a:fillRect/>
+                      </a:stretch>
+                    </p:blipFill>
+                    <p:spPr bwMode="auto">
+                      <a:xfrm>
+                        <a:off x="611560" y="2132856"/>
+                        <a:ext cx="3084224" cy="3024336"/>
+                      </a:xfrm>
+                      <a:prstGeom prst="rect">
+                        <a:avLst/>
+                      </a:prstGeom>
+                      <a:noFill/>
+                    </p:spPr>
+                  </p:pic>
+                </p:oleObj>
+              </mc:Fallback>
+            </mc:AlternateContent>
+          </a:graphicData>
+        </a:graphic>
+      </p:graphicFrame>
+      <p:sp>
+        <p:nvSpPr>
+          <p:cNvPr id="5" name="Rectangle 4"/>
+          <p:cNvSpPr>
+            <a:spLocks noChangeArrowheads="1"/>
+          </p:cNvSpPr>
+          <p:nvPr/>
+        </p:nvSpPr>
+        <p:spPr bwMode="auto">
+          <a:xfrm>
+            <a:off x="0" y="0"/>
+            <a:ext cx="9144000" cy="0"/>
+          </a:xfrm>
+          <a:prstGeom prst="rect">
+            <a:avLst/>
+          </a:prstGeom>
+          <a:noFill/>
+          <a:ln>
+            <a:noFill/>
+          </a:ln>
+          <a:effectLst/>
+          <a:extLst>
+            <a:ext uri="{909E8E84-426E-40DD-AFC4-6F175D3DCCD1}">
+              <a14:hiddenFill xmlns:a14="http://schemas.microsoft.com/office/drawing/2010/main">
+                <a:solidFill>
+                  <a:schemeClr val="accent1"/>
+                </a:solidFill>
+              </a14:hiddenFill>
+            </a:ext>
+            <a:ext uri="{91240B29-F687-4F45-9708-019B960494DF}">
+              <a14:hiddenLine xmlns:a14="http://schemas.microsoft.com/office/drawing/2010/main" w="9525">
+                <a:solidFill>
+                  <a:schemeClr val="tx1"/>
+                </a:solidFill>
+                <a:miter lim="800000"/>
+                <a:headEnd/>
+                <a:tailEnd/>
+              </a14:hiddenLine>
+            </a:ext>
+            <a:ext uri="{AF507438-7753-43E0-B8FC-AC1667EBCBE1}">
+              <a14:hiddenEffects xmlns:a14="http://schemas.microsoft.com/office/drawing/2010/main">
+                <a:effectLst>
+                  <a:outerShdw dist="35921" dir="2700000" algn="ctr" rotWithShape="0">
+                    <a:schemeClr val="bg2"/>
+                  </a:outerShdw>
+                </a:effectLst>
+              </a14:hiddenEffects>
+            </a:ext>
+          </a:extLst>
+        </p:spPr>
+        <p:txBody>
+          <a:bodyPr vert="horz" wrap="none" lIns="91440" tIns="45720" rIns="91440" bIns="45720" numCol="1" anchor="ctr" anchorCtr="0" compatLnSpc="1">
+            <a:prstTxWarp prst="textNoShape">
+              <a:avLst/>
+            </a:prstTxWarp>
+            <a:spAutoFit/>
+          </a:bodyPr>
+          <a:lstStyle/>
+          <a:p>
+            <a:endParaRPr lang="uk-UA"/>
+          </a:p>
+        </p:txBody>
+      </p:sp>
+      <p:graphicFrame>
+        <p:nvGraphicFramePr>
+          <p:cNvPr id="6" name="Объект 5"/>
+          <p:cNvGraphicFramePr>
+            <a:graphicFrameLocks noChangeAspect="1"/>
+          </p:cNvGraphicFramePr>
+          <p:nvPr>
+            <p:extLst>
+              <p:ext uri="{D42A27DB-BD31-4B8C-83A1-F6EECF244321}">
+                <p14:modId xmlns:p14="http://schemas.microsoft.com/office/powerpoint/2010/main" val="542407701"/>
+              </p:ext>
+            </p:extLst>
+          </p:nvPr>
+        </p:nvGraphicFramePr>
+        <p:xfrm>
+          <a:off x="5508104" y="2132856"/>
+          <a:ext cx="2911513" cy="2952328"/>
+        </p:xfrm>
+        <a:graphic>
+          <a:graphicData uri="http://schemas.openxmlformats.org/presentationml/2006/ole">
+            <mc:AlternateContent xmlns:mc="http://schemas.openxmlformats.org/markup-compatibility/2006">
+              <mc:Choice xmlns:v="urn:schemas-microsoft-com:vml" Requires="v">
+                <p:oleObj spid="_x0000_s5128" name="Bitmap Image" r:id="rId5" imgW="2038095" imgH="2066667" progId="Paint.Picture">
+                  <p:embed/>
+                </p:oleObj>
+              </mc:Choice>
+              <mc:Fallback>
+                <p:oleObj name="Bitmap Image" r:id="rId5" imgW="2038095" imgH="2066667" progId="Paint.Picture">
+                  <p:embed/>
+                  <p:pic>
+                    <p:nvPicPr>
+                      <p:cNvPr id="0" name="Object 3"/>
+                      <p:cNvPicPr>
+                        <a:picLocks noChangeAspect="1" noChangeArrowheads="1"/>
+                      </p:cNvPicPr>
+                      <p:nvPr/>
+                    </p:nvPicPr>
+                    <p:blipFill>
+                      <a:blip r:embed="rId6">
+                        <a:extLst>
+                          <a:ext uri="{28A0092B-C50C-407E-A947-70E740481C1C}">
+                            <a14:useLocalDpi xmlns:a14="http://schemas.microsoft.com/office/drawing/2010/main" val="0"/>
+                          </a:ext>
+                        </a:extLst>
+                      </a:blip>
+                      <a:srcRect/>
+                      <a:stretch>
+                        <a:fillRect/>
+                      </a:stretch>
+                    </p:blipFill>
+                    <p:spPr bwMode="auto">
+                      <a:xfrm>
+                        <a:off x="5508104" y="2132856"/>
+                        <a:ext cx="2911513" cy="2952328"/>
+                      </a:xfrm>
+                      <a:prstGeom prst="rect">
+                        <a:avLst/>
+                      </a:prstGeom>
+                      <a:noFill/>
+                    </p:spPr>
+                  </p:pic>
+                </p:oleObj>
+              </mc:Fallback>
+            </mc:AlternateContent>
+          </a:graphicData>
+        </a:graphic>
+      </p:graphicFrame>
+      <p:sp>
+        <p:nvSpPr>
+          <p:cNvPr id="7" name="Стрелка вправо 6"/>
+          <p:cNvSpPr/>
+          <p:nvPr/>
+        </p:nvSpPr>
+        <p:spPr>
+          <a:xfrm rot="8044394">
+            <a:off x="3559398" y="1697965"/>
+            <a:ext cx="576064" cy="432048"/>
+          </a:xfrm>
+          <a:prstGeom prst="rightArrow">
+            <a:avLst/>
+          </a:prstGeom>
+        </p:spPr>
+        <p:style>
+          <a:lnRef idx="2">
+            <a:schemeClr val="accent1">
+              <a:shade val="50000"/>
+            </a:schemeClr>
+          </a:lnRef>
+          <a:fillRef idx="1">
+            <a:schemeClr val="accent1"/>
+          </a:fillRef>
+          <a:effectRef idx="0">
+            <a:schemeClr val="accent1"/>
+          </a:effectRef>
+          <a:fontRef idx="minor">
+            <a:schemeClr val="lt1"/>
+          </a:fontRef>
+        </p:style>
+        <p:txBody>
+          <a:bodyPr rtlCol="0" anchor="ctr"/>
+          <a:lstStyle/>
+          <a:p>
+            <a:pPr algn="ctr"/>
+            <a:endParaRPr lang="uk-UA"/>
+          </a:p>
+        </p:txBody>
+      </p:sp>
+      <p:sp>
+        <p:nvSpPr>
+          <p:cNvPr id="8" name="Стрелка вправо 7"/>
+          <p:cNvSpPr/>
+          <p:nvPr/>
+        </p:nvSpPr>
+        <p:spPr>
+          <a:xfrm rot="19301210">
+            <a:off x="4931927" y="4749414"/>
+            <a:ext cx="576064" cy="432048"/>
+          </a:xfrm>
+          <a:prstGeom prst="rightArrow">
+            <a:avLst/>
+          </a:prstGeom>
+        </p:spPr>
+        <p:style>
+          <a:lnRef idx="2">
+            <a:schemeClr val="accent1">
+              <a:shade val="50000"/>
+            </a:schemeClr>
+          </a:lnRef>
+          <a:fillRef idx="1">
+            <a:schemeClr val="accent1"/>
+          </a:fillRef>
+          <a:effectRef idx="0">
+            <a:schemeClr val="accent1"/>
+          </a:effectRef>
+          <a:fontRef idx="minor">
+            <a:schemeClr val="lt1"/>
+          </a:fontRef>
+        </p:style>
+        <p:txBody>
+          <a:bodyPr rtlCol="0" anchor="ctr"/>
+          <a:lstStyle/>
+          <a:p>
+            <a:pPr algn="ctr"/>
+            <a:endParaRPr lang="uk-UA"/>
+          </a:p>
+        </p:txBody>
+      </p:sp>
+    </p:spTree>
+    <p:extLst>
+      <p:ext uri="{BB962C8B-B14F-4D97-AF65-F5344CB8AC3E}">
+        <p14:creationId xmlns:p14="http://schemas.microsoft.com/office/powerpoint/2010/main" val="1493077225"/>
+      </p:ext>
+    </p:extLst>
+  </p:cSld>
+  <p:clrMapOvr>
+    <a:masterClrMapping/>
+  </p:clrMapOvr>
+  <p:timing>
+    <p:tnLst>
+      <p:par>
+        <p:cTn id="1" dur="indefinite" restart="never" nodeType="tmRoot"/>
+      </p:par>
+    </p:tnLst>
+  </p:timing>
+</p:sld>
+</file>
+
+<file path=ppt/slides/slide9.xml><?xml version="1.0" encoding="utf-8"?>
+<p:sld xmlns:a="http://schemas.openxmlformats.org/drawingml/2006/main" xmlns:r="http://schemas.openxmlformats.org/officeDocument/2006/relationships" xmlns:p="http://schemas.openxmlformats.org/presentationml/2006/main">
+  <p:cSld>
+    <p:spTree>
+      <p:nvGrpSpPr>
+        <p:cNvPr id="1" name=""/>
+        <p:cNvGrpSpPr/>
+        <p:nvPr/>
+      </p:nvGrpSpPr>
+      <p:grpSpPr>
+        <a:xfrm>
+          <a:off x="0" y="0"/>
+          <a:ext cx="0" cy="0"/>
+          <a:chOff x="0" y="0"/>
+          <a:chExt cx="0" cy="0"/>
+        </a:xfrm>
+      </p:grpSpPr>
+      <p:sp>
+        <p:nvSpPr>
+          <p:cNvPr id="3" name="Объект 2"/>
+          <p:cNvSpPr>
+            <a:spLocks noGrp="1"/>
+          </p:cNvSpPr>
+          <p:nvPr>
+            <p:ph idx="1"/>
+          </p:nvPr>
+        </p:nvSpPr>
+        <p:spPr>
+          <a:xfrm>
+            <a:off x="467544" y="548680"/>
+            <a:ext cx="8229600" cy="5544616"/>
+          </a:xfrm>
+        </p:spPr>
+        <p:txBody>
+          <a:bodyPr/>
+          <a:lstStyle/>
+          <a:p>
+            <a:pPr marL="0" lvl="0" indent="0">
+              <a:buNone/>
+            </a:pPr>
+            <a:r>
+              <a:rPr lang="en-US" dirty="0" smtClean="0"/>
+              <a:t>7.</a:t>
+            </a:r>
+            <a:r>
+              <a:rPr lang="uk-UA" dirty="0"/>
+              <a:t> Запропонуйте рекомендації по покращенню </a:t>
+            </a:r>
+            <a:r>
+              <a:rPr lang="uk-UA" dirty="0" smtClean="0"/>
+              <a:t>інтерфейсу</a:t>
+            </a:r>
+          </a:p>
+          <a:p>
+            <a:pPr marL="0" lvl="0" indent="0">
+              <a:buNone/>
+            </a:pPr>
+            <a:endParaRPr lang="uk-UA" dirty="0"/>
+          </a:p>
+          <a:p>
+            <a:pPr marL="0" lvl="0" indent="0">
+              <a:buNone/>
+            </a:pPr>
+            <a:r>
+              <a:rPr lang="uk-UA" dirty="0"/>
+              <a:t/>
+            </a:r>
+            <a:br>
+              <a:rPr lang="uk-UA" dirty="0"/>
+            </a:br>
+            <a:endParaRPr lang="uk-UA" dirty="0" smtClean="0"/>
+          </a:p>
+          <a:p>
+            <a:pPr marL="0" indent="0">
+              <a:buNone/>
+            </a:pPr>
+            <a:r>
+              <a:rPr lang="en-US" i="1" dirty="0" smtClean="0"/>
+              <a:t>Checkboxes </a:t>
+            </a:r>
+            <a:r>
+              <a:rPr lang="uk-UA" i="1" dirty="0"/>
+              <a:t>краще замінити на дві кнопки типу </a:t>
+            </a:r>
+            <a:r>
+              <a:rPr lang="en-US" i="1" dirty="0"/>
+              <a:t>radio button</a:t>
+            </a:r>
+            <a:r>
+              <a:rPr lang="uk-UA" i="1" dirty="0"/>
+              <a:t>, для однозначності вибору</a:t>
+            </a:r>
+            <a:endParaRPr lang="uk-UA" dirty="0"/>
+          </a:p>
+          <a:p>
+            <a:pPr marL="0" indent="0">
+              <a:buNone/>
+            </a:pPr>
+            <a:endParaRPr lang="uk-UA" dirty="0"/>
+          </a:p>
+        </p:txBody>
+      </p:sp>
+      <p:sp>
+        <p:nvSpPr>
+          <p:cNvPr id="2" name="Rectangle 2"/>
+          <p:cNvSpPr>
+            <a:spLocks noChangeArrowheads="1"/>
+          </p:cNvSpPr>
+          <p:nvPr/>
+        </p:nvSpPr>
+        <p:spPr bwMode="auto">
+          <a:xfrm>
+            <a:off x="0" y="0"/>
+            <a:ext cx="9144000" cy="0"/>
+          </a:xfrm>
+          <a:prstGeom prst="rect">
+            <a:avLst/>
+          </a:prstGeom>
+          <a:noFill/>
+          <a:ln>
+            <a:noFill/>
+          </a:ln>
+          <a:effectLst/>
+          <a:extLst>
+            <a:ext uri="{909E8E84-426E-40DD-AFC4-6F175D3DCCD1}">
+              <a14:hiddenFill xmlns:a14="http://schemas.microsoft.com/office/drawing/2010/main">
+                <a:solidFill>
+                  <a:schemeClr val="accent1"/>
+                </a:solidFill>
+              </a14:hiddenFill>
+            </a:ext>
+            <a:ext uri="{91240B29-F687-4F45-9708-019B960494DF}">
+              <a14:hiddenLine xmlns:a14="http://schemas.microsoft.com/office/drawing/2010/main" w="9525">
+                <a:solidFill>
+                  <a:schemeClr val="tx1"/>
+                </a:solidFill>
+                <a:miter lim="800000"/>
+                <a:headEnd/>
+                <a:tailEnd/>
+              </a14:hiddenLine>
+            </a:ext>
+            <a:ext uri="{AF507438-7753-43E0-B8FC-AC1667EBCBE1}">
+              <a14:hiddenEffects xmlns:a14="http://schemas.microsoft.com/office/drawing/2010/main">
+                <a:effectLst>
+                  <a:outerShdw dist="35921" dir="2700000" algn="ctr" rotWithShape="0">
+                    <a:schemeClr val="bg2"/>
+                  </a:outerShdw>
+                </a:effectLst>
+              </a14:hiddenEffects>
+            </a:ext>
+          </a:extLst>
+        </p:spPr>
+        <p:txBody>
+          <a:bodyPr vert="horz" wrap="none" lIns="91440" tIns="45720" rIns="91440" bIns="45720" numCol="1" anchor="ctr" anchorCtr="0" compatLnSpc="1">
+            <a:prstTxWarp prst="textNoShape">
+              <a:avLst/>
+            </a:prstTxWarp>
+            <a:spAutoFit/>
+          </a:bodyPr>
+          <a:lstStyle/>
+          <a:p>
+            <a:endParaRPr lang="uk-UA"/>
+          </a:p>
+        </p:txBody>
+      </p:sp>
+      <p:graphicFrame>
+        <p:nvGraphicFramePr>
+          <p:cNvPr id="4" name="Объект 3"/>
+          <p:cNvGraphicFramePr>
+            <a:graphicFrameLocks noChangeAspect="1"/>
+          </p:cNvGraphicFramePr>
+          <p:nvPr>
+            <p:extLst>
+              <p:ext uri="{D42A27DB-BD31-4B8C-83A1-F6EECF244321}">
+                <p14:modId xmlns:p14="http://schemas.microsoft.com/office/powerpoint/2010/main" val="2105356615"/>
+              </p:ext>
+            </p:extLst>
+          </p:nvPr>
+        </p:nvGraphicFramePr>
+        <p:xfrm>
+          <a:off x="3028971" y="1916832"/>
+          <a:ext cx="3086057" cy="864096"/>
+        </p:xfrm>
+        <a:graphic>
+          <a:graphicData uri="http://schemas.openxmlformats.org/presentationml/2006/ole">
+            <mc:AlternateContent xmlns:mc="http://schemas.openxmlformats.org/markup-compatibility/2006">
+              <mc:Choice xmlns:v="urn:schemas-microsoft-com:vml" Requires="v">
+                <p:oleObj spid="_x0000_s6151" name="Bitmap Image" r:id="rId3" imgW="1666667" imgH="466543" progId="Paint.Picture">
+                  <p:embed/>
+                </p:oleObj>
+              </mc:Choice>
+              <mc:Fallback>
+                <p:oleObj name="Bitmap Image" r:id="rId3" imgW="1666667" imgH="466543" progId="Paint.Picture">
+                  <p:embed/>
+                  <p:pic>
+                    <p:nvPicPr>
+                      <p:cNvPr id="0" name="Object 1"/>
+                      <p:cNvPicPr>
+                        <a:picLocks noChangeAspect="1" noChangeArrowheads="1"/>
+                      </p:cNvPicPr>
+                      <p:nvPr/>
+                    </p:nvPicPr>
+                    <p:blipFill>
+                      <a:blip r:embed="rId4">
+                        <a:extLst>
+                          <a:ext uri="{28A0092B-C50C-407E-A947-70E740481C1C}">
+                            <a14:useLocalDpi xmlns:a14="http://schemas.microsoft.com/office/drawing/2010/main" val="0"/>
+                          </a:ext>
+                        </a:extLst>
+                      </a:blip>
+                      <a:srcRect/>
+                      <a:stretch>
+                        <a:fillRect/>
+                      </a:stretch>
+                    </p:blipFill>
+                    <p:spPr bwMode="auto">
+                      <a:xfrm>
+                        <a:off x="3028971" y="1916832"/>
+                        <a:ext cx="3086057" cy="864096"/>
+                      </a:xfrm>
+                      <a:prstGeom prst="rect">
+                        <a:avLst/>
+                      </a:prstGeom>
+                      <a:noFill/>
+                    </p:spPr>
+                  </p:pic>
+                </p:oleObj>
+              </mc:Fallback>
+            </mc:AlternateContent>
+          </a:graphicData>
+        </a:graphic>
+      </p:graphicFrame>
+      <p:sp>
+        <p:nvSpPr>
+          <p:cNvPr id="5" name="Rectangle 4"/>
+          <p:cNvSpPr>
+            <a:spLocks noChangeArrowheads="1"/>
+          </p:cNvSpPr>
+          <p:nvPr/>
+        </p:nvSpPr>
+        <p:spPr bwMode="auto">
+          <a:xfrm>
+            <a:off x="0" y="0"/>
+            <a:ext cx="9144000" cy="0"/>
+          </a:xfrm>
+          <a:prstGeom prst="rect">
+            <a:avLst/>
+          </a:prstGeom>
+          <a:noFill/>
+          <a:ln>
+            <a:noFill/>
+          </a:ln>
+          <a:effectLst/>
+          <a:extLst>
+            <a:ext uri="{909E8E84-426E-40DD-AFC4-6F175D3DCCD1}">
+              <a14:hiddenFill xmlns:a14="http://schemas.microsoft.com/office/drawing/2010/main">
+                <a:solidFill>
+                  <a:schemeClr val="accent1"/>
+                </a:solidFill>
+              </a14:hiddenFill>
+            </a:ext>
+            <a:ext uri="{91240B29-F687-4F45-9708-019B960494DF}">
+              <a14:hiddenLine xmlns:a14="http://schemas.microsoft.com/office/drawing/2010/main" w="9525">
+                <a:solidFill>
+                  <a:schemeClr val="tx1"/>
+                </a:solidFill>
+                <a:miter lim="800000"/>
+                <a:headEnd/>
+                <a:tailEnd/>
+              </a14:hiddenLine>
+            </a:ext>
+            <a:ext uri="{AF507438-7753-43E0-B8FC-AC1667EBCBE1}">
+              <a14:hiddenEffects xmlns:a14="http://schemas.microsoft.com/office/drawing/2010/main">
+                <a:effectLst>
+                  <a:outerShdw dist="35921" dir="2700000" algn="ctr" rotWithShape="0">
+                    <a:schemeClr val="bg2"/>
+                  </a:outerShdw>
+                </a:effectLst>
+              </a14:hiddenEffects>
+            </a:ext>
+          </a:extLst>
+        </p:spPr>
+        <p:txBody>
+          <a:bodyPr vert="horz" wrap="none" lIns="91440" tIns="45720" rIns="91440" bIns="45720" numCol="1" anchor="ctr" anchorCtr="0" compatLnSpc="1">
+            <a:prstTxWarp prst="textNoShape">
+              <a:avLst/>
+            </a:prstTxWarp>
+            <a:spAutoFit/>
+          </a:bodyPr>
+          <a:lstStyle/>
+          <a:p>
+            <a:endParaRPr lang="uk-UA"/>
+          </a:p>
+        </p:txBody>
+      </p:sp>
+      <p:graphicFrame>
+        <p:nvGraphicFramePr>
+          <p:cNvPr id="6" name="Объект 5"/>
+          <p:cNvGraphicFramePr>
+            <a:graphicFrameLocks noChangeAspect="1"/>
+          </p:cNvGraphicFramePr>
+          <p:nvPr>
+            <p:extLst>
+              <p:ext uri="{D42A27DB-BD31-4B8C-83A1-F6EECF244321}">
+                <p14:modId xmlns:p14="http://schemas.microsoft.com/office/powerpoint/2010/main" val="3320511489"/>
+              </p:ext>
+            </p:extLst>
+          </p:nvPr>
+        </p:nvGraphicFramePr>
+        <p:xfrm>
+          <a:off x="3748408" y="4509120"/>
+          <a:ext cx="1647183" cy="1080120"/>
+        </p:xfrm>
+        <a:graphic>
+          <a:graphicData uri="http://schemas.openxmlformats.org/presentationml/2006/ole">
+            <mc:AlternateContent xmlns:mc="http://schemas.openxmlformats.org/markup-compatibility/2006">
+              <mc:Choice xmlns:v="urn:schemas-microsoft-com:vml" Requires="v">
+                <p:oleObj spid="_x0000_s6152" name="Bitmap Image" r:id="rId5" imgW="581106" imgH="380852" progId="Paint.Picture">
+                  <p:embed/>
+                </p:oleObj>
+              </mc:Choice>
+              <mc:Fallback>
+                <p:oleObj name="Bitmap Image" r:id="rId5" imgW="581106" imgH="380852" progId="Paint.Picture">
+                  <p:embed/>
+                  <p:pic>
+                    <p:nvPicPr>
+                      <p:cNvPr id="0" name="Object 3"/>
+                      <p:cNvPicPr>
+                        <a:picLocks noChangeAspect="1" noChangeArrowheads="1"/>
+                      </p:cNvPicPr>
+                      <p:nvPr/>
+                    </p:nvPicPr>
+                    <p:blipFill>
+                      <a:blip r:embed="rId6">
+                        <a:extLst>
+                          <a:ext uri="{28A0092B-C50C-407E-A947-70E740481C1C}">
+                            <a14:useLocalDpi xmlns:a14="http://schemas.microsoft.com/office/drawing/2010/main" val="0"/>
+                          </a:ext>
+                        </a:extLst>
+                      </a:blip>
+                      <a:srcRect/>
+                      <a:stretch>
+                        <a:fillRect/>
+                      </a:stretch>
+                    </p:blipFill>
+                    <p:spPr bwMode="auto">
+                      <a:xfrm>
+                        <a:off x="3748408" y="4509120"/>
+                        <a:ext cx="1647183" cy="1080120"/>
+                      </a:xfrm>
+                      <a:prstGeom prst="rect">
+                        <a:avLst/>
+                      </a:prstGeom>
+                      <a:noFill/>
+                    </p:spPr>
+                  </p:pic>
+                </p:oleObj>
+              </mc:Fallback>
+            </mc:AlternateContent>
+          </a:graphicData>
+        </a:graphic>
+      </p:graphicFrame>
+    </p:spTree>
+    <p:extLst>
+      <p:ext uri="{BB962C8B-B14F-4D97-AF65-F5344CB8AC3E}">
+        <p14:creationId xmlns:p14="http://schemas.microsoft.com/office/powerpoint/2010/main" val="916701550"/>
+      </p:ext>
+    </p:extLst>
+  </p:cSld>
+  <p:clrMapOvr>
+    <a:masterClrMapping/>
+  </p:clrMapOvr>
+  <p:timing>
+    <p:tnLst>
+      <p:par>
+        <p:cTn id="1" dur="indefinite" restart="never" nodeType="tmRoot"/>
+      </p:par>
+    </p:tnLst>
+  </p:timing>
+</p:sld>
 </file>
 
 <file path=ppt/theme/theme1.xml><?xml version="1.0" encoding="utf-8"?>
